--- a/Beyond the Spectrum .pptx
+++ b/Beyond the Spectrum .pptx
@@ -5,18 +5,19 @@
     <p:sldMasterId id="2147483648" r:id="rId1"/>
   </p:sldMasterIdLst>
   <p:notesMasterIdLst>
-    <p:notesMasterId r:id="rId8"/>
+    <p:notesMasterId r:id="rId9"/>
   </p:notesMasterIdLst>
   <p:handoutMasterIdLst>
-    <p:handoutMasterId r:id="rId9"/>
+    <p:handoutMasterId r:id="rId10"/>
   </p:handoutMasterIdLst>
   <p:sldIdLst>
     <p:sldId id="256" r:id="rId2"/>
     <p:sldId id="259" r:id="rId3"/>
     <p:sldId id="258" r:id="rId4"/>
-    <p:sldId id="260" r:id="rId5"/>
-    <p:sldId id="261" r:id="rId6"/>
-    <p:sldId id="262" r:id="rId7"/>
+    <p:sldId id="263" r:id="rId5"/>
+    <p:sldId id="260" r:id="rId6"/>
+    <p:sldId id="261" r:id="rId7"/>
+    <p:sldId id="262" r:id="rId8"/>
   </p:sldIdLst>
   <p:sldSz cx="9144000" cy="6858000" type="screen4x3"/>
   <p:notesSz cx="6858000" cy="9144000"/>
@@ -967,6 +968,655 @@
     <p:extLst>
       <p:ext uri="{BB962C8B-B14F-4D97-AF65-F5344CB8AC3E}">
         <p14:creationId xmlns:p14="http://schemas.microsoft.com/office/powerpoint/2010/main" val="3392151389"/>
+      </p:ext>
+    </p:extLst>
+  </p:cSld>
+  <p:clrMapOvr>
+    <a:masterClrMapping/>
+  </p:clrMapOvr>
+</p:notes>
+</file>
+
+<file path=ppt/notesSlides/notesSlide3.xml><?xml version="1.0" encoding="utf-8"?>
+<p:notes xmlns:a="http://schemas.openxmlformats.org/drawingml/2006/main" xmlns:r="http://schemas.openxmlformats.org/officeDocument/2006/relationships" xmlns:p="http://schemas.openxmlformats.org/presentationml/2006/main">
+  <p:cSld>
+    <p:spTree>
+      <p:nvGrpSpPr>
+        <p:cNvPr id="1" name=""/>
+        <p:cNvGrpSpPr/>
+        <p:nvPr/>
+      </p:nvGrpSpPr>
+      <p:grpSpPr>
+        <a:xfrm>
+          <a:off x="0" y="0"/>
+          <a:ext cx="0" cy="0"/>
+          <a:chOff x="0" y="0"/>
+          <a:chExt cx="0" cy="0"/>
+        </a:xfrm>
+      </p:grpSpPr>
+      <p:sp>
+        <p:nvSpPr>
+          <p:cNvPr id="2" name="Slide Image Placeholder 1"/>
+          <p:cNvSpPr>
+            <a:spLocks noGrp="1" noRot="1" noChangeAspect="1"/>
+          </p:cNvSpPr>
+          <p:nvPr>
+            <p:ph type="sldImg"/>
+          </p:nvPr>
+        </p:nvSpPr>
+        <p:spPr/>
+      </p:sp>
+      <p:sp>
+        <p:nvSpPr>
+          <p:cNvPr id="3" name="Notes Placeholder 2"/>
+          <p:cNvSpPr>
+            <a:spLocks noGrp="1"/>
+          </p:cNvSpPr>
+          <p:nvPr>
+            <p:ph type="body" idx="1"/>
+          </p:nvPr>
+        </p:nvSpPr>
+        <p:spPr/>
+        <p:txBody>
+          <a:bodyPr/>
+          <a:lstStyle/>
+          <a:p>
+            <a:pPr algn="l">
+              <a:buFont typeface="+mj-lt"/>
+              <a:buAutoNum type="arabicPeriod"/>
+            </a:pPr>
+            <a:r>
+              <a:rPr lang="en-US" b="1" i="0" dirty="0">
+                <a:solidFill>
+                  <a:srgbClr val="D2D0CE"/>
+                </a:solidFill>
+                <a:effectLst/>
+                <a:latin typeface="-apple-system"/>
+              </a:rPr>
+              <a:t>Increasing Prevalence</a:t>
+            </a:r>
+            <a:r>
+              <a:rPr lang="en-US" b="0" i="0" dirty="0">
+                <a:solidFill>
+                  <a:srgbClr val="D2D0CE"/>
+                </a:solidFill>
+                <a:effectLst/>
+                <a:latin typeface="-apple-system"/>
+              </a:rPr>
+              <a:t>: The prevalence of ASD has increased significantly from 2000 to 2020. In 2000, the prevalence was 6.7 per 1,000 children (about 1 in 150), while in 2020, it was 27.6 per 1,000 children (about 1 in 36).</a:t>
+            </a:r>
+          </a:p>
+          <a:p>
+            <a:pPr algn="l">
+              <a:buFont typeface="+mj-lt"/>
+              <a:buAutoNum type="arabicPeriod"/>
+            </a:pPr>
+            <a:r>
+              <a:rPr lang="en-US" b="1" i="0" dirty="0">
+                <a:solidFill>
+                  <a:srgbClr val="D2D0CE"/>
+                </a:solidFill>
+                <a:effectLst/>
+                <a:latin typeface="-apple-system"/>
+              </a:rPr>
+              <a:t>Consistency in Reporting Sites</a:t>
+            </a:r>
+            <a:r>
+              <a:rPr lang="en-US" b="0" i="0" dirty="0">
+                <a:solidFill>
+                  <a:srgbClr val="D2D0CE"/>
+                </a:solidFill>
+                <a:effectLst/>
+                <a:latin typeface="-apple-system"/>
+              </a:rPr>
+              <a:t>: The number of ADDM sites reporting data has remained relatively consistent, with 11 sites reporting in most years. This consistency helps ensure the reliability of the data over time.</a:t>
+            </a:r>
+          </a:p>
+          <a:p>
+            <a:pPr algn="l">
+              <a:buFont typeface="+mj-lt"/>
+              <a:buAutoNum type="arabicPeriod"/>
+            </a:pPr>
+            <a:r>
+              <a:rPr lang="en-US" b="1" i="0" dirty="0">
+                <a:solidFill>
+                  <a:srgbClr val="D2D0CE"/>
+                </a:solidFill>
+                <a:effectLst/>
+                <a:latin typeface="-apple-system"/>
+              </a:rPr>
+              <a:t>Range of Prevalence</a:t>
+            </a:r>
+            <a:r>
+              <a:rPr lang="en-US" b="0" i="0" dirty="0">
+                <a:solidFill>
+                  <a:srgbClr val="D2D0CE"/>
+                </a:solidFill>
+                <a:effectLst/>
+                <a:latin typeface="-apple-system"/>
+              </a:rPr>
+              <a:t>: The range of prevalence across different ADDM sites shows variability, indicating that some regions have higher or lower rates of ASD diagnosis. For example, in 2020, the range was 23.1 to 44.9 per 1,000 children.</a:t>
+            </a:r>
+          </a:p>
+          <a:p>
+            <a:pPr algn="l">
+              <a:buFont typeface="+mj-lt"/>
+              <a:buAutoNum type="arabicPeriod"/>
+            </a:pPr>
+            <a:r>
+              <a:rPr lang="en-US" b="1" i="0" dirty="0">
+                <a:solidFill>
+                  <a:srgbClr val="D2D0CE"/>
+                </a:solidFill>
+                <a:effectLst/>
+                <a:latin typeface="-apple-system"/>
+              </a:rPr>
+              <a:t>Yearly Trends</a:t>
+            </a:r>
+            <a:r>
+              <a:rPr lang="en-US" b="0" i="0" dirty="0">
+                <a:solidFill>
+                  <a:srgbClr val="D2D0CE"/>
+                </a:solidFill>
+                <a:effectLst/>
+                <a:latin typeface="-apple-system"/>
+              </a:rPr>
+              <a:t>: Each surveillance year shows a gradual increase in the prevalence rate, reflecting either an increase in the actual incidence of ASD, better diagnostic practices, or a combination of both.</a:t>
+            </a:r>
+          </a:p>
+          <a:p>
+            <a:endParaRPr lang="en-US" dirty="0"/>
+          </a:p>
+        </p:txBody>
+      </p:sp>
+      <p:sp>
+        <p:nvSpPr>
+          <p:cNvPr id="4" name="Slide Number Placeholder 3"/>
+          <p:cNvSpPr>
+            <a:spLocks noGrp="1"/>
+          </p:cNvSpPr>
+          <p:nvPr>
+            <p:ph type="sldNum" sz="quarter" idx="5"/>
+          </p:nvPr>
+        </p:nvSpPr>
+        <p:spPr/>
+        <p:txBody>
+          <a:bodyPr/>
+          <a:lstStyle/>
+          <a:p>
+            <a:fld id="{77B553C0-A9C6-4E54-AC1A-FAC8634B84DD}" type="slidenum">
+              <a:rPr lang="ru-RU" smtClean="0"/>
+              <a:pPr/>
+              <a:t>4</a:t>
+            </a:fld>
+            <a:endParaRPr lang="ru-RU"/>
+          </a:p>
+        </p:txBody>
+      </p:sp>
+    </p:spTree>
+    <p:extLst>
+      <p:ext uri="{BB962C8B-B14F-4D97-AF65-F5344CB8AC3E}">
+        <p14:creationId xmlns:p14="http://schemas.microsoft.com/office/powerpoint/2010/main" val="171999710"/>
+      </p:ext>
+    </p:extLst>
+  </p:cSld>
+  <p:clrMapOvr>
+    <a:masterClrMapping/>
+  </p:clrMapOvr>
+</p:notes>
+</file>
+
+<file path=ppt/notesSlides/notesSlide4.xml><?xml version="1.0" encoding="utf-8"?>
+<p:notes xmlns:a="http://schemas.openxmlformats.org/drawingml/2006/main" xmlns:r="http://schemas.openxmlformats.org/officeDocument/2006/relationships" xmlns:p="http://schemas.openxmlformats.org/presentationml/2006/main">
+  <p:cSld>
+    <p:spTree>
+      <p:nvGrpSpPr>
+        <p:cNvPr id="1" name=""/>
+        <p:cNvGrpSpPr/>
+        <p:nvPr/>
+      </p:nvGrpSpPr>
+      <p:grpSpPr>
+        <a:xfrm>
+          <a:off x="0" y="0"/>
+          <a:ext cx="0" cy="0"/>
+          <a:chOff x="0" y="0"/>
+          <a:chExt cx="0" cy="0"/>
+        </a:xfrm>
+      </p:grpSpPr>
+      <p:sp>
+        <p:nvSpPr>
+          <p:cNvPr id="2" name="Slide Image Placeholder 1"/>
+          <p:cNvSpPr>
+            <a:spLocks noGrp="1" noRot="1" noChangeAspect="1"/>
+          </p:cNvSpPr>
+          <p:nvPr>
+            <p:ph type="sldImg"/>
+          </p:nvPr>
+        </p:nvSpPr>
+        <p:spPr/>
+      </p:sp>
+      <p:sp>
+        <p:nvSpPr>
+          <p:cNvPr id="3" name="Notes Placeholder 2"/>
+          <p:cNvSpPr>
+            <a:spLocks noGrp="1"/>
+          </p:cNvSpPr>
+          <p:nvPr>
+            <p:ph type="body" idx="1"/>
+          </p:nvPr>
+        </p:nvSpPr>
+        <p:spPr/>
+        <p:txBody>
+          <a:bodyPr/>
+          <a:lstStyle/>
+          <a:p>
+            <a:r>
+              <a:rPr lang="en-US" b="1" dirty="0"/>
+              <a:t>Entities</a:t>
+            </a:r>
+            <a:endParaRPr lang="en-US" dirty="0"/>
+          </a:p>
+          <a:p>
+            <a:pPr>
+              <a:buFont typeface="Arial" panose="020B0604020202020204" pitchFamily="34" charset="0"/>
+              <a:buChar char="•"/>
+            </a:pPr>
+            <a:r>
+              <a:rPr lang="en-US" b="1" dirty="0"/>
+              <a:t>PROVIDERS:</a:t>
+            </a:r>
+            <a:r>
+              <a:rPr lang="en-US" dirty="0"/>
+              <a:t> Represents healthcare providers (doctors, nurses, etc.).</a:t>
+            </a:r>
+          </a:p>
+          <a:p>
+            <a:pPr>
+              <a:buFont typeface="Arial" panose="020B0604020202020204" pitchFamily="34" charset="0"/>
+              <a:buChar char="•"/>
+            </a:pPr>
+            <a:r>
+              <a:rPr lang="en-US" b="1" dirty="0"/>
+              <a:t>INVOICES:</a:t>
+            </a:r>
+            <a:r>
+              <a:rPr lang="en-US" dirty="0"/>
+              <a:t> Represents invoices generated for services provided.</a:t>
+            </a:r>
+          </a:p>
+          <a:p>
+            <a:pPr>
+              <a:buFont typeface="Arial" panose="020B0604020202020204" pitchFamily="34" charset="0"/>
+              <a:buChar char="•"/>
+            </a:pPr>
+            <a:r>
+              <a:rPr lang="en-US" b="1" dirty="0"/>
+              <a:t>STAFF:</a:t>
+            </a:r>
+            <a:r>
+              <a:rPr lang="en-US" dirty="0"/>
+              <a:t> Represents employees of the healthcare facility.</a:t>
+            </a:r>
+          </a:p>
+          <a:p>
+            <a:pPr>
+              <a:buFont typeface="Arial" panose="020B0604020202020204" pitchFamily="34" charset="0"/>
+              <a:buChar char="•"/>
+            </a:pPr>
+            <a:r>
+              <a:rPr lang="en-US" b="1" dirty="0"/>
+              <a:t>FUNDINGSOURCE:</a:t>
+            </a:r>
+            <a:r>
+              <a:rPr lang="en-US" dirty="0"/>
+              <a:t> Represents sources of funding for the facility (e.g., grants, donations).</a:t>
+            </a:r>
+          </a:p>
+          <a:p>
+            <a:pPr>
+              <a:buFont typeface="Arial" panose="020B0604020202020204" pitchFamily="34" charset="0"/>
+              <a:buChar char="•"/>
+            </a:pPr>
+            <a:r>
+              <a:rPr lang="en-US" b="1" dirty="0"/>
+              <a:t>SERVICES:</a:t>
+            </a:r>
+            <a:r>
+              <a:rPr lang="en-US" dirty="0"/>
+              <a:t> Represents the types of healthcare services offered.</a:t>
+            </a:r>
+          </a:p>
+          <a:p>
+            <a:pPr>
+              <a:buFont typeface="Arial" panose="020B0604020202020204" pitchFamily="34" charset="0"/>
+              <a:buChar char="•"/>
+            </a:pPr>
+            <a:r>
+              <a:rPr lang="en-US" b="1" dirty="0"/>
+              <a:t>PAYMENTS:</a:t>
+            </a:r>
+            <a:r>
+              <a:rPr lang="en-US" dirty="0"/>
+              <a:t> Represents payments made on invoices.</a:t>
+            </a:r>
+          </a:p>
+          <a:p>
+            <a:pPr>
+              <a:buFont typeface="Arial" panose="020B0604020202020204" pitchFamily="34" charset="0"/>
+              <a:buChar char="•"/>
+            </a:pPr>
+            <a:r>
+              <a:rPr lang="en-US" b="1" dirty="0"/>
+              <a:t>CLIENTS:</a:t>
+            </a:r>
+            <a:r>
+              <a:rPr lang="en-US" dirty="0"/>
+              <a:t> Represents patients or clients of the healthcare facility.</a:t>
+            </a:r>
+          </a:p>
+          <a:p>
+            <a:pPr>
+              <a:buFont typeface="Arial" panose="020B0604020202020204" pitchFamily="34" charset="0"/>
+              <a:buChar char="•"/>
+            </a:pPr>
+            <a:r>
+              <a:rPr lang="en-US" b="1" dirty="0"/>
+              <a:t>INSURANCECOMPANY:</a:t>
+            </a:r>
+            <a:r>
+              <a:rPr lang="en-US" dirty="0"/>
+              <a:t> Represents insurance companies that work with the facility.</a:t>
+            </a:r>
+          </a:p>
+          <a:p>
+            <a:pPr>
+              <a:buFont typeface="Arial" panose="020B0604020202020204" pitchFamily="34" charset="0"/>
+              <a:buChar char="•"/>
+            </a:pPr>
+            <a:r>
+              <a:rPr lang="en-US" b="1" dirty="0"/>
+              <a:t>POLICY:</a:t>
+            </a:r>
+            <a:r>
+              <a:rPr lang="en-US" dirty="0"/>
+              <a:t> Represents insurance policies held by clients.</a:t>
+            </a:r>
+          </a:p>
+          <a:p>
+            <a:r>
+              <a:rPr lang="en-US" b="1" dirty="0"/>
+              <a:t>Relationships</a:t>
+            </a:r>
+            <a:endParaRPr lang="en-US" dirty="0"/>
+          </a:p>
+          <a:p>
+            <a:pPr>
+              <a:buFont typeface="Arial" panose="020B0604020202020204" pitchFamily="34" charset="0"/>
+              <a:buChar char="•"/>
+            </a:pPr>
+            <a:r>
+              <a:rPr lang="en-US" b="1" dirty="0"/>
+              <a:t>One-to-Many:</a:t>
+            </a:r>
+            <a:r>
+              <a:rPr lang="en-US" dirty="0"/>
+              <a:t> </a:t>
+            </a:r>
+          </a:p>
+          <a:p>
+            <a:pPr marL="742950" lvl="1" indent="-285750">
+              <a:buFont typeface="Arial" panose="020B0604020202020204" pitchFamily="34" charset="0"/>
+              <a:buChar char="•"/>
+            </a:pPr>
+            <a:r>
+              <a:rPr lang="en-US" dirty="0"/>
+              <a:t>A provider can offer many services.</a:t>
+            </a:r>
+          </a:p>
+          <a:p>
+            <a:pPr marL="742950" lvl="1" indent="-285750">
+              <a:buFont typeface="Arial" panose="020B0604020202020204" pitchFamily="34" charset="0"/>
+              <a:buChar char="•"/>
+            </a:pPr>
+            <a:r>
+              <a:rPr lang="en-US" dirty="0"/>
+              <a:t>An invoice can include many services.</a:t>
+            </a:r>
+          </a:p>
+          <a:p>
+            <a:pPr marL="742950" lvl="1" indent="-285750">
+              <a:buFont typeface="Arial" panose="020B0604020202020204" pitchFamily="34" charset="0"/>
+              <a:buChar char="•"/>
+            </a:pPr>
+            <a:r>
+              <a:rPr lang="en-US" dirty="0"/>
+              <a:t>A staff member can manage many clients.</a:t>
+            </a:r>
+          </a:p>
+          <a:p>
+            <a:pPr marL="742950" lvl="1" indent="-285750">
+              <a:buFont typeface="Arial" panose="020B0604020202020204" pitchFamily="34" charset="0"/>
+              <a:buChar char="•"/>
+            </a:pPr>
+            <a:r>
+              <a:rPr lang="en-US" dirty="0"/>
+              <a:t>A funding source can donate to many clients.</a:t>
+            </a:r>
+          </a:p>
+          <a:p>
+            <a:pPr marL="742950" lvl="1" indent="-285750">
+              <a:buFont typeface="Arial" panose="020B0604020202020204" pitchFamily="34" charset="0"/>
+              <a:buChar char="•"/>
+            </a:pPr>
+            <a:r>
+              <a:rPr lang="en-US" dirty="0"/>
+              <a:t>A client can have many policies.</a:t>
+            </a:r>
+          </a:p>
+          <a:p>
+            <a:pPr marL="742950" lvl="1" indent="-285750">
+              <a:buFont typeface="Arial" panose="020B0604020202020204" pitchFamily="34" charset="0"/>
+              <a:buChar char="•"/>
+            </a:pPr>
+            <a:r>
+              <a:rPr lang="en-US" dirty="0"/>
+              <a:t>An insurance company can offer many policies.</a:t>
+            </a:r>
+          </a:p>
+          <a:p>
+            <a:pPr>
+              <a:buFont typeface="Arial" panose="020B0604020202020204" pitchFamily="34" charset="0"/>
+              <a:buChar char="•"/>
+            </a:pPr>
+            <a:r>
+              <a:rPr lang="en-US" b="1" dirty="0"/>
+              <a:t>Many-to-Many:</a:t>
+            </a:r>
+            <a:r>
+              <a:rPr lang="en-US" dirty="0"/>
+              <a:t> </a:t>
+            </a:r>
+          </a:p>
+          <a:p>
+            <a:pPr marL="742950" lvl="1" indent="-285750">
+              <a:buFont typeface="Arial" panose="020B0604020202020204" pitchFamily="34" charset="0"/>
+              <a:buChar char="•"/>
+            </a:pPr>
+            <a:r>
+              <a:rPr lang="en-US" dirty="0"/>
+              <a:t>A service can be included in many invoices.</a:t>
+            </a:r>
+          </a:p>
+          <a:p>
+            <a:pPr marL="742950" lvl="1" indent="-285750">
+              <a:buFont typeface="Arial" panose="020B0604020202020204" pitchFamily="34" charset="0"/>
+              <a:buChar char="•"/>
+            </a:pPr>
+            <a:r>
+              <a:rPr lang="en-US" dirty="0"/>
+              <a:t>A client can generate many payments.</a:t>
+            </a:r>
+          </a:p>
+          <a:p>
+            <a:pPr marL="742950" lvl="1" indent="-285750">
+              <a:buFont typeface="Arial" panose="020B0604020202020204" pitchFamily="34" charset="0"/>
+              <a:buChar char="•"/>
+            </a:pPr>
+            <a:r>
+              <a:rPr lang="en-US" dirty="0"/>
+              <a:t>A client can be managed by many staff members.</a:t>
+            </a:r>
+          </a:p>
+          <a:p>
+            <a:pPr marL="742950" lvl="1" indent="-285750">
+              <a:buFont typeface="Arial" panose="020B0604020202020204" pitchFamily="34" charset="0"/>
+              <a:buChar char="•"/>
+            </a:pPr>
+            <a:r>
+              <a:rPr lang="en-US" dirty="0"/>
+              <a:t>A client can donate to many funding sources.</a:t>
+            </a:r>
+          </a:p>
+          <a:p>
+            <a:pPr marL="742950" lvl="1" indent="-285750">
+              <a:buFont typeface="Arial" panose="020B0604020202020204" pitchFamily="34" charset="0"/>
+              <a:buChar char="•"/>
+            </a:pPr>
+            <a:r>
+              <a:rPr lang="en-US" dirty="0"/>
+              <a:t>A policy can be associated with many clients.</a:t>
+            </a:r>
+          </a:p>
+          <a:p>
+            <a:r>
+              <a:rPr lang="en-US" b="1" dirty="0"/>
+              <a:t>Data Flow and Business Processes</a:t>
+            </a:r>
+            <a:endParaRPr lang="en-US" dirty="0"/>
+          </a:p>
+          <a:p>
+            <a:r>
+              <a:rPr lang="en-US" dirty="0"/>
+              <a:t>Based on the ERD, we can infer the following business processes:</a:t>
+            </a:r>
+          </a:p>
+          <a:p>
+            <a:pPr>
+              <a:buFont typeface="+mj-lt"/>
+              <a:buAutoNum type="arabicPeriod"/>
+            </a:pPr>
+            <a:r>
+              <a:rPr lang="en-US" b="1" dirty="0"/>
+              <a:t>Service Provision:</a:t>
+            </a:r>
+            <a:r>
+              <a:rPr lang="en-US" dirty="0"/>
+              <a:t> Providers offer services to clients.</a:t>
+            </a:r>
+          </a:p>
+          <a:p>
+            <a:pPr>
+              <a:buFont typeface="+mj-lt"/>
+              <a:buAutoNum type="arabicPeriod"/>
+            </a:pPr>
+            <a:r>
+              <a:rPr lang="en-US" b="1" dirty="0"/>
+              <a:t>Invoicing:</a:t>
+            </a:r>
+            <a:r>
+              <a:rPr lang="en-US" dirty="0"/>
+              <a:t> Services rendered result in invoices generated for clients.</a:t>
+            </a:r>
+          </a:p>
+          <a:p>
+            <a:pPr>
+              <a:buFont typeface="+mj-lt"/>
+              <a:buAutoNum type="arabicPeriod"/>
+            </a:pPr>
+            <a:r>
+              <a:rPr lang="en-US" b="1" dirty="0"/>
+              <a:t>Payment Processing:</a:t>
+            </a:r>
+            <a:r>
+              <a:rPr lang="en-US" dirty="0"/>
+              <a:t> Clients make payments on invoices.</a:t>
+            </a:r>
+          </a:p>
+          <a:p>
+            <a:pPr>
+              <a:buFont typeface="+mj-lt"/>
+              <a:buAutoNum type="arabicPeriod"/>
+            </a:pPr>
+            <a:r>
+              <a:rPr lang="en-US" b="1" dirty="0"/>
+              <a:t>Insurance Claims:</a:t>
+            </a:r>
+            <a:r>
+              <a:rPr lang="en-US" dirty="0"/>
+              <a:t> Clients with insurance submit claims to their insurance companies.</a:t>
+            </a:r>
+          </a:p>
+          <a:p>
+            <a:pPr>
+              <a:buFont typeface="+mj-lt"/>
+              <a:buAutoNum type="arabicPeriod"/>
+            </a:pPr>
+            <a:r>
+              <a:rPr lang="en-US" b="1" dirty="0"/>
+              <a:t>Staff Management:</a:t>
+            </a:r>
+            <a:r>
+              <a:rPr lang="en-US" dirty="0"/>
+              <a:t> Staff members manage clients and services.</a:t>
+            </a:r>
+          </a:p>
+          <a:p>
+            <a:pPr>
+              <a:buFont typeface="+mj-lt"/>
+              <a:buAutoNum type="arabicPeriod"/>
+            </a:pPr>
+            <a:r>
+              <a:rPr lang="en-US" b="1"/>
+              <a:t>Financial Management:</a:t>
+            </a:r>
+            <a:r>
+              <a:rPr lang="en-US"/>
+              <a:t> The facility manages funding sources, payments, and insurance claims.</a:t>
+            </a:r>
+          </a:p>
+          <a:p>
+            <a:endParaRPr lang="en-US" dirty="0"/>
+          </a:p>
+        </p:txBody>
+      </p:sp>
+      <p:sp>
+        <p:nvSpPr>
+          <p:cNvPr id="4" name="Slide Number Placeholder 3"/>
+          <p:cNvSpPr>
+            <a:spLocks noGrp="1"/>
+          </p:cNvSpPr>
+          <p:nvPr>
+            <p:ph type="sldNum" sz="quarter" idx="5"/>
+          </p:nvPr>
+        </p:nvSpPr>
+        <p:spPr/>
+        <p:txBody>
+          <a:bodyPr/>
+          <a:lstStyle/>
+          <a:p>
+            <a:fld id="{77B553C0-A9C6-4E54-AC1A-FAC8634B84DD}" type="slidenum">
+              <a:rPr lang="ru-RU" smtClean="0"/>
+              <a:pPr/>
+              <a:t>6</a:t>
+            </a:fld>
+            <a:endParaRPr lang="ru-RU"/>
+          </a:p>
+        </p:txBody>
+      </p:sp>
+    </p:spTree>
+    <p:extLst>
+      <p:ext uri="{BB962C8B-B14F-4D97-AF65-F5344CB8AC3E}">
+        <p14:creationId xmlns:p14="http://schemas.microsoft.com/office/powerpoint/2010/main" val="343011444"/>
       </p:ext>
     </p:extLst>
   </p:cSld>
@@ -3146,13 +3796,13 @@
   <p:clrMapOvr>
     <a:masterClrMapping/>
   </p:clrMapOvr>
-  <mc:AlternateContent xmlns:mc="http://schemas.openxmlformats.org/markup-compatibility/2006">
-    <mc:Choice xmlns:p14="http://schemas.microsoft.com/office/powerpoint/2010/main" Requires="p14">
+  <mc:AlternateContent xmlns:mc="http://schemas.openxmlformats.org/markup-compatibility/2006" xmlns:p14="http://schemas.microsoft.com/office/powerpoint/2010/main">
+    <mc:Choice Requires="p14">
       <p:transition spd="slow" p14:dur="2250">
         <p:circle/>
       </p:transition>
     </mc:Choice>
-    <mc:Fallback>
+    <mc:Fallback xmlns="">
       <p:transition spd="slow">
         <p:circle/>
       </p:transition>
@@ -3707,6 +4357,3529 @@
           <p:cNvPr id="2" name="Title 1">
             <a:extLst>
               <a:ext uri="{FF2B5EF4-FFF2-40B4-BE49-F238E27FC236}">
+                <a16:creationId xmlns:a16="http://schemas.microsoft.com/office/drawing/2014/main" id="{FB1B4115-5B57-7984-F709-0849EDE5E048}"/>
+              </a:ext>
+            </a:extLst>
+          </p:cNvPr>
+          <p:cNvSpPr>
+            <a:spLocks noGrp="1"/>
+          </p:cNvSpPr>
+          <p:nvPr>
+            <p:ph type="title"/>
+          </p:nvPr>
+        </p:nvSpPr>
+        <p:spPr>
+          <a:xfrm>
+            <a:off x="1306437" y="116632"/>
+            <a:ext cx="5759450" cy="508000"/>
+          </a:xfrm>
+        </p:spPr>
+        <p:txBody>
+          <a:bodyPr/>
+          <a:lstStyle/>
+          <a:p>
+            <a:pPr algn="ctr"/>
+            <a:r>
+              <a:rPr lang="en-US" dirty="0"/>
+              <a:t>Prevalence of Autism by Year</a:t>
+            </a:r>
+          </a:p>
+        </p:txBody>
+      </p:sp>
+      <p:graphicFrame>
+        <p:nvGraphicFramePr>
+          <p:cNvPr id="4" name="Content Placeholder 3">
+            <a:extLst>
+              <a:ext uri="{FF2B5EF4-FFF2-40B4-BE49-F238E27FC236}">
+                <a16:creationId xmlns:a16="http://schemas.microsoft.com/office/drawing/2014/main" id="{8469B3F3-0A64-94BD-11F8-8E5E6EC711EC}"/>
+              </a:ext>
+            </a:extLst>
+          </p:cNvPr>
+          <p:cNvGraphicFramePr>
+            <a:graphicFrameLocks noGrp="1"/>
+          </p:cNvGraphicFramePr>
+          <p:nvPr>
+            <p:ph idx="1"/>
+            <p:extLst>
+              <p:ext uri="{D42A27DB-BD31-4B8C-83A1-F6EECF244321}">
+                <p14:modId xmlns:p14="http://schemas.microsoft.com/office/powerpoint/2010/main" val="1512808158"/>
+              </p:ext>
+            </p:extLst>
+          </p:nvPr>
+        </p:nvGraphicFramePr>
+        <p:xfrm>
+          <a:off x="1475656" y="836712"/>
+          <a:ext cx="5950270" cy="4392487"/>
+        </p:xfrm>
+        <a:graphic>
+          <a:graphicData uri="http://schemas.openxmlformats.org/drawingml/2006/table">
+            <a:tbl>
+              <a:tblPr/>
+              <a:tblGrid>
+                <a:gridCol w="1190054">
+                  <a:extLst>
+                    <a:ext uri="{9D8B030D-6E8A-4147-A177-3AD203B41FA5}">
+                      <a16:colId xmlns:a16="http://schemas.microsoft.com/office/drawing/2014/main" val="947996301"/>
+                    </a:ext>
+                  </a:extLst>
+                </a:gridCol>
+                <a:gridCol w="1190054">
+                  <a:extLst>
+                    <a:ext uri="{9D8B030D-6E8A-4147-A177-3AD203B41FA5}">
+                      <a16:colId xmlns:a16="http://schemas.microsoft.com/office/drawing/2014/main" val="2678719773"/>
+                    </a:ext>
+                  </a:extLst>
+                </a:gridCol>
+                <a:gridCol w="1190054">
+                  <a:extLst>
+                    <a:ext uri="{9D8B030D-6E8A-4147-A177-3AD203B41FA5}">
+                      <a16:colId xmlns:a16="http://schemas.microsoft.com/office/drawing/2014/main" val="1683253276"/>
+                    </a:ext>
+                  </a:extLst>
+                </a:gridCol>
+                <a:gridCol w="1190054">
+                  <a:extLst>
+                    <a:ext uri="{9D8B030D-6E8A-4147-A177-3AD203B41FA5}">
+                      <a16:colId xmlns:a16="http://schemas.microsoft.com/office/drawing/2014/main" val="3856767414"/>
+                    </a:ext>
+                  </a:extLst>
+                </a:gridCol>
+                <a:gridCol w="1190054">
+                  <a:extLst>
+                    <a:ext uri="{9D8B030D-6E8A-4147-A177-3AD203B41FA5}">
+                      <a16:colId xmlns:a16="http://schemas.microsoft.com/office/drawing/2014/main" val="3788161444"/>
+                    </a:ext>
+                  </a:extLst>
+                </a:gridCol>
+              </a:tblGrid>
+              <a:tr h="1055561">
+                <a:tc>
+                  <a:txBody>
+                    <a:bodyPr/>
+                    <a:lstStyle/>
+                    <a:p>
+                      <a:pPr algn="l"/>
+                      <a:r>
+                        <a:rPr lang="en-US" sz="700">
+                          <a:effectLst/>
+                        </a:rPr>
+                        <a:t>Surveillance Year</a:t>
+                      </a:r>
+                    </a:p>
+                  </a:txBody>
+                  <a:tcPr marL="37386" marR="37386" marT="18693" marB="18693">
+                    <a:lnL w="12700" cap="flat" cmpd="sng" algn="ctr">
+                      <a:solidFill>
+                        <a:srgbClr val="00BCE3"/>
+                      </a:solidFill>
+                      <a:prstDash val="solid"/>
+                      <a:round/>
+                      <a:headEnd type="none" w="med" len="med"/>
+                      <a:tailEnd type="none" w="med" len="med"/>
+                    </a:lnL>
+                    <a:lnR w="12700" cap="flat" cmpd="sng" algn="ctr">
+                      <a:solidFill>
+                        <a:srgbClr val="20B9E3"/>
+                      </a:solidFill>
+                      <a:prstDash val="solid"/>
+                      <a:round/>
+                      <a:headEnd type="none" w="med" len="med"/>
+                      <a:tailEnd type="none" w="med" len="med"/>
+                    </a:lnR>
+                    <a:lnT w="12700" cap="flat" cmpd="sng" algn="ctr">
+                      <a:solidFill>
+                        <a:srgbClr val="00BCE3"/>
+                      </a:solidFill>
+                      <a:prstDash val="solid"/>
+                      <a:round/>
+                      <a:headEnd type="none" w="med" len="med"/>
+                      <a:tailEnd type="none" w="med" len="med"/>
+                    </a:lnT>
+                    <a:lnB w="12700" cap="flat" cmpd="sng" algn="ctr">
+                      <a:solidFill>
+                        <a:srgbClr val="40B8E3"/>
+                      </a:solidFill>
+                      <a:prstDash val="solid"/>
+                      <a:round/>
+                      <a:headEnd type="none" w="med" len="med"/>
+                      <a:tailEnd type="none" w="med" len="med"/>
+                    </a:lnB>
+                    <a:solidFill>
+                      <a:srgbClr val="FFFFFF"/>
+                    </a:solidFill>
+                  </a:tcPr>
+                </a:tc>
+                <a:tc>
+                  <a:txBody>
+                    <a:bodyPr/>
+                    <a:lstStyle/>
+                    <a:p>
+                      <a:pPr algn="l"/>
+                      <a:r>
+                        <a:rPr lang="en-US" sz="700">
+                          <a:effectLst/>
+                        </a:rPr>
+                        <a:t>Birth Year</a:t>
+                      </a:r>
+                    </a:p>
+                  </a:txBody>
+                  <a:tcPr marL="37386" marR="37386" marT="18693" marB="18693">
+                    <a:lnL w="12700" cap="flat" cmpd="sng" algn="ctr">
+                      <a:solidFill>
+                        <a:srgbClr val="20B9E3"/>
+                      </a:solidFill>
+                      <a:prstDash val="solid"/>
+                      <a:round/>
+                      <a:headEnd type="none" w="med" len="med"/>
+                      <a:tailEnd type="none" w="med" len="med"/>
+                    </a:lnL>
+                    <a:lnR w="12700" cap="flat" cmpd="sng" algn="ctr">
+                      <a:solidFill>
+                        <a:srgbClr val="C0B6E3"/>
+                      </a:solidFill>
+                      <a:prstDash val="solid"/>
+                      <a:round/>
+                      <a:headEnd type="none" w="med" len="med"/>
+                      <a:tailEnd type="none" w="med" len="med"/>
+                    </a:lnR>
+                    <a:lnT w="12700" cap="flat" cmpd="sng" algn="ctr">
+                      <a:solidFill>
+                        <a:srgbClr val="20B9E3"/>
+                      </a:solidFill>
+                      <a:prstDash val="solid"/>
+                      <a:round/>
+                      <a:headEnd type="none" w="med" len="med"/>
+                      <a:tailEnd type="none" w="med" len="med"/>
+                    </a:lnT>
+                    <a:lnB w="12700" cap="flat" cmpd="sng" algn="ctr">
+                      <a:solidFill>
+                        <a:srgbClr val="60B8E3"/>
+                      </a:solidFill>
+                      <a:prstDash val="solid"/>
+                      <a:round/>
+                      <a:headEnd type="none" w="med" len="med"/>
+                      <a:tailEnd type="none" w="med" len="med"/>
+                    </a:lnB>
+                    <a:solidFill>
+                      <a:srgbClr val="FFFFFF"/>
+                    </a:solidFill>
+                  </a:tcPr>
+                </a:tc>
+                <a:tc>
+                  <a:txBody>
+                    <a:bodyPr/>
+                    <a:lstStyle/>
+                    <a:p>
+                      <a:pPr algn="l"/>
+                      <a:r>
+                        <a:rPr lang="en-US" sz="700" dirty="0">
+                          <a:effectLst/>
+                        </a:rPr>
+                        <a:t>Number of ADDM Sites Reporting</a:t>
+                      </a:r>
+                    </a:p>
+                  </a:txBody>
+                  <a:tcPr marL="37386" marR="37386" marT="18693" marB="18693">
+                    <a:lnL w="12700" cap="flat" cmpd="sng" algn="ctr">
+                      <a:solidFill>
+                        <a:srgbClr val="C0B6E3"/>
+                      </a:solidFill>
+                      <a:prstDash val="solid"/>
+                      <a:round/>
+                      <a:headEnd type="none" w="med" len="med"/>
+                      <a:tailEnd type="none" w="med" len="med"/>
+                    </a:lnL>
+                    <a:lnR w="12700" cap="flat" cmpd="sng" algn="ctr">
+                      <a:solidFill>
+                        <a:srgbClr val="20B7E3"/>
+                      </a:solidFill>
+                      <a:prstDash val="solid"/>
+                      <a:round/>
+                      <a:headEnd type="none" w="med" len="med"/>
+                      <a:tailEnd type="none" w="med" len="med"/>
+                    </a:lnR>
+                    <a:lnT w="12700" cap="flat" cmpd="sng" algn="ctr">
+                      <a:solidFill>
+                        <a:srgbClr val="C0B6E3"/>
+                      </a:solidFill>
+                      <a:prstDash val="solid"/>
+                      <a:round/>
+                      <a:headEnd type="none" w="med" len="med"/>
+                      <a:tailEnd type="none" w="med" len="med"/>
+                    </a:lnT>
+                    <a:lnB w="12700" cap="flat" cmpd="sng" algn="ctr">
+                      <a:solidFill>
+                        <a:srgbClr val="60B9E3"/>
+                      </a:solidFill>
+                      <a:prstDash val="solid"/>
+                      <a:round/>
+                      <a:headEnd type="none" w="med" len="med"/>
+                      <a:tailEnd type="none" w="med" len="med"/>
+                    </a:lnB>
+                    <a:solidFill>
+                      <a:srgbClr val="FFFFFF"/>
+                    </a:solidFill>
+                  </a:tcPr>
+                </a:tc>
+                <a:tc>
+                  <a:txBody>
+                    <a:bodyPr/>
+                    <a:lstStyle/>
+                    <a:p>
+                      <a:pPr algn="l"/>
+                      <a:r>
+                        <a:rPr lang="en-US" sz="700">
+                          <a:effectLst/>
+                        </a:rPr>
+                        <a:t>Combined Prevalence per 1,000 Children (Range Across ADDM Sites)</a:t>
+                      </a:r>
+                    </a:p>
+                  </a:txBody>
+                  <a:tcPr marL="37386" marR="37386" marT="18693" marB="18693">
+                    <a:lnL w="12700" cap="flat" cmpd="sng" algn="ctr">
+                      <a:solidFill>
+                        <a:srgbClr val="20B7E3"/>
+                      </a:solidFill>
+                      <a:prstDash val="solid"/>
+                      <a:round/>
+                      <a:headEnd type="none" w="med" len="med"/>
+                      <a:tailEnd type="none" w="med" len="med"/>
+                    </a:lnL>
+                    <a:lnR w="12700" cap="flat" cmpd="sng" algn="ctr">
+                      <a:solidFill>
+                        <a:srgbClr val="00B8E3"/>
+                      </a:solidFill>
+                      <a:prstDash val="solid"/>
+                      <a:round/>
+                      <a:headEnd type="none" w="med" len="med"/>
+                      <a:tailEnd type="none" w="med" len="med"/>
+                    </a:lnR>
+                    <a:lnT w="12700" cap="flat" cmpd="sng" algn="ctr">
+                      <a:solidFill>
+                        <a:srgbClr val="20B7E3"/>
+                      </a:solidFill>
+                      <a:prstDash val="solid"/>
+                      <a:round/>
+                      <a:headEnd type="none" w="med" len="med"/>
+                      <a:tailEnd type="none" w="med" len="med"/>
+                    </a:lnT>
+                    <a:lnB w="12700" cap="flat" cmpd="sng" algn="ctr">
+                      <a:solidFill>
+                        <a:srgbClr val="20C2E3"/>
+                      </a:solidFill>
+                      <a:prstDash val="solid"/>
+                      <a:round/>
+                      <a:headEnd type="none" w="med" len="med"/>
+                      <a:tailEnd type="none" w="med" len="med"/>
+                    </a:lnB>
+                    <a:solidFill>
+                      <a:srgbClr val="FFFFFF"/>
+                    </a:solidFill>
+                  </a:tcPr>
+                </a:tc>
+                <a:tc>
+                  <a:txBody>
+                    <a:bodyPr/>
+                    <a:lstStyle/>
+                    <a:p>
+                      <a:pPr algn="l"/>
+                      <a:r>
+                        <a:rPr lang="en-US" sz="700">
+                          <a:effectLst/>
+                        </a:rPr>
+                        <a:t>This is about 1 in X children</a:t>
+                      </a:r>
+                    </a:p>
+                  </a:txBody>
+                  <a:tcPr marL="37386" marR="37386" marT="18693" marB="18693">
+                    <a:lnL w="12700" cap="flat" cmpd="sng" algn="ctr">
+                      <a:solidFill>
+                        <a:srgbClr val="00B8E3"/>
+                      </a:solidFill>
+                      <a:prstDash val="solid"/>
+                      <a:round/>
+                      <a:headEnd type="none" w="med" len="med"/>
+                      <a:tailEnd type="none" w="med" len="med"/>
+                    </a:lnL>
+                    <a:lnR w="12700" cap="flat" cmpd="sng" algn="ctr">
+                      <a:solidFill>
+                        <a:srgbClr val="00B8E3"/>
+                      </a:solidFill>
+                      <a:prstDash val="solid"/>
+                      <a:round/>
+                      <a:headEnd type="none" w="med" len="med"/>
+                      <a:tailEnd type="none" w="med" len="med"/>
+                    </a:lnR>
+                    <a:lnT w="12700" cap="flat" cmpd="sng" algn="ctr">
+                      <a:solidFill>
+                        <a:srgbClr val="00B8E3"/>
+                      </a:solidFill>
+                      <a:prstDash val="solid"/>
+                      <a:round/>
+                      <a:headEnd type="none" w="med" len="med"/>
+                      <a:tailEnd type="none" w="med" len="med"/>
+                    </a:lnT>
+                    <a:lnB w="12700" cap="flat" cmpd="sng" algn="ctr">
+                      <a:solidFill>
+                        <a:srgbClr val="20C2E3"/>
+                      </a:solidFill>
+                      <a:prstDash val="solid"/>
+                      <a:round/>
+                      <a:headEnd type="none" w="med" len="med"/>
+                      <a:tailEnd type="none" w="med" len="med"/>
+                    </a:lnB>
+                    <a:solidFill>
+                      <a:srgbClr val="FFFFFF"/>
+                    </a:solidFill>
+                  </a:tcPr>
+                </a:tc>
+                <a:extLst>
+                  <a:ext uri="{0D108BD9-81ED-4DB2-BD59-A6C34878D82A}">
+                    <a16:rowId xmlns:a16="http://schemas.microsoft.com/office/drawing/2014/main" val="3305540420"/>
+                  </a:ext>
+                </a:extLst>
+              </a:tr>
+              <a:tr h="340502">
+                <a:tc>
+                  <a:txBody>
+                    <a:bodyPr/>
+                    <a:lstStyle/>
+                    <a:p>
+                      <a:r>
+                        <a:rPr lang="en-US" sz="700">
+                          <a:effectLst/>
+                        </a:rPr>
+                        <a:t>2020</a:t>
+                      </a:r>
+                    </a:p>
+                  </a:txBody>
+                  <a:tcPr marL="37386" marR="37386" marT="18693" marB="18693">
+                    <a:lnL w="12700" cap="flat" cmpd="sng" algn="ctr">
+                      <a:solidFill>
+                        <a:srgbClr val="40B8E3"/>
+                      </a:solidFill>
+                      <a:prstDash val="solid"/>
+                      <a:round/>
+                      <a:headEnd type="none" w="med" len="med"/>
+                      <a:tailEnd type="none" w="med" len="med"/>
+                    </a:lnL>
+                    <a:lnR w="12700" cap="flat" cmpd="sng" algn="ctr">
+                      <a:solidFill>
+                        <a:srgbClr val="60B8E3"/>
+                      </a:solidFill>
+                      <a:prstDash val="solid"/>
+                      <a:round/>
+                      <a:headEnd type="none" w="med" len="med"/>
+                      <a:tailEnd type="none" w="med" len="med"/>
+                    </a:lnR>
+                    <a:lnT w="12700" cap="flat" cmpd="sng" algn="ctr">
+                      <a:solidFill>
+                        <a:srgbClr val="40B8E3"/>
+                      </a:solidFill>
+                      <a:prstDash val="solid"/>
+                      <a:round/>
+                      <a:headEnd type="none" w="med" len="med"/>
+                      <a:tailEnd type="none" w="med" len="med"/>
+                    </a:lnT>
+                    <a:lnB w="12700" cap="flat" cmpd="sng" algn="ctr">
+                      <a:solidFill>
+                        <a:srgbClr val="20C2E3"/>
+                      </a:solidFill>
+                      <a:prstDash val="solid"/>
+                      <a:round/>
+                      <a:headEnd type="none" w="med" len="med"/>
+                      <a:tailEnd type="none" w="med" len="med"/>
+                    </a:lnB>
+                    <a:solidFill>
+                      <a:srgbClr val="FFFFFF"/>
+                    </a:solidFill>
+                  </a:tcPr>
+                </a:tc>
+                <a:tc>
+                  <a:txBody>
+                    <a:bodyPr/>
+                    <a:lstStyle/>
+                    <a:p>
+                      <a:r>
+                        <a:rPr lang="en-US" sz="700">
+                          <a:effectLst/>
+                        </a:rPr>
+                        <a:t>2012</a:t>
+                      </a:r>
+                    </a:p>
+                  </a:txBody>
+                  <a:tcPr marL="37386" marR="37386" marT="18693" marB="18693">
+                    <a:lnL w="12700" cap="flat" cmpd="sng" algn="ctr">
+                      <a:solidFill>
+                        <a:srgbClr val="60B8E3"/>
+                      </a:solidFill>
+                      <a:prstDash val="solid"/>
+                      <a:round/>
+                      <a:headEnd type="none" w="med" len="med"/>
+                      <a:tailEnd type="none" w="med" len="med"/>
+                    </a:lnL>
+                    <a:lnR w="12700" cap="flat" cmpd="sng" algn="ctr">
+                      <a:solidFill>
+                        <a:srgbClr val="60B9E3"/>
+                      </a:solidFill>
+                      <a:prstDash val="solid"/>
+                      <a:round/>
+                      <a:headEnd type="none" w="med" len="med"/>
+                      <a:tailEnd type="none" w="med" len="med"/>
+                    </a:lnR>
+                    <a:lnT w="12700" cap="flat" cmpd="sng" algn="ctr">
+                      <a:solidFill>
+                        <a:srgbClr val="60B8E3"/>
+                      </a:solidFill>
+                      <a:prstDash val="solid"/>
+                      <a:round/>
+                      <a:headEnd type="none" w="med" len="med"/>
+                      <a:tailEnd type="none" w="med" len="med"/>
+                    </a:lnT>
+                    <a:lnB w="12700" cap="flat" cmpd="sng" algn="ctr">
+                      <a:solidFill>
+                        <a:srgbClr val="20BEE3"/>
+                      </a:solidFill>
+                      <a:prstDash val="solid"/>
+                      <a:round/>
+                      <a:headEnd type="none" w="med" len="med"/>
+                      <a:tailEnd type="none" w="med" len="med"/>
+                    </a:lnB>
+                    <a:solidFill>
+                      <a:srgbClr val="FFFFFF"/>
+                    </a:solidFill>
+                  </a:tcPr>
+                </a:tc>
+                <a:tc>
+                  <a:txBody>
+                    <a:bodyPr/>
+                    <a:lstStyle/>
+                    <a:p>
+                      <a:r>
+                        <a:rPr lang="en-US" sz="700">
+                          <a:effectLst/>
+                        </a:rPr>
+                        <a:t>11</a:t>
+                      </a:r>
+                    </a:p>
+                  </a:txBody>
+                  <a:tcPr marL="37386" marR="37386" marT="18693" marB="18693">
+                    <a:lnL w="12700" cap="flat" cmpd="sng" algn="ctr">
+                      <a:solidFill>
+                        <a:srgbClr val="60B9E3"/>
+                      </a:solidFill>
+                      <a:prstDash val="solid"/>
+                      <a:round/>
+                      <a:headEnd type="none" w="med" len="med"/>
+                      <a:tailEnd type="none" w="med" len="med"/>
+                    </a:lnL>
+                    <a:lnR w="12700" cap="flat" cmpd="sng" algn="ctr">
+                      <a:solidFill>
+                        <a:srgbClr val="20C2E3"/>
+                      </a:solidFill>
+                      <a:prstDash val="solid"/>
+                      <a:round/>
+                      <a:headEnd type="none" w="med" len="med"/>
+                      <a:tailEnd type="none" w="med" len="med"/>
+                    </a:lnR>
+                    <a:lnT w="12700" cap="flat" cmpd="sng" algn="ctr">
+                      <a:solidFill>
+                        <a:srgbClr val="60B9E3"/>
+                      </a:solidFill>
+                      <a:prstDash val="solid"/>
+                      <a:round/>
+                      <a:headEnd type="none" w="med" len="med"/>
+                      <a:tailEnd type="none" w="med" len="med"/>
+                    </a:lnT>
+                    <a:lnB w="12700" cap="flat" cmpd="sng" algn="ctr">
+                      <a:solidFill>
+                        <a:srgbClr val="20CCE3"/>
+                      </a:solidFill>
+                      <a:prstDash val="solid"/>
+                      <a:round/>
+                      <a:headEnd type="none" w="med" len="med"/>
+                      <a:tailEnd type="none" w="med" len="med"/>
+                    </a:lnB>
+                    <a:solidFill>
+                      <a:srgbClr val="FFFFFF"/>
+                    </a:solidFill>
+                  </a:tcPr>
+                </a:tc>
+                <a:tc>
+                  <a:txBody>
+                    <a:bodyPr/>
+                    <a:lstStyle/>
+                    <a:p>
+                      <a:r>
+                        <a:rPr lang="en-US" sz="700">
+                          <a:effectLst/>
+                        </a:rPr>
+                        <a:t>27.6 (23.1-44.9)</a:t>
+                      </a:r>
+                    </a:p>
+                  </a:txBody>
+                  <a:tcPr marL="37386" marR="37386" marT="18693" marB="18693">
+                    <a:lnL w="12700" cap="flat" cmpd="sng" algn="ctr">
+                      <a:solidFill>
+                        <a:srgbClr val="20C2E3"/>
+                      </a:solidFill>
+                      <a:prstDash val="solid"/>
+                      <a:round/>
+                      <a:headEnd type="none" w="med" len="med"/>
+                      <a:tailEnd type="none" w="med" len="med"/>
+                    </a:lnL>
+                    <a:lnR w="12700" cap="flat" cmpd="sng" algn="ctr">
+                      <a:solidFill>
+                        <a:srgbClr val="20C2E3"/>
+                      </a:solidFill>
+                      <a:prstDash val="solid"/>
+                      <a:round/>
+                      <a:headEnd type="none" w="med" len="med"/>
+                      <a:tailEnd type="none" w="med" len="med"/>
+                    </a:lnR>
+                    <a:lnT w="12700" cap="flat" cmpd="sng" algn="ctr">
+                      <a:solidFill>
+                        <a:srgbClr val="20C2E3"/>
+                      </a:solidFill>
+                      <a:prstDash val="solid"/>
+                      <a:round/>
+                      <a:headEnd type="none" w="med" len="med"/>
+                      <a:tailEnd type="none" w="med" len="med"/>
+                    </a:lnT>
+                    <a:lnB w="12700" cap="flat" cmpd="sng" algn="ctr">
+                      <a:solidFill>
+                        <a:srgbClr val="40CEE3"/>
+                      </a:solidFill>
+                      <a:prstDash val="solid"/>
+                      <a:round/>
+                      <a:headEnd type="none" w="med" len="med"/>
+                      <a:tailEnd type="none" w="med" len="med"/>
+                    </a:lnB>
+                    <a:solidFill>
+                      <a:srgbClr val="FFFFFF"/>
+                    </a:solidFill>
+                  </a:tcPr>
+                </a:tc>
+                <a:tc>
+                  <a:txBody>
+                    <a:bodyPr/>
+                    <a:lstStyle/>
+                    <a:p>
+                      <a:r>
+                        <a:rPr lang="en-US" sz="700">
+                          <a:effectLst/>
+                        </a:rPr>
+                        <a:t>1 in 36</a:t>
+                      </a:r>
+                    </a:p>
+                  </a:txBody>
+                  <a:tcPr marL="37386" marR="37386" marT="18693" marB="18693">
+                    <a:lnL w="12700" cap="flat" cmpd="sng" algn="ctr">
+                      <a:solidFill>
+                        <a:srgbClr val="20C2E3"/>
+                      </a:solidFill>
+                      <a:prstDash val="solid"/>
+                      <a:round/>
+                      <a:headEnd type="none" w="med" len="med"/>
+                      <a:tailEnd type="none" w="med" len="med"/>
+                    </a:lnL>
+                    <a:lnR w="12700" cap="flat" cmpd="sng" algn="ctr">
+                      <a:solidFill>
+                        <a:srgbClr val="20C2E3"/>
+                      </a:solidFill>
+                      <a:prstDash val="solid"/>
+                      <a:round/>
+                      <a:headEnd type="none" w="med" len="med"/>
+                      <a:tailEnd type="none" w="med" len="med"/>
+                    </a:lnR>
+                    <a:lnT w="12700" cap="flat" cmpd="sng" algn="ctr">
+                      <a:solidFill>
+                        <a:srgbClr val="20C2E3"/>
+                      </a:solidFill>
+                      <a:prstDash val="solid"/>
+                      <a:round/>
+                      <a:headEnd type="none" w="med" len="med"/>
+                      <a:tailEnd type="none" w="med" len="med"/>
+                    </a:lnT>
+                    <a:lnB w="12700" cap="flat" cmpd="sng" algn="ctr">
+                      <a:solidFill>
+                        <a:srgbClr val="A0D0E3"/>
+                      </a:solidFill>
+                      <a:prstDash val="solid"/>
+                      <a:round/>
+                      <a:headEnd type="none" w="med" len="med"/>
+                      <a:tailEnd type="none" w="med" len="med"/>
+                    </a:lnB>
+                    <a:solidFill>
+                      <a:srgbClr val="FFFFFF"/>
+                    </a:solidFill>
+                  </a:tcPr>
+                </a:tc>
+                <a:extLst>
+                  <a:ext uri="{0D108BD9-81ED-4DB2-BD59-A6C34878D82A}">
+                    <a16:rowId xmlns:a16="http://schemas.microsoft.com/office/drawing/2014/main" val="2839468013"/>
+                  </a:ext>
+                </a:extLst>
+              </a:tr>
+              <a:tr h="340502">
+                <a:tc>
+                  <a:txBody>
+                    <a:bodyPr/>
+                    <a:lstStyle/>
+                    <a:p>
+                      <a:r>
+                        <a:rPr lang="en-US" sz="700">
+                          <a:effectLst/>
+                        </a:rPr>
+                        <a:t>2018</a:t>
+                      </a:r>
+                    </a:p>
+                  </a:txBody>
+                  <a:tcPr marL="37386" marR="37386" marT="18693" marB="18693">
+                    <a:lnL w="12700" cap="flat" cmpd="sng" algn="ctr">
+                      <a:solidFill>
+                        <a:srgbClr val="20C2E3"/>
+                      </a:solidFill>
+                      <a:prstDash val="solid"/>
+                      <a:round/>
+                      <a:headEnd type="none" w="med" len="med"/>
+                      <a:tailEnd type="none" w="med" len="med"/>
+                    </a:lnL>
+                    <a:lnR w="12700" cap="flat" cmpd="sng" algn="ctr">
+                      <a:solidFill>
+                        <a:srgbClr val="20BEE3"/>
+                      </a:solidFill>
+                      <a:prstDash val="solid"/>
+                      <a:round/>
+                      <a:headEnd type="none" w="med" len="med"/>
+                      <a:tailEnd type="none" w="med" len="med"/>
+                    </a:lnR>
+                    <a:lnT w="12700" cap="flat" cmpd="sng" algn="ctr">
+                      <a:solidFill>
+                        <a:srgbClr val="20C2E3"/>
+                      </a:solidFill>
+                      <a:prstDash val="solid"/>
+                      <a:round/>
+                      <a:headEnd type="none" w="med" len="med"/>
+                      <a:tailEnd type="none" w="med" len="med"/>
+                    </a:lnT>
+                    <a:lnB w="12700" cap="flat" cmpd="sng" algn="ctr">
+                      <a:solidFill>
+                        <a:srgbClr val="80D8E3"/>
+                      </a:solidFill>
+                      <a:prstDash val="solid"/>
+                      <a:round/>
+                      <a:headEnd type="none" w="med" len="med"/>
+                      <a:tailEnd type="none" w="med" len="med"/>
+                    </a:lnB>
+                    <a:solidFill>
+                      <a:srgbClr val="FFFFFF"/>
+                    </a:solidFill>
+                  </a:tcPr>
+                </a:tc>
+                <a:tc>
+                  <a:txBody>
+                    <a:bodyPr/>
+                    <a:lstStyle/>
+                    <a:p>
+                      <a:r>
+                        <a:rPr lang="en-US" sz="700">
+                          <a:effectLst/>
+                        </a:rPr>
+                        <a:t>2010</a:t>
+                      </a:r>
+                    </a:p>
+                  </a:txBody>
+                  <a:tcPr marL="37386" marR="37386" marT="18693" marB="18693">
+                    <a:lnL w="12700" cap="flat" cmpd="sng" algn="ctr">
+                      <a:solidFill>
+                        <a:srgbClr val="20BEE3"/>
+                      </a:solidFill>
+                      <a:prstDash val="solid"/>
+                      <a:round/>
+                      <a:headEnd type="none" w="med" len="med"/>
+                      <a:tailEnd type="none" w="med" len="med"/>
+                    </a:lnL>
+                    <a:lnR w="12700" cap="flat" cmpd="sng" algn="ctr">
+                      <a:solidFill>
+                        <a:srgbClr val="20CCE3"/>
+                      </a:solidFill>
+                      <a:prstDash val="solid"/>
+                      <a:round/>
+                      <a:headEnd type="none" w="med" len="med"/>
+                      <a:tailEnd type="none" w="med" len="med"/>
+                    </a:lnR>
+                    <a:lnT w="12700" cap="flat" cmpd="sng" algn="ctr">
+                      <a:solidFill>
+                        <a:srgbClr val="20BEE3"/>
+                      </a:solidFill>
+                      <a:prstDash val="solid"/>
+                      <a:round/>
+                      <a:headEnd type="none" w="med" len="med"/>
+                      <a:tailEnd type="none" w="med" len="med"/>
+                    </a:lnT>
+                    <a:lnB w="12700" cap="flat" cmpd="sng" algn="ctr">
+                      <a:solidFill>
+                        <a:srgbClr val="C0D6E3"/>
+                      </a:solidFill>
+                      <a:prstDash val="solid"/>
+                      <a:round/>
+                      <a:headEnd type="none" w="med" len="med"/>
+                      <a:tailEnd type="none" w="med" len="med"/>
+                    </a:lnB>
+                    <a:solidFill>
+                      <a:srgbClr val="FFFFFF"/>
+                    </a:solidFill>
+                  </a:tcPr>
+                </a:tc>
+                <a:tc>
+                  <a:txBody>
+                    <a:bodyPr/>
+                    <a:lstStyle/>
+                    <a:p>
+                      <a:r>
+                        <a:rPr lang="en-US" sz="700">
+                          <a:effectLst/>
+                        </a:rPr>
+                        <a:t>11</a:t>
+                      </a:r>
+                    </a:p>
+                  </a:txBody>
+                  <a:tcPr marL="37386" marR="37386" marT="18693" marB="18693">
+                    <a:lnL w="12700" cap="flat" cmpd="sng" algn="ctr">
+                      <a:solidFill>
+                        <a:srgbClr val="20CCE3"/>
+                      </a:solidFill>
+                      <a:prstDash val="solid"/>
+                      <a:round/>
+                      <a:headEnd type="none" w="med" len="med"/>
+                      <a:tailEnd type="none" w="med" len="med"/>
+                    </a:lnL>
+                    <a:lnR w="12700" cap="flat" cmpd="sng" algn="ctr">
+                      <a:solidFill>
+                        <a:srgbClr val="40CEE3"/>
+                      </a:solidFill>
+                      <a:prstDash val="solid"/>
+                      <a:round/>
+                      <a:headEnd type="none" w="med" len="med"/>
+                      <a:tailEnd type="none" w="med" len="med"/>
+                    </a:lnR>
+                    <a:lnT w="12700" cap="flat" cmpd="sng" algn="ctr">
+                      <a:solidFill>
+                        <a:srgbClr val="20CCE3"/>
+                      </a:solidFill>
+                      <a:prstDash val="solid"/>
+                      <a:round/>
+                      <a:headEnd type="none" w="med" len="med"/>
+                      <a:tailEnd type="none" w="med" len="med"/>
+                    </a:lnT>
+                    <a:lnB w="12700" cap="flat" cmpd="sng" algn="ctr">
+                      <a:solidFill>
+                        <a:srgbClr val="80D8E3"/>
+                      </a:solidFill>
+                      <a:prstDash val="solid"/>
+                      <a:round/>
+                      <a:headEnd type="none" w="med" len="med"/>
+                      <a:tailEnd type="none" w="med" len="med"/>
+                    </a:lnB>
+                    <a:solidFill>
+                      <a:srgbClr val="FFFFFF"/>
+                    </a:solidFill>
+                  </a:tcPr>
+                </a:tc>
+                <a:tc>
+                  <a:txBody>
+                    <a:bodyPr/>
+                    <a:lstStyle/>
+                    <a:p>
+                      <a:r>
+                        <a:rPr lang="en-US" sz="700" dirty="0">
+                          <a:effectLst/>
+                        </a:rPr>
+                        <a:t>23.0 (16.5-38.9)</a:t>
+                      </a:r>
+                    </a:p>
+                  </a:txBody>
+                  <a:tcPr marL="37386" marR="37386" marT="18693" marB="18693">
+                    <a:lnL w="12700" cap="flat" cmpd="sng" algn="ctr">
+                      <a:solidFill>
+                        <a:srgbClr val="40CEE3"/>
+                      </a:solidFill>
+                      <a:prstDash val="solid"/>
+                      <a:round/>
+                      <a:headEnd type="none" w="med" len="med"/>
+                      <a:tailEnd type="none" w="med" len="med"/>
+                    </a:lnL>
+                    <a:lnR w="12700" cap="flat" cmpd="sng" algn="ctr">
+                      <a:solidFill>
+                        <a:srgbClr val="A0D0E3"/>
+                      </a:solidFill>
+                      <a:prstDash val="solid"/>
+                      <a:round/>
+                      <a:headEnd type="none" w="med" len="med"/>
+                      <a:tailEnd type="none" w="med" len="med"/>
+                    </a:lnR>
+                    <a:lnT w="12700" cap="flat" cmpd="sng" algn="ctr">
+                      <a:solidFill>
+                        <a:srgbClr val="40CEE3"/>
+                      </a:solidFill>
+                      <a:prstDash val="solid"/>
+                      <a:round/>
+                      <a:headEnd type="none" w="med" len="med"/>
+                      <a:tailEnd type="none" w="med" len="med"/>
+                    </a:lnT>
+                    <a:lnB w="12700" cap="flat" cmpd="sng" algn="ctr">
+                      <a:solidFill>
+                        <a:srgbClr val="A0D7E3"/>
+                      </a:solidFill>
+                      <a:prstDash val="solid"/>
+                      <a:round/>
+                      <a:headEnd type="none" w="med" len="med"/>
+                      <a:tailEnd type="none" w="med" len="med"/>
+                    </a:lnB>
+                    <a:solidFill>
+                      <a:srgbClr val="FFFFFF"/>
+                    </a:solidFill>
+                  </a:tcPr>
+                </a:tc>
+                <a:tc>
+                  <a:txBody>
+                    <a:bodyPr/>
+                    <a:lstStyle/>
+                    <a:p>
+                      <a:r>
+                        <a:rPr lang="en-US" sz="700">
+                          <a:effectLst/>
+                        </a:rPr>
+                        <a:t>1 in 44</a:t>
+                      </a:r>
+                    </a:p>
+                  </a:txBody>
+                  <a:tcPr marL="37386" marR="37386" marT="18693" marB="18693">
+                    <a:lnL w="12700" cap="flat" cmpd="sng" algn="ctr">
+                      <a:solidFill>
+                        <a:srgbClr val="A0D0E3"/>
+                      </a:solidFill>
+                      <a:prstDash val="solid"/>
+                      <a:round/>
+                      <a:headEnd type="none" w="med" len="med"/>
+                      <a:tailEnd type="none" w="med" len="med"/>
+                    </a:lnL>
+                    <a:lnR w="12700" cap="flat" cmpd="sng" algn="ctr">
+                      <a:solidFill>
+                        <a:srgbClr val="A0D0E3"/>
+                      </a:solidFill>
+                      <a:prstDash val="solid"/>
+                      <a:round/>
+                      <a:headEnd type="none" w="med" len="med"/>
+                      <a:tailEnd type="none" w="med" len="med"/>
+                    </a:lnR>
+                    <a:lnT w="12700" cap="flat" cmpd="sng" algn="ctr">
+                      <a:solidFill>
+                        <a:srgbClr val="A0D0E3"/>
+                      </a:solidFill>
+                      <a:prstDash val="solid"/>
+                      <a:round/>
+                      <a:headEnd type="none" w="med" len="med"/>
+                      <a:tailEnd type="none" w="med" len="med"/>
+                    </a:lnT>
+                    <a:lnB w="12700" cap="flat" cmpd="sng" algn="ctr">
+                      <a:solidFill>
+                        <a:srgbClr val="A0DBE3"/>
+                      </a:solidFill>
+                      <a:prstDash val="solid"/>
+                      <a:round/>
+                      <a:headEnd type="none" w="med" len="med"/>
+                      <a:tailEnd type="none" w="med" len="med"/>
+                    </a:lnB>
+                    <a:solidFill>
+                      <a:srgbClr val="FFFFFF"/>
+                    </a:solidFill>
+                  </a:tcPr>
+                </a:tc>
+                <a:extLst>
+                  <a:ext uri="{0D108BD9-81ED-4DB2-BD59-A6C34878D82A}">
+                    <a16:rowId xmlns:a16="http://schemas.microsoft.com/office/drawing/2014/main" val="166832508"/>
+                  </a:ext>
+                </a:extLst>
+              </a:tr>
+              <a:tr h="340502">
+                <a:tc>
+                  <a:txBody>
+                    <a:bodyPr/>
+                    <a:lstStyle/>
+                    <a:p>
+                      <a:r>
+                        <a:rPr lang="en-US" sz="700">
+                          <a:effectLst/>
+                        </a:rPr>
+                        <a:t>2016</a:t>
+                      </a:r>
+                    </a:p>
+                  </a:txBody>
+                  <a:tcPr marL="37386" marR="37386" marT="18693" marB="18693">
+                    <a:lnL w="12700" cap="flat" cmpd="sng" algn="ctr">
+                      <a:solidFill>
+                        <a:srgbClr val="80D8E3"/>
+                      </a:solidFill>
+                      <a:prstDash val="solid"/>
+                      <a:round/>
+                      <a:headEnd type="none" w="med" len="med"/>
+                      <a:tailEnd type="none" w="med" len="med"/>
+                    </a:lnL>
+                    <a:lnR w="12700" cap="flat" cmpd="sng" algn="ctr">
+                      <a:solidFill>
+                        <a:srgbClr val="C0D6E3"/>
+                      </a:solidFill>
+                      <a:prstDash val="solid"/>
+                      <a:round/>
+                      <a:headEnd type="none" w="med" len="med"/>
+                      <a:tailEnd type="none" w="med" len="med"/>
+                    </a:lnR>
+                    <a:lnT w="12700" cap="flat" cmpd="sng" algn="ctr">
+                      <a:solidFill>
+                        <a:srgbClr val="80D8E3"/>
+                      </a:solidFill>
+                      <a:prstDash val="solid"/>
+                      <a:round/>
+                      <a:headEnd type="none" w="med" len="med"/>
+                      <a:tailEnd type="none" w="med" len="med"/>
+                    </a:lnT>
+                    <a:lnB w="12700" cap="flat" cmpd="sng" algn="ctr">
+                      <a:solidFill>
+                        <a:srgbClr val="A0D7E3"/>
+                      </a:solidFill>
+                      <a:prstDash val="solid"/>
+                      <a:round/>
+                      <a:headEnd type="none" w="med" len="med"/>
+                      <a:tailEnd type="none" w="med" len="med"/>
+                    </a:lnB>
+                    <a:solidFill>
+                      <a:srgbClr val="FFFFFF"/>
+                    </a:solidFill>
+                  </a:tcPr>
+                </a:tc>
+                <a:tc>
+                  <a:txBody>
+                    <a:bodyPr/>
+                    <a:lstStyle/>
+                    <a:p>
+                      <a:r>
+                        <a:rPr lang="en-US" sz="700">
+                          <a:effectLst/>
+                        </a:rPr>
+                        <a:t>2008</a:t>
+                      </a:r>
+                    </a:p>
+                  </a:txBody>
+                  <a:tcPr marL="37386" marR="37386" marT="18693" marB="18693">
+                    <a:lnL w="12700" cap="flat" cmpd="sng" algn="ctr">
+                      <a:solidFill>
+                        <a:srgbClr val="C0D6E3"/>
+                      </a:solidFill>
+                      <a:prstDash val="solid"/>
+                      <a:round/>
+                      <a:headEnd type="none" w="med" len="med"/>
+                      <a:tailEnd type="none" w="med" len="med"/>
+                    </a:lnL>
+                    <a:lnR w="12700" cap="flat" cmpd="sng" algn="ctr">
+                      <a:solidFill>
+                        <a:srgbClr val="80D8E3"/>
+                      </a:solidFill>
+                      <a:prstDash val="solid"/>
+                      <a:round/>
+                      <a:headEnd type="none" w="med" len="med"/>
+                      <a:tailEnd type="none" w="med" len="med"/>
+                    </a:lnR>
+                    <a:lnT w="12700" cap="flat" cmpd="sng" algn="ctr">
+                      <a:solidFill>
+                        <a:srgbClr val="C0D6E3"/>
+                      </a:solidFill>
+                      <a:prstDash val="solid"/>
+                      <a:round/>
+                      <a:headEnd type="none" w="med" len="med"/>
+                      <a:tailEnd type="none" w="med" len="med"/>
+                    </a:lnT>
+                    <a:lnB w="12700" cap="flat" cmpd="sng" algn="ctr">
+                      <a:solidFill>
+                        <a:srgbClr val="80DCE3"/>
+                      </a:solidFill>
+                      <a:prstDash val="solid"/>
+                      <a:round/>
+                      <a:headEnd type="none" w="med" len="med"/>
+                      <a:tailEnd type="none" w="med" len="med"/>
+                    </a:lnB>
+                    <a:solidFill>
+                      <a:srgbClr val="FFFFFF"/>
+                    </a:solidFill>
+                  </a:tcPr>
+                </a:tc>
+                <a:tc>
+                  <a:txBody>
+                    <a:bodyPr/>
+                    <a:lstStyle/>
+                    <a:p>
+                      <a:r>
+                        <a:rPr lang="en-US" sz="700">
+                          <a:effectLst/>
+                        </a:rPr>
+                        <a:t>11</a:t>
+                      </a:r>
+                    </a:p>
+                  </a:txBody>
+                  <a:tcPr marL="37386" marR="37386" marT="18693" marB="18693">
+                    <a:lnL w="12700" cap="flat" cmpd="sng" algn="ctr">
+                      <a:solidFill>
+                        <a:srgbClr val="80D8E3"/>
+                      </a:solidFill>
+                      <a:prstDash val="solid"/>
+                      <a:round/>
+                      <a:headEnd type="none" w="med" len="med"/>
+                      <a:tailEnd type="none" w="med" len="med"/>
+                    </a:lnL>
+                    <a:lnR w="12700" cap="flat" cmpd="sng" algn="ctr">
+                      <a:solidFill>
+                        <a:srgbClr val="A0D7E3"/>
+                      </a:solidFill>
+                      <a:prstDash val="solid"/>
+                      <a:round/>
+                      <a:headEnd type="none" w="med" len="med"/>
+                      <a:tailEnd type="none" w="med" len="med"/>
+                    </a:lnR>
+                    <a:lnT w="12700" cap="flat" cmpd="sng" algn="ctr">
+                      <a:solidFill>
+                        <a:srgbClr val="80D8E3"/>
+                      </a:solidFill>
+                      <a:prstDash val="solid"/>
+                      <a:round/>
+                      <a:headEnd type="none" w="med" len="med"/>
+                      <a:tailEnd type="none" w="med" len="med"/>
+                    </a:lnT>
+                    <a:lnB w="12700" cap="flat" cmpd="sng" algn="ctr">
+                      <a:solidFill>
+                        <a:srgbClr val="00DCE3"/>
+                      </a:solidFill>
+                      <a:prstDash val="solid"/>
+                      <a:round/>
+                      <a:headEnd type="none" w="med" len="med"/>
+                      <a:tailEnd type="none" w="med" len="med"/>
+                    </a:lnB>
+                    <a:solidFill>
+                      <a:srgbClr val="FFFFFF"/>
+                    </a:solidFill>
+                  </a:tcPr>
+                </a:tc>
+                <a:tc>
+                  <a:txBody>
+                    <a:bodyPr/>
+                    <a:lstStyle/>
+                    <a:p>
+                      <a:r>
+                        <a:rPr lang="en-US" sz="700" dirty="0">
+                          <a:effectLst/>
+                        </a:rPr>
+                        <a:t>18.5 (18.0-19.1)</a:t>
+                      </a:r>
+                    </a:p>
+                  </a:txBody>
+                  <a:tcPr marL="37386" marR="37386" marT="18693" marB="18693">
+                    <a:lnL w="12700" cap="flat" cmpd="sng" algn="ctr">
+                      <a:solidFill>
+                        <a:srgbClr val="A0D7E3"/>
+                      </a:solidFill>
+                      <a:prstDash val="solid"/>
+                      <a:round/>
+                      <a:headEnd type="none" w="med" len="med"/>
+                      <a:tailEnd type="none" w="med" len="med"/>
+                    </a:lnL>
+                    <a:lnR w="12700" cap="flat" cmpd="sng" algn="ctr">
+                      <a:solidFill>
+                        <a:srgbClr val="A0DBE3"/>
+                      </a:solidFill>
+                      <a:prstDash val="solid"/>
+                      <a:round/>
+                      <a:headEnd type="none" w="med" len="med"/>
+                      <a:tailEnd type="none" w="med" len="med"/>
+                    </a:lnR>
+                    <a:lnT w="12700" cap="flat" cmpd="sng" algn="ctr">
+                      <a:solidFill>
+                        <a:srgbClr val="A0D7E3"/>
+                      </a:solidFill>
+                      <a:prstDash val="solid"/>
+                      <a:round/>
+                      <a:headEnd type="none" w="med" len="med"/>
+                      <a:tailEnd type="none" w="med" len="med"/>
+                    </a:lnT>
+                    <a:lnB w="12700" cap="flat" cmpd="sng" algn="ctr">
+                      <a:solidFill>
+                        <a:srgbClr val="60DCE3"/>
+                      </a:solidFill>
+                      <a:prstDash val="solid"/>
+                      <a:round/>
+                      <a:headEnd type="none" w="med" len="med"/>
+                      <a:tailEnd type="none" w="med" len="med"/>
+                    </a:lnB>
+                    <a:solidFill>
+                      <a:srgbClr val="FFFFFF"/>
+                    </a:solidFill>
+                  </a:tcPr>
+                </a:tc>
+                <a:tc>
+                  <a:txBody>
+                    <a:bodyPr/>
+                    <a:lstStyle/>
+                    <a:p>
+                      <a:r>
+                        <a:rPr lang="en-US" sz="700" dirty="0">
+                          <a:effectLst/>
+                        </a:rPr>
+                        <a:t>1 in 54</a:t>
+                      </a:r>
+                    </a:p>
+                  </a:txBody>
+                  <a:tcPr marL="37386" marR="37386" marT="18693" marB="18693">
+                    <a:lnL w="12700" cap="flat" cmpd="sng" algn="ctr">
+                      <a:solidFill>
+                        <a:srgbClr val="A0DBE3"/>
+                      </a:solidFill>
+                      <a:prstDash val="solid"/>
+                      <a:round/>
+                      <a:headEnd type="none" w="med" len="med"/>
+                      <a:tailEnd type="none" w="med" len="med"/>
+                    </a:lnL>
+                    <a:lnR w="12700" cap="flat" cmpd="sng" algn="ctr">
+                      <a:solidFill>
+                        <a:srgbClr val="A0DBE3"/>
+                      </a:solidFill>
+                      <a:prstDash val="solid"/>
+                      <a:round/>
+                      <a:headEnd type="none" w="med" len="med"/>
+                      <a:tailEnd type="none" w="med" len="med"/>
+                    </a:lnR>
+                    <a:lnT w="12700" cap="flat" cmpd="sng" algn="ctr">
+                      <a:solidFill>
+                        <a:srgbClr val="A0DBE3"/>
+                      </a:solidFill>
+                      <a:prstDash val="solid"/>
+                      <a:round/>
+                      <a:headEnd type="none" w="med" len="med"/>
+                      <a:tailEnd type="none" w="med" len="med"/>
+                    </a:lnT>
+                    <a:lnB w="12700" cap="flat" cmpd="sng" algn="ctr">
+                      <a:solidFill>
+                        <a:srgbClr val="A0D5E3"/>
+                      </a:solidFill>
+                      <a:prstDash val="solid"/>
+                      <a:round/>
+                      <a:headEnd type="none" w="med" len="med"/>
+                      <a:tailEnd type="none" w="med" len="med"/>
+                    </a:lnB>
+                    <a:solidFill>
+                      <a:srgbClr val="FFFFFF"/>
+                    </a:solidFill>
+                  </a:tcPr>
+                </a:tc>
+                <a:extLst>
+                  <a:ext uri="{0D108BD9-81ED-4DB2-BD59-A6C34878D82A}">
+                    <a16:rowId xmlns:a16="http://schemas.microsoft.com/office/drawing/2014/main" val="1139104509"/>
+                  </a:ext>
+                </a:extLst>
+              </a:tr>
+              <a:tr h="340502">
+                <a:tc>
+                  <a:txBody>
+                    <a:bodyPr/>
+                    <a:lstStyle/>
+                    <a:p>
+                      <a:r>
+                        <a:rPr lang="en-US" sz="700">
+                          <a:effectLst/>
+                        </a:rPr>
+                        <a:t>2014</a:t>
+                      </a:r>
+                    </a:p>
+                  </a:txBody>
+                  <a:tcPr marL="37386" marR="37386" marT="18693" marB="18693">
+                    <a:lnL w="12700" cap="flat" cmpd="sng" algn="ctr">
+                      <a:solidFill>
+                        <a:srgbClr val="A0D7E3"/>
+                      </a:solidFill>
+                      <a:prstDash val="solid"/>
+                      <a:round/>
+                      <a:headEnd type="none" w="med" len="med"/>
+                      <a:tailEnd type="none" w="med" len="med"/>
+                    </a:lnL>
+                    <a:lnR w="12700" cap="flat" cmpd="sng" algn="ctr">
+                      <a:solidFill>
+                        <a:srgbClr val="80DCE3"/>
+                      </a:solidFill>
+                      <a:prstDash val="solid"/>
+                      <a:round/>
+                      <a:headEnd type="none" w="med" len="med"/>
+                      <a:tailEnd type="none" w="med" len="med"/>
+                    </a:lnR>
+                    <a:lnT w="12700" cap="flat" cmpd="sng" algn="ctr">
+                      <a:solidFill>
+                        <a:srgbClr val="A0D7E3"/>
+                      </a:solidFill>
+                      <a:prstDash val="solid"/>
+                      <a:round/>
+                      <a:headEnd type="none" w="med" len="med"/>
+                      <a:tailEnd type="none" w="med" len="med"/>
+                    </a:lnT>
+                    <a:lnB w="12700" cap="flat" cmpd="sng" algn="ctr">
+                      <a:solidFill>
+                        <a:srgbClr val="20E3E3"/>
+                      </a:solidFill>
+                      <a:prstDash val="solid"/>
+                      <a:round/>
+                      <a:headEnd type="none" w="med" len="med"/>
+                      <a:tailEnd type="none" w="med" len="med"/>
+                    </a:lnB>
+                    <a:solidFill>
+                      <a:srgbClr val="FFFFFF"/>
+                    </a:solidFill>
+                  </a:tcPr>
+                </a:tc>
+                <a:tc>
+                  <a:txBody>
+                    <a:bodyPr/>
+                    <a:lstStyle/>
+                    <a:p>
+                      <a:r>
+                        <a:rPr lang="en-US" sz="700">
+                          <a:effectLst/>
+                        </a:rPr>
+                        <a:t>2006</a:t>
+                      </a:r>
+                    </a:p>
+                  </a:txBody>
+                  <a:tcPr marL="37386" marR="37386" marT="18693" marB="18693">
+                    <a:lnL w="12700" cap="flat" cmpd="sng" algn="ctr">
+                      <a:solidFill>
+                        <a:srgbClr val="80DCE3"/>
+                      </a:solidFill>
+                      <a:prstDash val="solid"/>
+                      <a:round/>
+                      <a:headEnd type="none" w="med" len="med"/>
+                      <a:tailEnd type="none" w="med" len="med"/>
+                    </a:lnL>
+                    <a:lnR w="12700" cap="flat" cmpd="sng" algn="ctr">
+                      <a:solidFill>
+                        <a:srgbClr val="00DCE3"/>
+                      </a:solidFill>
+                      <a:prstDash val="solid"/>
+                      <a:round/>
+                      <a:headEnd type="none" w="med" len="med"/>
+                      <a:tailEnd type="none" w="med" len="med"/>
+                    </a:lnR>
+                    <a:lnT w="12700" cap="flat" cmpd="sng" algn="ctr">
+                      <a:solidFill>
+                        <a:srgbClr val="80DCE3"/>
+                      </a:solidFill>
+                      <a:prstDash val="solid"/>
+                      <a:round/>
+                      <a:headEnd type="none" w="med" len="med"/>
+                      <a:tailEnd type="none" w="med" len="med"/>
+                    </a:lnT>
+                    <a:lnB w="12700" cap="flat" cmpd="sng" algn="ctr">
+                      <a:solidFill>
+                        <a:srgbClr val="80E4E3"/>
+                      </a:solidFill>
+                      <a:prstDash val="solid"/>
+                      <a:round/>
+                      <a:headEnd type="none" w="med" len="med"/>
+                      <a:tailEnd type="none" w="med" len="med"/>
+                    </a:lnB>
+                    <a:solidFill>
+                      <a:srgbClr val="FFFFFF"/>
+                    </a:solidFill>
+                  </a:tcPr>
+                </a:tc>
+                <a:tc>
+                  <a:txBody>
+                    <a:bodyPr/>
+                    <a:lstStyle/>
+                    <a:p>
+                      <a:r>
+                        <a:rPr lang="en-US" sz="700">
+                          <a:effectLst/>
+                        </a:rPr>
+                        <a:t>11</a:t>
+                      </a:r>
+                    </a:p>
+                  </a:txBody>
+                  <a:tcPr marL="37386" marR="37386" marT="18693" marB="18693">
+                    <a:lnL w="12700" cap="flat" cmpd="sng" algn="ctr">
+                      <a:solidFill>
+                        <a:srgbClr val="00DCE3"/>
+                      </a:solidFill>
+                      <a:prstDash val="solid"/>
+                      <a:round/>
+                      <a:headEnd type="none" w="med" len="med"/>
+                      <a:tailEnd type="none" w="med" len="med"/>
+                    </a:lnL>
+                    <a:lnR w="12700" cap="flat" cmpd="sng" algn="ctr">
+                      <a:solidFill>
+                        <a:srgbClr val="60DCE3"/>
+                      </a:solidFill>
+                      <a:prstDash val="solid"/>
+                      <a:round/>
+                      <a:headEnd type="none" w="med" len="med"/>
+                      <a:tailEnd type="none" w="med" len="med"/>
+                    </a:lnR>
+                    <a:lnT w="12700" cap="flat" cmpd="sng" algn="ctr">
+                      <a:solidFill>
+                        <a:srgbClr val="00DCE3"/>
+                      </a:solidFill>
+                      <a:prstDash val="solid"/>
+                      <a:round/>
+                      <a:headEnd type="none" w="med" len="med"/>
+                      <a:tailEnd type="none" w="med" len="med"/>
+                    </a:lnT>
+                    <a:lnB w="12700" cap="flat" cmpd="sng" algn="ctr">
+                      <a:solidFill>
+                        <a:srgbClr val="20E3E3"/>
+                      </a:solidFill>
+                      <a:prstDash val="solid"/>
+                      <a:round/>
+                      <a:headEnd type="none" w="med" len="med"/>
+                      <a:tailEnd type="none" w="med" len="med"/>
+                    </a:lnB>
+                    <a:solidFill>
+                      <a:srgbClr val="FFFFFF"/>
+                    </a:solidFill>
+                  </a:tcPr>
+                </a:tc>
+                <a:tc>
+                  <a:txBody>
+                    <a:bodyPr/>
+                    <a:lstStyle/>
+                    <a:p>
+                      <a:r>
+                        <a:rPr lang="en-US" sz="700">
+                          <a:effectLst/>
+                        </a:rPr>
+                        <a:t>16.8 (13.1-29.3)</a:t>
+                      </a:r>
+                    </a:p>
+                  </a:txBody>
+                  <a:tcPr marL="37386" marR="37386" marT="18693" marB="18693">
+                    <a:lnL w="12700" cap="flat" cmpd="sng" algn="ctr">
+                      <a:solidFill>
+                        <a:srgbClr val="60DCE3"/>
+                      </a:solidFill>
+                      <a:prstDash val="solid"/>
+                      <a:round/>
+                      <a:headEnd type="none" w="med" len="med"/>
+                      <a:tailEnd type="none" w="med" len="med"/>
+                    </a:lnL>
+                    <a:lnR w="12700" cap="flat" cmpd="sng" algn="ctr">
+                      <a:solidFill>
+                        <a:srgbClr val="A0D5E3"/>
+                      </a:solidFill>
+                      <a:prstDash val="solid"/>
+                      <a:round/>
+                      <a:headEnd type="none" w="med" len="med"/>
+                      <a:tailEnd type="none" w="med" len="med"/>
+                    </a:lnR>
+                    <a:lnT w="12700" cap="flat" cmpd="sng" algn="ctr">
+                      <a:solidFill>
+                        <a:srgbClr val="60DCE3"/>
+                      </a:solidFill>
+                      <a:prstDash val="solid"/>
+                      <a:round/>
+                      <a:headEnd type="none" w="med" len="med"/>
+                      <a:tailEnd type="none" w="med" len="med"/>
+                    </a:lnT>
+                    <a:lnB w="12700" cap="flat" cmpd="sng" algn="ctr">
+                      <a:solidFill>
+                        <a:srgbClr val="20E3E3"/>
+                      </a:solidFill>
+                      <a:prstDash val="solid"/>
+                      <a:round/>
+                      <a:headEnd type="none" w="med" len="med"/>
+                      <a:tailEnd type="none" w="med" len="med"/>
+                    </a:lnB>
+                    <a:solidFill>
+                      <a:srgbClr val="FFFFFF"/>
+                    </a:solidFill>
+                  </a:tcPr>
+                </a:tc>
+                <a:tc>
+                  <a:txBody>
+                    <a:bodyPr/>
+                    <a:lstStyle/>
+                    <a:p>
+                      <a:r>
+                        <a:rPr lang="en-US" sz="700">
+                          <a:effectLst/>
+                        </a:rPr>
+                        <a:t>1 in 59</a:t>
+                      </a:r>
+                    </a:p>
+                  </a:txBody>
+                  <a:tcPr marL="37386" marR="37386" marT="18693" marB="18693">
+                    <a:lnL w="12700" cap="flat" cmpd="sng" algn="ctr">
+                      <a:solidFill>
+                        <a:srgbClr val="A0D5E3"/>
+                      </a:solidFill>
+                      <a:prstDash val="solid"/>
+                      <a:round/>
+                      <a:headEnd type="none" w="med" len="med"/>
+                      <a:tailEnd type="none" w="med" len="med"/>
+                    </a:lnL>
+                    <a:lnR w="12700" cap="flat" cmpd="sng" algn="ctr">
+                      <a:solidFill>
+                        <a:srgbClr val="A0D5E3"/>
+                      </a:solidFill>
+                      <a:prstDash val="solid"/>
+                      <a:round/>
+                      <a:headEnd type="none" w="med" len="med"/>
+                      <a:tailEnd type="none" w="med" len="med"/>
+                    </a:lnR>
+                    <a:lnT w="12700" cap="flat" cmpd="sng" algn="ctr">
+                      <a:solidFill>
+                        <a:srgbClr val="A0D5E3"/>
+                      </a:solidFill>
+                      <a:prstDash val="solid"/>
+                      <a:round/>
+                      <a:headEnd type="none" w="med" len="med"/>
+                      <a:tailEnd type="none" w="med" len="med"/>
+                    </a:lnT>
+                    <a:lnB w="12700" cap="flat" cmpd="sng" algn="ctr">
+                      <a:solidFill>
+                        <a:srgbClr val="20E3E3"/>
+                      </a:solidFill>
+                      <a:prstDash val="solid"/>
+                      <a:round/>
+                      <a:headEnd type="none" w="med" len="med"/>
+                      <a:tailEnd type="none" w="med" len="med"/>
+                    </a:lnB>
+                    <a:solidFill>
+                      <a:srgbClr val="FFFFFF"/>
+                    </a:solidFill>
+                  </a:tcPr>
+                </a:tc>
+                <a:extLst>
+                  <a:ext uri="{0D108BD9-81ED-4DB2-BD59-A6C34878D82A}">
+                    <a16:rowId xmlns:a16="http://schemas.microsoft.com/office/drawing/2014/main" val="778154886"/>
+                  </a:ext>
+                </a:extLst>
+              </a:tr>
+              <a:tr h="340502">
+                <a:tc>
+                  <a:txBody>
+                    <a:bodyPr/>
+                    <a:lstStyle/>
+                    <a:p>
+                      <a:r>
+                        <a:rPr lang="en-US" sz="700">
+                          <a:effectLst/>
+                        </a:rPr>
+                        <a:t>2012</a:t>
+                      </a:r>
+                    </a:p>
+                  </a:txBody>
+                  <a:tcPr marL="37386" marR="37386" marT="18693" marB="18693">
+                    <a:lnL w="12700" cap="flat" cmpd="sng" algn="ctr">
+                      <a:solidFill>
+                        <a:srgbClr val="20E3E3"/>
+                      </a:solidFill>
+                      <a:prstDash val="solid"/>
+                      <a:round/>
+                      <a:headEnd type="none" w="med" len="med"/>
+                      <a:tailEnd type="none" w="med" len="med"/>
+                    </a:lnL>
+                    <a:lnR w="12700" cap="flat" cmpd="sng" algn="ctr">
+                      <a:solidFill>
+                        <a:srgbClr val="80E4E3"/>
+                      </a:solidFill>
+                      <a:prstDash val="solid"/>
+                      <a:round/>
+                      <a:headEnd type="none" w="med" len="med"/>
+                      <a:tailEnd type="none" w="med" len="med"/>
+                    </a:lnR>
+                    <a:lnT w="12700" cap="flat" cmpd="sng" algn="ctr">
+                      <a:solidFill>
+                        <a:srgbClr val="20E3E3"/>
+                      </a:solidFill>
+                      <a:prstDash val="solid"/>
+                      <a:round/>
+                      <a:headEnd type="none" w="med" len="med"/>
+                      <a:tailEnd type="none" w="med" len="med"/>
+                    </a:lnT>
+                    <a:lnB w="12700" cap="flat" cmpd="sng" algn="ctr">
+                      <a:solidFill>
+                        <a:srgbClr val="C0E0E3"/>
+                      </a:solidFill>
+                      <a:prstDash val="solid"/>
+                      <a:round/>
+                      <a:headEnd type="none" w="med" len="med"/>
+                      <a:tailEnd type="none" w="med" len="med"/>
+                    </a:lnB>
+                    <a:solidFill>
+                      <a:srgbClr val="FFFFFF"/>
+                    </a:solidFill>
+                  </a:tcPr>
+                </a:tc>
+                <a:tc>
+                  <a:txBody>
+                    <a:bodyPr/>
+                    <a:lstStyle/>
+                    <a:p>
+                      <a:r>
+                        <a:rPr lang="en-US" sz="700">
+                          <a:effectLst/>
+                        </a:rPr>
+                        <a:t>2004</a:t>
+                      </a:r>
+                    </a:p>
+                  </a:txBody>
+                  <a:tcPr marL="37386" marR="37386" marT="18693" marB="18693">
+                    <a:lnL w="12700" cap="flat" cmpd="sng" algn="ctr">
+                      <a:solidFill>
+                        <a:srgbClr val="80E4E3"/>
+                      </a:solidFill>
+                      <a:prstDash val="solid"/>
+                      <a:round/>
+                      <a:headEnd type="none" w="med" len="med"/>
+                      <a:tailEnd type="none" w="med" len="med"/>
+                    </a:lnL>
+                    <a:lnR w="12700" cap="flat" cmpd="sng" algn="ctr">
+                      <a:solidFill>
+                        <a:srgbClr val="20E3E3"/>
+                      </a:solidFill>
+                      <a:prstDash val="solid"/>
+                      <a:round/>
+                      <a:headEnd type="none" w="med" len="med"/>
+                      <a:tailEnd type="none" w="med" len="med"/>
+                    </a:lnR>
+                    <a:lnT w="12700" cap="flat" cmpd="sng" algn="ctr">
+                      <a:solidFill>
+                        <a:srgbClr val="80E4E3"/>
+                      </a:solidFill>
+                      <a:prstDash val="solid"/>
+                      <a:round/>
+                      <a:headEnd type="none" w="med" len="med"/>
+                      <a:tailEnd type="none" w="med" len="med"/>
+                    </a:lnT>
+                    <a:lnB w="12700" cap="flat" cmpd="sng" algn="ctr">
+                      <a:solidFill>
+                        <a:srgbClr val="80E1E3"/>
+                      </a:solidFill>
+                      <a:prstDash val="solid"/>
+                      <a:round/>
+                      <a:headEnd type="none" w="med" len="med"/>
+                      <a:tailEnd type="none" w="med" len="med"/>
+                    </a:lnB>
+                    <a:solidFill>
+                      <a:srgbClr val="FFFFFF"/>
+                    </a:solidFill>
+                  </a:tcPr>
+                </a:tc>
+                <a:tc>
+                  <a:txBody>
+                    <a:bodyPr/>
+                    <a:lstStyle/>
+                    <a:p>
+                      <a:r>
+                        <a:rPr lang="en-US" sz="700">
+                          <a:effectLst/>
+                        </a:rPr>
+                        <a:t>11</a:t>
+                      </a:r>
+                    </a:p>
+                  </a:txBody>
+                  <a:tcPr marL="37386" marR="37386" marT="18693" marB="18693">
+                    <a:lnL w="12700" cap="flat" cmpd="sng" algn="ctr">
+                      <a:solidFill>
+                        <a:srgbClr val="20E3E3"/>
+                      </a:solidFill>
+                      <a:prstDash val="solid"/>
+                      <a:round/>
+                      <a:headEnd type="none" w="med" len="med"/>
+                      <a:tailEnd type="none" w="med" len="med"/>
+                    </a:lnL>
+                    <a:lnR w="12700" cap="flat" cmpd="sng" algn="ctr">
+                      <a:solidFill>
+                        <a:srgbClr val="20E3E3"/>
+                      </a:solidFill>
+                      <a:prstDash val="solid"/>
+                      <a:round/>
+                      <a:headEnd type="none" w="med" len="med"/>
+                      <a:tailEnd type="none" w="med" len="med"/>
+                    </a:lnR>
+                    <a:lnT w="12700" cap="flat" cmpd="sng" algn="ctr">
+                      <a:solidFill>
+                        <a:srgbClr val="20E3E3"/>
+                      </a:solidFill>
+                      <a:prstDash val="solid"/>
+                      <a:round/>
+                      <a:headEnd type="none" w="med" len="med"/>
+                      <a:tailEnd type="none" w="med" len="med"/>
+                    </a:lnT>
+                    <a:lnB w="12700" cap="flat" cmpd="sng" algn="ctr">
+                      <a:solidFill>
+                        <a:srgbClr val="C0DD63"/>
+                      </a:solidFill>
+                      <a:prstDash val="solid"/>
+                      <a:round/>
+                      <a:headEnd type="none" w="med" len="med"/>
+                      <a:tailEnd type="none" w="med" len="med"/>
+                    </a:lnB>
+                    <a:solidFill>
+                      <a:srgbClr val="FFFFFF"/>
+                    </a:solidFill>
+                  </a:tcPr>
+                </a:tc>
+                <a:tc>
+                  <a:txBody>
+                    <a:bodyPr/>
+                    <a:lstStyle/>
+                    <a:p>
+                      <a:r>
+                        <a:rPr lang="en-US" sz="700">
+                          <a:effectLst/>
+                        </a:rPr>
+                        <a:t>14.5 (8.2-24.6)</a:t>
+                      </a:r>
+                    </a:p>
+                  </a:txBody>
+                  <a:tcPr marL="37386" marR="37386" marT="18693" marB="18693">
+                    <a:lnL w="12700" cap="flat" cmpd="sng" algn="ctr">
+                      <a:solidFill>
+                        <a:srgbClr val="20E3E3"/>
+                      </a:solidFill>
+                      <a:prstDash val="solid"/>
+                      <a:round/>
+                      <a:headEnd type="none" w="med" len="med"/>
+                      <a:tailEnd type="none" w="med" len="med"/>
+                    </a:lnL>
+                    <a:lnR w="12700" cap="flat" cmpd="sng" algn="ctr">
+                      <a:solidFill>
+                        <a:srgbClr val="20E3E3"/>
+                      </a:solidFill>
+                      <a:prstDash val="solid"/>
+                      <a:round/>
+                      <a:headEnd type="none" w="med" len="med"/>
+                      <a:tailEnd type="none" w="med" len="med"/>
+                    </a:lnR>
+                    <a:lnT w="12700" cap="flat" cmpd="sng" algn="ctr">
+                      <a:solidFill>
+                        <a:srgbClr val="20E3E3"/>
+                      </a:solidFill>
+                      <a:prstDash val="solid"/>
+                      <a:round/>
+                      <a:headEnd type="none" w="med" len="med"/>
+                      <a:tailEnd type="none" w="med" len="med"/>
+                    </a:lnT>
+                    <a:lnB w="12700" cap="flat" cmpd="sng" algn="ctr">
+                      <a:solidFill>
+                        <a:srgbClr val="60DA63"/>
+                      </a:solidFill>
+                      <a:prstDash val="solid"/>
+                      <a:round/>
+                      <a:headEnd type="none" w="med" len="med"/>
+                      <a:tailEnd type="none" w="med" len="med"/>
+                    </a:lnB>
+                    <a:solidFill>
+                      <a:srgbClr val="FFFFFF"/>
+                    </a:solidFill>
+                  </a:tcPr>
+                </a:tc>
+                <a:tc>
+                  <a:txBody>
+                    <a:bodyPr/>
+                    <a:lstStyle/>
+                    <a:p>
+                      <a:r>
+                        <a:rPr lang="en-US" sz="700">
+                          <a:effectLst/>
+                        </a:rPr>
+                        <a:t>1 in 69</a:t>
+                      </a:r>
+                    </a:p>
+                  </a:txBody>
+                  <a:tcPr marL="37386" marR="37386" marT="18693" marB="18693">
+                    <a:lnL w="12700" cap="flat" cmpd="sng" algn="ctr">
+                      <a:solidFill>
+                        <a:srgbClr val="20E3E3"/>
+                      </a:solidFill>
+                      <a:prstDash val="solid"/>
+                      <a:round/>
+                      <a:headEnd type="none" w="med" len="med"/>
+                      <a:tailEnd type="none" w="med" len="med"/>
+                    </a:lnL>
+                    <a:lnR w="12700" cap="flat" cmpd="sng" algn="ctr">
+                      <a:solidFill>
+                        <a:srgbClr val="20E3E3"/>
+                      </a:solidFill>
+                      <a:prstDash val="solid"/>
+                      <a:round/>
+                      <a:headEnd type="none" w="med" len="med"/>
+                      <a:tailEnd type="none" w="med" len="med"/>
+                    </a:lnR>
+                    <a:lnT w="12700" cap="flat" cmpd="sng" algn="ctr">
+                      <a:solidFill>
+                        <a:srgbClr val="20E3E3"/>
+                      </a:solidFill>
+                      <a:prstDash val="solid"/>
+                      <a:round/>
+                      <a:headEnd type="none" w="med" len="med"/>
+                      <a:tailEnd type="none" w="med" len="med"/>
+                    </a:lnT>
+                    <a:lnB w="12700" cap="flat" cmpd="sng" algn="ctr">
+                      <a:solidFill>
+                        <a:srgbClr val="A0D663"/>
+                      </a:solidFill>
+                      <a:prstDash val="solid"/>
+                      <a:round/>
+                      <a:headEnd type="none" w="med" len="med"/>
+                      <a:tailEnd type="none" w="med" len="med"/>
+                    </a:lnB>
+                    <a:solidFill>
+                      <a:srgbClr val="FFFFFF"/>
+                    </a:solidFill>
+                  </a:tcPr>
+                </a:tc>
+                <a:extLst>
+                  <a:ext uri="{0D108BD9-81ED-4DB2-BD59-A6C34878D82A}">
+                    <a16:rowId xmlns:a16="http://schemas.microsoft.com/office/drawing/2014/main" val="522369937"/>
+                  </a:ext>
+                </a:extLst>
+              </a:tr>
+              <a:tr h="340502">
+                <a:tc>
+                  <a:txBody>
+                    <a:bodyPr/>
+                    <a:lstStyle/>
+                    <a:p>
+                      <a:r>
+                        <a:rPr lang="en-US" sz="700">
+                          <a:effectLst/>
+                        </a:rPr>
+                        <a:t>2010</a:t>
+                      </a:r>
+                    </a:p>
+                  </a:txBody>
+                  <a:tcPr marL="37386" marR="37386" marT="18693" marB="18693">
+                    <a:lnL w="12700" cap="flat" cmpd="sng" algn="ctr">
+                      <a:solidFill>
+                        <a:srgbClr val="C0E0E3"/>
+                      </a:solidFill>
+                      <a:prstDash val="solid"/>
+                      <a:round/>
+                      <a:headEnd type="none" w="med" len="med"/>
+                      <a:tailEnd type="none" w="med" len="med"/>
+                    </a:lnL>
+                    <a:lnR w="12700" cap="flat" cmpd="sng" algn="ctr">
+                      <a:solidFill>
+                        <a:srgbClr val="80E1E3"/>
+                      </a:solidFill>
+                      <a:prstDash val="solid"/>
+                      <a:round/>
+                      <a:headEnd type="none" w="med" len="med"/>
+                      <a:tailEnd type="none" w="med" len="med"/>
+                    </a:lnR>
+                    <a:lnT w="12700" cap="flat" cmpd="sng" algn="ctr">
+                      <a:solidFill>
+                        <a:srgbClr val="C0E0E3"/>
+                      </a:solidFill>
+                      <a:prstDash val="solid"/>
+                      <a:round/>
+                      <a:headEnd type="none" w="med" len="med"/>
+                      <a:tailEnd type="none" w="med" len="med"/>
+                    </a:lnT>
+                    <a:lnB w="12700" cap="flat" cmpd="sng" algn="ctr">
+                      <a:solidFill>
+                        <a:srgbClr val="40D663"/>
+                      </a:solidFill>
+                      <a:prstDash val="solid"/>
+                      <a:round/>
+                      <a:headEnd type="none" w="med" len="med"/>
+                      <a:tailEnd type="none" w="med" len="med"/>
+                    </a:lnB>
+                    <a:solidFill>
+                      <a:srgbClr val="FFFFFF"/>
+                    </a:solidFill>
+                  </a:tcPr>
+                </a:tc>
+                <a:tc>
+                  <a:txBody>
+                    <a:bodyPr/>
+                    <a:lstStyle/>
+                    <a:p>
+                      <a:r>
+                        <a:rPr lang="en-US" sz="700">
+                          <a:effectLst/>
+                        </a:rPr>
+                        <a:t>2002</a:t>
+                      </a:r>
+                    </a:p>
+                  </a:txBody>
+                  <a:tcPr marL="37386" marR="37386" marT="18693" marB="18693">
+                    <a:lnL w="12700" cap="flat" cmpd="sng" algn="ctr">
+                      <a:solidFill>
+                        <a:srgbClr val="80E1E3"/>
+                      </a:solidFill>
+                      <a:prstDash val="solid"/>
+                      <a:round/>
+                      <a:headEnd type="none" w="med" len="med"/>
+                      <a:tailEnd type="none" w="med" len="med"/>
+                    </a:lnL>
+                    <a:lnR w="12700" cap="flat" cmpd="sng" algn="ctr">
+                      <a:solidFill>
+                        <a:srgbClr val="C0DD63"/>
+                      </a:solidFill>
+                      <a:prstDash val="solid"/>
+                      <a:round/>
+                      <a:headEnd type="none" w="med" len="med"/>
+                      <a:tailEnd type="none" w="med" len="med"/>
+                    </a:lnR>
+                    <a:lnT w="12700" cap="flat" cmpd="sng" algn="ctr">
+                      <a:solidFill>
+                        <a:srgbClr val="80E1E3"/>
+                      </a:solidFill>
+                      <a:prstDash val="solid"/>
+                      <a:round/>
+                      <a:headEnd type="none" w="med" len="med"/>
+                      <a:tailEnd type="none" w="med" len="med"/>
+                    </a:lnT>
+                    <a:lnB w="12700" cap="flat" cmpd="sng" algn="ctr">
+                      <a:solidFill>
+                        <a:srgbClr val="C0D963"/>
+                      </a:solidFill>
+                      <a:prstDash val="solid"/>
+                      <a:round/>
+                      <a:headEnd type="none" w="med" len="med"/>
+                      <a:tailEnd type="none" w="med" len="med"/>
+                    </a:lnB>
+                    <a:solidFill>
+                      <a:srgbClr val="FFFFFF"/>
+                    </a:solidFill>
+                  </a:tcPr>
+                </a:tc>
+                <a:tc>
+                  <a:txBody>
+                    <a:bodyPr/>
+                    <a:lstStyle/>
+                    <a:p>
+                      <a:r>
+                        <a:rPr lang="en-US" sz="700">
+                          <a:effectLst/>
+                        </a:rPr>
+                        <a:t>11</a:t>
+                      </a:r>
+                    </a:p>
+                  </a:txBody>
+                  <a:tcPr marL="37386" marR="37386" marT="18693" marB="18693">
+                    <a:lnL w="12700" cap="flat" cmpd="sng" algn="ctr">
+                      <a:solidFill>
+                        <a:srgbClr val="C0DD63"/>
+                      </a:solidFill>
+                      <a:prstDash val="solid"/>
+                      <a:round/>
+                      <a:headEnd type="none" w="med" len="med"/>
+                      <a:tailEnd type="none" w="med" len="med"/>
+                    </a:lnL>
+                    <a:lnR w="12700" cap="flat" cmpd="sng" algn="ctr">
+                      <a:solidFill>
+                        <a:srgbClr val="60DA63"/>
+                      </a:solidFill>
+                      <a:prstDash val="solid"/>
+                      <a:round/>
+                      <a:headEnd type="none" w="med" len="med"/>
+                      <a:tailEnd type="none" w="med" len="med"/>
+                    </a:lnR>
+                    <a:lnT w="12700" cap="flat" cmpd="sng" algn="ctr">
+                      <a:solidFill>
+                        <a:srgbClr val="C0DD63"/>
+                      </a:solidFill>
+                      <a:prstDash val="solid"/>
+                      <a:round/>
+                      <a:headEnd type="none" w="med" len="med"/>
+                      <a:tailEnd type="none" w="med" len="med"/>
+                    </a:lnT>
+                    <a:lnB w="12700" cap="flat" cmpd="sng" algn="ctr">
+                      <a:solidFill>
+                        <a:srgbClr val="80D863"/>
+                      </a:solidFill>
+                      <a:prstDash val="solid"/>
+                      <a:round/>
+                      <a:headEnd type="none" w="med" len="med"/>
+                      <a:tailEnd type="none" w="med" len="med"/>
+                    </a:lnB>
+                    <a:solidFill>
+                      <a:srgbClr val="FFFFFF"/>
+                    </a:solidFill>
+                  </a:tcPr>
+                </a:tc>
+                <a:tc>
+                  <a:txBody>
+                    <a:bodyPr/>
+                    <a:lstStyle/>
+                    <a:p>
+                      <a:r>
+                        <a:rPr lang="en-US" sz="700">
+                          <a:effectLst/>
+                        </a:rPr>
+                        <a:t>14.7 (5.7-21.9)</a:t>
+                      </a:r>
+                    </a:p>
+                  </a:txBody>
+                  <a:tcPr marL="37386" marR="37386" marT="18693" marB="18693">
+                    <a:lnL w="12700" cap="flat" cmpd="sng" algn="ctr">
+                      <a:solidFill>
+                        <a:srgbClr val="60DA63"/>
+                      </a:solidFill>
+                      <a:prstDash val="solid"/>
+                      <a:round/>
+                      <a:headEnd type="none" w="med" len="med"/>
+                      <a:tailEnd type="none" w="med" len="med"/>
+                    </a:lnL>
+                    <a:lnR w="12700" cap="flat" cmpd="sng" algn="ctr">
+                      <a:solidFill>
+                        <a:srgbClr val="A0D663"/>
+                      </a:solidFill>
+                      <a:prstDash val="solid"/>
+                      <a:round/>
+                      <a:headEnd type="none" w="med" len="med"/>
+                      <a:tailEnd type="none" w="med" len="med"/>
+                    </a:lnR>
+                    <a:lnT w="12700" cap="flat" cmpd="sng" algn="ctr">
+                      <a:solidFill>
+                        <a:srgbClr val="60DA63"/>
+                      </a:solidFill>
+                      <a:prstDash val="solid"/>
+                      <a:round/>
+                      <a:headEnd type="none" w="med" len="med"/>
+                      <a:tailEnd type="none" w="med" len="med"/>
+                    </a:lnT>
+                    <a:lnB w="12700" cap="flat" cmpd="sng" algn="ctr">
+                      <a:solidFill>
+                        <a:srgbClr val="00DD63"/>
+                      </a:solidFill>
+                      <a:prstDash val="solid"/>
+                      <a:round/>
+                      <a:headEnd type="none" w="med" len="med"/>
+                      <a:tailEnd type="none" w="med" len="med"/>
+                    </a:lnB>
+                    <a:solidFill>
+                      <a:srgbClr val="FFFFFF"/>
+                    </a:solidFill>
+                  </a:tcPr>
+                </a:tc>
+                <a:tc>
+                  <a:txBody>
+                    <a:bodyPr/>
+                    <a:lstStyle/>
+                    <a:p>
+                      <a:r>
+                        <a:rPr lang="en-US" sz="700">
+                          <a:effectLst/>
+                        </a:rPr>
+                        <a:t>1 in 68</a:t>
+                      </a:r>
+                    </a:p>
+                  </a:txBody>
+                  <a:tcPr marL="37386" marR="37386" marT="18693" marB="18693">
+                    <a:lnL w="12700" cap="flat" cmpd="sng" algn="ctr">
+                      <a:solidFill>
+                        <a:srgbClr val="A0D663"/>
+                      </a:solidFill>
+                      <a:prstDash val="solid"/>
+                      <a:round/>
+                      <a:headEnd type="none" w="med" len="med"/>
+                      <a:tailEnd type="none" w="med" len="med"/>
+                    </a:lnL>
+                    <a:lnR w="12700" cap="flat" cmpd="sng" algn="ctr">
+                      <a:solidFill>
+                        <a:srgbClr val="A0D663"/>
+                      </a:solidFill>
+                      <a:prstDash val="solid"/>
+                      <a:round/>
+                      <a:headEnd type="none" w="med" len="med"/>
+                      <a:tailEnd type="none" w="med" len="med"/>
+                    </a:lnR>
+                    <a:lnT w="12700" cap="flat" cmpd="sng" algn="ctr">
+                      <a:solidFill>
+                        <a:srgbClr val="A0D663"/>
+                      </a:solidFill>
+                      <a:prstDash val="solid"/>
+                      <a:round/>
+                      <a:headEnd type="none" w="med" len="med"/>
+                      <a:tailEnd type="none" w="med" len="med"/>
+                    </a:lnT>
+                    <a:lnB w="12700" cap="flat" cmpd="sng" algn="ctr">
+                      <a:solidFill>
+                        <a:srgbClr val="60DA63"/>
+                      </a:solidFill>
+                      <a:prstDash val="solid"/>
+                      <a:round/>
+                      <a:headEnd type="none" w="med" len="med"/>
+                      <a:tailEnd type="none" w="med" len="med"/>
+                    </a:lnB>
+                    <a:solidFill>
+                      <a:srgbClr val="FFFFFF"/>
+                    </a:solidFill>
+                  </a:tcPr>
+                </a:tc>
+                <a:extLst>
+                  <a:ext uri="{0D108BD9-81ED-4DB2-BD59-A6C34878D82A}">
+                    <a16:rowId xmlns:a16="http://schemas.microsoft.com/office/drawing/2014/main" val="158471481"/>
+                  </a:ext>
+                </a:extLst>
+              </a:tr>
+              <a:tr h="340502">
+                <a:tc>
+                  <a:txBody>
+                    <a:bodyPr/>
+                    <a:lstStyle/>
+                    <a:p>
+                      <a:r>
+                        <a:rPr lang="en-US" sz="700">
+                          <a:effectLst/>
+                        </a:rPr>
+                        <a:t>2008</a:t>
+                      </a:r>
+                    </a:p>
+                  </a:txBody>
+                  <a:tcPr marL="37386" marR="37386" marT="18693" marB="18693">
+                    <a:lnL w="12700" cap="flat" cmpd="sng" algn="ctr">
+                      <a:solidFill>
+                        <a:srgbClr val="40D663"/>
+                      </a:solidFill>
+                      <a:prstDash val="solid"/>
+                      <a:round/>
+                      <a:headEnd type="none" w="med" len="med"/>
+                      <a:tailEnd type="none" w="med" len="med"/>
+                    </a:lnL>
+                    <a:lnR w="12700" cap="flat" cmpd="sng" algn="ctr">
+                      <a:solidFill>
+                        <a:srgbClr val="C0D963"/>
+                      </a:solidFill>
+                      <a:prstDash val="solid"/>
+                      <a:round/>
+                      <a:headEnd type="none" w="med" len="med"/>
+                      <a:tailEnd type="none" w="med" len="med"/>
+                    </a:lnR>
+                    <a:lnT w="12700" cap="flat" cmpd="sng" algn="ctr">
+                      <a:solidFill>
+                        <a:srgbClr val="40D663"/>
+                      </a:solidFill>
+                      <a:prstDash val="solid"/>
+                      <a:round/>
+                      <a:headEnd type="none" w="med" len="med"/>
+                      <a:tailEnd type="none" w="med" len="med"/>
+                    </a:lnT>
+                    <a:lnB w="12700" cap="flat" cmpd="sng" algn="ctr">
+                      <a:solidFill>
+                        <a:srgbClr val="00DC63"/>
+                      </a:solidFill>
+                      <a:prstDash val="solid"/>
+                      <a:round/>
+                      <a:headEnd type="none" w="med" len="med"/>
+                      <a:tailEnd type="none" w="med" len="med"/>
+                    </a:lnB>
+                    <a:solidFill>
+                      <a:srgbClr val="FFFFFF"/>
+                    </a:solidFill>
+                  </a:tcPr>
+                </a:tc>
+                <a:tc>
+                  <a:txBody>
+                    <a:bodyPr/>
+                    <a:lstStyle/>
+                    <a:p>
+                      <a:r>
+                        <a:rPr lang="en-US" sz="700">
+                          <a:effectLst/>
+                        </a:rPr>
+                        <a:t>2000</a:t>
+                      </a:r>
+                    </a:p>
+                  </a:txBody>
+                  <a:tcPr marL="37386" marR="37386" marT="18693" marB="18693">
+                    <a:lnL w="12700" cap="flat" cmpd="sng" algn="ctr">
+                      <a:solidFill>
+                        <a:srgbClr val="C0D963"/>
+                      </a:solidFill>
+                      <a:prstDash val="solid"/>
+                      <a:round/>
+                      <a:headEnd type="none" w="med" len="med"/>
+                      <a:tailEnd type="none" w="med" len="med"/>
+                    </a:lnL>
+                    <a:lnR w="12700" cap="flat" cmpd="sng" algn="ctr">
+                      <a:solidFill>
+                        <a:srgbClr val="80D863"/>
+                      </a:solidFill>
+                      <a:prstDash val="solid"/>
+                      <a:round/>
+                      <a:headEnd type="none" w="med" len="med"/>
+                      <a:tailEnd type="none" w="med" len="med"/>
+                    </a:lnR>
+                    <a:lnT w="12700" cap="flat" cmpd="sng" algn="ctr">
+                      <a:solidFill>
+                        <a:srgbClr val="C0D963"/>
+                      </a:solidFill>
+                      <a:prstDash val="solid"/>
+                      <a:round/>
+                      <a:headEnd type="none" w="med" len="med"/>
+                      <a:tailEnd type="none" w="med" len="med"/>
+                    </a:lnT>
+                    <a:lnB w="12700" cap="flat" cmpd="sng" algn="ctr">
+                      <a:solidFill>
+                        <a:srgbClr val="C0DE63"/>
+                      </a:solidFill>
+                      <a:prstDash val="solid"/>
+                      <a:round/>
+                      <a:headEnd type="none" w="med" len="med"/>
+                      <a:tailEnd type="none" w="med" len="med"/>
+                    </a:lnB>
+                    <a:solidFill>
+                      <a:srgbClr val="FFFFFF"/>
+                    </a:solidFill>
+                  </a:tcPr>
+                </a:tc>
+                <a:tc>
+                  <a:txBody>
+                    <a:bodyPr/>
+                    <a:lstStyle/>
+                    <a:p>
+                      <a:r>
+                        <a:rPr lang="en-US" sz="700">
+                          <a:effectLst/>
+                        </a:rPr>
+                        <a:t>14</a:t>
+                      </a:r>
+                    </a:p>
+                  </a:txBody>
+                  <a:tcPr marL="37386" marR="37386" marT="18693" marB="18693">
+                    <a:lnL w="12700" cap="flat" cmpd="sng" algn="ctr">
+                      <a:solidFill>
+                        <a:srgbClr val="80D863"/>
+                      </a:solidFill>
+                      <a:prstDash val="solid"/>
+                      <a:round/>
+                      <a:headEnd type="none" w="med" len="med"/>
+                      <a:tailEnd type="none" w="med" len="med"/>
+                    </a:lnL>
+                    <a:lnR w="12700" cap="flat" cmpd="sng" algn="ctr">
+                      <a:solidFill>
+                        <a:srgbClr val="00DD63"/>
+                      </a:solidFill>
+                      <a:prstDash val="solid"/>
+                      <a:round/>
+                      <a:headEnd type="none" w="med" len="med"/>
+                      <a:tailEnd type="none" w="med" len="med"/>
+                    </a:lnR>
+                    <a:lnT w="12700" cap="flat" cmpd="sng" algn="ctr">
+                      <a:solidFill>
+                        <a:srgbClr val="80D863"/>
+                      </a:solidFill>
+                      <a:prstDash val="solid"/>
+                      <a:round/>
+                      <a:headEnd type="none" w="med" len="med"/>
+                      <a:tailEnd type="none" w="med" len="med"/>
+                    </a:lnT>
+                    <a:lnB w="12700" cap="flat" cmpd="sng" algn="ctr">
+                      <a:solidFill>
+                        <a:srgbClr val="20E263"/>
+                      </a:solidFill>
+                      <a:prstDash val="solid"/>
+                      <a:round/>
+                      <a:headEnd type="none" w="med" len="med"/>
+                      <a:tailEnd type="none" w="med" len="med"/>
+                    </a:lnB>
+                    <a:solidFill>
+                      <a:srgbClr val="FFFFFF"/>
+                    </a:solidFill>
+                  </a:tcPr>
+                </a:tc>
+                <a:tc>
+                  <a:txBody>
+                    <a:bodyPr/>
+                    <a:lstStyle/>
+                    <a:p>
+                      <a:r>
+                        <a:rPr lang="en-US" sz="700">
+                          <a:effectLst/>
+                        </a:rPr>
+                        <a:t>11.3 (4.8-21.2)</a:t>
+                      </a:r>
+                    </a:p>
+                  </a:txBody>
+                  <a:tcPr marL="37386" marR="37386" marT="18693" marB="18693">
+                    <a:lnL w="12700" cap="flat" cmpd="sng" algn="ctr">
+                      <a:solidFill>
+                        <a:srgbClr val="00DD63"/>
+                      </a:solidFill>
+                      <a:prstDash val="solid"/>
+                      <a:round/>
+                      <a:headEnd type="none" w="med" len="med"/>
+                      <a:tailEnd type="none" w="med" len="med"/>
+                    </a:lnL>
+                    <a:lnR w="12700" cap="flat" cmpd="sng" algn="ctr">
+                      <a:solidFill>
+                        <a:srgbClr val="60DA63"/>
+                      </a:solidFill>
+                      <a:prstDash val="solid"/>
+                      <a:round/>
+                      <a:headEnd type="none" w="med" len="med"/>
+                      <a:tailEnd type="none" w="med" len="med"/>
+                    </a:lnR>
+                    <a:lnT w="12700" cap="flat" cmpd="sng" algn="ctr">
+                      <a:solidFill>
+                        <a:srgbClr val="00DD63"/>
+                      </a:solidFill>
+                      <a:prstDash val="solid"/>
+                      <a:round/>
+                      <a:headEnd type="none" w="med" len="med"/>
+                      <a:tailEnd type="none" w="med" len="med"/>
+                    </a:lnT>
+                    <a:lnB w="12700" cap="flat" cmpd="sng" algn="ctr">
+                      <a:solidFill>
+                        <a:srgbClr val="E0E263"/>
+                      </a:solidFill>
+                      <a:prstDash val="solid"/>
+                      <a:round/>
+                      <a:headEnd type="none" w="med" len="med"/>
+                      <a:tailEnd type="none" w="med" len="med"/>
+                    </a:lnB>
+                    <a:solidFill>
+                      <a:srgbClr val="FFFFFF"/>
+                    </a:solidFill>
+                  </a:tcPr>
+                </a:tc>
+                <a:tc>
+                  <a:txBody>
+                    <a:bodyPr/>
+                    <a:lstStyle/>
+                    <a:p>
+                      <a:r>
+                        <a:rPr lang="en-US" sz="700" dirty="0">
+                          <a:effectLst/>
+                        </a:rPr>
+                        <a:t>1 in 88</a:t>
+                      </a:r>
+                    </a:p>
+                  </a:txBody>
+                  <a:tcPr marL="37386" marR="37386" marT="18693" marB="18693">
+                    <a:lnL w="12700" cap="flat" cmpd="sng" algn="ctr">
+                      <a:solidFill>
+                        <a:srgbClr val="60DA63"/>
+                      </a:solidFill>
+                      <a:prstDash val="solid"/>
+                      <a:round/>
+                      <a:headEnd type="none" w="med" len="med"/>
+                      <a:tailEnd type="none" w="med" len="med"/>
+                    </a:lnL>
+                    <a:lnR w="12700" cap="flat" cmpd="sng" algn="ctr">
+                      <a:solidFill>
+                        <a:srgbClr val="60DA63"/>
+                      </a:solidFill>
+                      <a:prstDash val="solid"/>
+                      <a:round/>
+                      <a:headEnd type="none" w="med" len="med"/>
+                      <a:tailEnd type="none" w="med" len="med"/>
+                    </a:lnR>
+                    <a:lnT w="12700" cap="flat" cmpd="sng" algn="ctr">
+                      <a:solidFill>
+                        <a:srgbClr val="60DA63"/>
+                      </a:solidFill>
+                      <a:prstDash val="solid"/>
+                      <a:round/>
+                      <a:headEnd type="none" w="med" len="med"/>
+                      <a:tailEnd type="none" w="med" len="med"/>
+                    </a:lnT>
+                    <a:lnB w="12700" cap="flat" cmpd="sng" algn="ctr">
+                      <a:solidFill>
+                        <a:srgbClr val="E0EB63"/>
+                      </a:solidFill>
+                      <a:prstDash val="solid"/>
+                      <a:round/>
+                      <a:headEnd type="none" w="med" len="med"/>
+                      <a:tailEnd type="none" w="med" len="med"/>
+                    </a:lnB>
+                    <a:solidFill>
+                      <a:srgbClr val="FFFFFF"/>
+                    </a:solidFill>
+                  </a:tcPr>
+                </a:tc>
+                <a:extLst>
+                  <a:ext uri="{0D108BD9-81ED-4DB2-BD59-A6C34878D82A}">
+                    <a16:rowId xmlns:a16="http://schemas.microsoft.com/office/drawing/2014/main" val="2730341533"/>
+                  </a:ext>
+                </a:extLst>
+              </a:tr>
+              <a:tr h="238353">
+                <a:tc>
+                  <a:txBody>
+                    <a:bodyPr/>
+                    <a:lstStyle/>
+                    <a:p>
+                      <a:r>
+                        <a:rPr lang="en-US" sz="700">
+                          <a:effectLst/>
+                        </a:rPr>
+                        <a:t>2006</a:t>
+                      </a:r>
+                    </a:p>
+                  </a:txBody>
+                  <a:tcPr marL="37386" marR="37386" marT="18693" marB="18693">
+                    <a:lnL w="12700" cap="flat" cmpd="sng" algn="ctr">
+                      <a:solidFill>
+                        <a:srgbClr val="00DC63"/>
+                      </a:solidFill>
+                      <a:prstDash val="solid"/>
+                      <a:round/>
+                      <a:headEnd type="none" w="med" len="med"/>
+                      <a:tailEnd type="none" w="med" len="med"/>
+                    </a:lnL>
+                    <a:lnR w="12700" cap="flat" cmpd="sng" algn="ctr">
+                      <a:solidFill>
+                        <a:srgbClr val="C0DE63"/>
+                      </a:solidFill>
+                      <a:prstDash val="solid"/>
+                      <a:round/>
+                      <a:headEnd type="none" w="med" len="med"/>
+                      <a:tailEnd type="none" w="med" len="med"/>
+                    </a:lnR>
+                    <a:lnT w="12700" cap="flat" cmpd="sng" algn="ctr">
+                      <a:solidFill>
+                        <a:srgbClr val="00DC63"/>
+                      </a:solidFill>
+                      <a:prstDash val="solid"/>
+                      <a:round/>
+                      <a:headEnd type="none" w="med" len="med"/>
+                      <a:tailEnd type="none" w="med" len="med"/>
+                    </a:lnT>
+                    <a:lnB w="12700" cap="flat" cmpd="sng" algn="ctr">
+                      <a:solidFill>
+                        <a:srgbClr val="80ED63"/>
+                      </a:solidFill>
+                      <a:prstDash val="solid"/>
+                      <a:round/>
+                      <a:headEnd type="none" w="med" len="med"/>
+                      <a:tailEnd type="none" w="med" len="med"/>
+                    </a:lnB>
+                    <a:solidFill>
+                      <a:srgbClr val="FFFFFF"/>
+                    </a:solidFill>
+                  </a:tcPr>
+                </a:tc>
+                <a:tc>
+                  <a:txBody>
+                    <a:bodyPr/>
+                    <a:lstStyle/>
+                    <a:p>
+                      <a:r>
+                        <a:rPr lang="en-US" sz="700">
+                          <a:effectLst/>
+                        </a:rPr>
+                        <a:t>1998</a:t>
+                      </a:r>
+                    </a:p>
+                  </a:txBody>
+                  <a:tcPr marL="37386" marR="37386" marT="18693" marB="18693">
+                    <a:lnL w="12700" cap="flat" cmpd="sng" algn="ctr">
+                      <a:solidFill>
+                        <a:srgbClr val="C0DE63"/>
+                      </a:solidFill>
+                      <a:prstDash val="solid"/>
+                      <a:round/>
+                      <a:headEnd type="none" w="med" len="med"/>
+                      <a:tailEnd type="none" w="med" len="med"/>
+                    </a:lnL>
+                    <a:lnR w="12700" cap="flat" cmpd="sng" algn="ctr">
+                      <a:solidFill>
+                        <a:srgbClr val="20E263"/>
+                      </a:solidFill>
+                      <a:prstDash val="solid"/>
+                      <a:round/>
+                      <a:headEnd type="none" w="med" len="med"/>
+                      <a:tailEnd type="none" w="med" len="med"/>
+                    </a:lnR>
+                    <a:lnT w="12700" cap="flat" cmpd="sng" algn="ctr">
+                      <a:solidFill>
+                        <a:srgbClr val="C0DE63"/>
+                      </a:solidFill>
+                      <a:prstDash val="solid"/>
+                      <a:round/>
+                      <a:headEnd type="none" w="med" len="med"/>
+                      <a:tailEnd type="none" w="med" len="med"/>
+                    </a:lnT>
+                    <a:lnB w="12700" cap="flat" cmpd="sng" algn="ctr">
+                      <a:solidFill>
+                        <a:srgbClr val="E0E663"/>
+                      </a:solidFill>
+                      <a:prstDash val="solid"/>
+                      <a:round/>
+                      <a:headEnd type="none" w="med" len="med"/>
+                      <a:tailEnd type="none" w="med" len="med"/>
+                    </a:lnB>
+                    <a:solidFill>
+                      <a:srgbClr val="FFFFFF"/>
+                    </a:solidFill>
+                  </a:tcPr>
+                </a:tc>
+                <a:tc>
+                  <a:txBody>
+                    <a:bodyPr/>
+                    <a:lstStyle/>
+                    <a:p>
+                      <a:r>
+                        <a:rPr lang="en-US" sz="700">
+                          <a:effectLst/>
+                        </a:rPr>
+                        <a:t>11</a:t>
+                      </a:r>
+                    </a:p>
+                  </a:txBody>
+                  <a:tcPr marL="37386" marR="37386" marT="18693" marB="18693">
+                    <a:lnL w="12700" cap="flat" cmpd="sng" algn="ctr">
+                      <a:solidFill>
+                        <a:srgbClr val="20E263"/>
+                      </a:solidFill>
+                      <a:prstDash val="solid"/>
+                      <a:round/>
+                      <a:headEnd type="none" w="med" len="med"/>
+                      <a:tailEnd type="none" w="med" len="med"/>
+                    </a:lnL>
+                    <a:lnR w="12700" cap="flat" cmpd="sng" algn="ctr">
+                      <a:solidFill>
+                        <a:srgbClr val="E0E263"/>
+                      </a:solidFill>
+                      <a:prstDash val="solid"/>
+                      <a:round/>
+                      <a:headEnd type="none" w="med" len="med"/>
+                      <a:tailEnd type="none" w="med" len="med"/>
+                    </a:lnR>
+                    <a:lnT w="12700" cap="flat" cmpd="sng" algn="ctr">
+                      <a:solidFill>
+                        <a:srgbClr val="20E263"/>
+                      </a:solidFill>
+                      <a:prstDash val="solid"/>
+                      <a:round/>
+                      <a:headEnd type="none" w="med" len="med"/>
+                      <a:tailEnd type="none" w="med" len="med"/>
+                    </a:lnT>
+                    <a:lnB w="12700" cap="flat" cmpd="sng" algn="ctr">
+                      <a:solidFill>
+                        <a:srgbClr val="60F563"/>
+                      </a:solidFill>
+                      <a:prstDash val="solid"/>
+                      <a:round/>
+                      <a:headEnd type="none" w="med" len="med"/>
+                      <a:tailEnd type="none" w="med" len="med"/>
+                    </a:lnB>
+                    <a:solidFill>
+                      <a:srgbClr val="FFFFFF"/>
+                    </a:solidFill>
+                  </a:tcPr>
+                </a:tc>
+                <a:tc>
+                  <a:txBody>
+                    <a:bodyPr/>
+                    <a:lstStyle/>
+                    <a:p>
+                      <a:r>
+                        <a:rPr lang="en-US" sz="700">
+                          <a:effectLst/>
+                        </a:rPr>
+                        <a:t>9.0 (4.2-12.1)</a:t>
+                      </a:r>
+                    </a:p>
+                  </a:txBody>
+                  <a:tcPr marL="37386" marR="37386" marT="18693" marB="18693">
+                    <a:lnL w="12700" cap="flat" cmpd="sng" algn="ctr">
+                      <a:solidFill>
+                        <a:srgbClr val="E0E263"/>
+                      </a:solidFill>
+                      <a:prstDash val="solid"/>
+                      <a:round/>
+                      <a:headEnd type="none" w="med" len="med"/>
+                      <a:tailEnd type="none" w="med" len="med"/>
+                    </a:lnL>
+                    <a:lnR w="12700" cap="flat" cmpd="sng" algn="ctr">
+                      <a:solidFill>
+                        <a:srgbClr val="E0EB63"/>
+                      </a:solidFill>
+                      <a:prstDash val="solid"/>
+                      <a:round/>
+                      <a:headEnd type="none" w="med" len="med"/>
+                      <a:tailEnd type="none" w="med" len="med"/>
+                    </a:lnR>
+                    <a:lnT w="12700" cap="flat" cmpd="sng" algn="ctr">
+                      <a:solidFill>
+                        <a:srgbClr val="E0E263"/>
+                      </a:solidFill>
+                      <a:prstDash val="solid"/>
+                      <a:round/>
+                      <a:headEnd type="none" w="med" len="med"/>
+                      <a:tailEnd type="none" w="med" len="med"/>
+                    </a:lnT>
+                    <a:lnB w="12700" cap="flat" cmpd="sng" algn="ctr">
+                      <a:solidFill>
+                        <a:srgbClr val="40F263"/>
+                      </a:solidFill>
+                      <a:prstDash val="solid"/>
+                      <a:round/>
+                      <a:headEnd type="none" w="med" len="med"/>
+                      <a:tailEnd type="none" w="med" len="med"/>
+                    </a:lnB>
+                    <a:solidFill>
+                      <a:srgbClr val="FFFFFF"/>
+                    </a:solidFill>
+                  </a:tcPr>
+                </a:tc>
+                <a:tc>
+                  <a:txBody>
+                    <a:bodyPr/>
+                    <a:lstStyle/>
+                    <a:p>
+                      <a:r>
+                        <a:rPr lang="en-US" sz="700">
+                          <a:effectLst/>
+                        </a:rPr>
+                        <a:t>1 in 110</a:t>
+                      </a:r>
+                    </a:p>
+                  </a:txBody>
+                  <a:tcPr marL="37386" marR="37386" marT="18693" marB="18693">
+                    <a:lnL w="12700" cap="flat" cmpd="sng" algn="ctr">
+                      <a:solidFill>
+                        <a:srgbClr val="E0EB63"/>
+                      </a:solidFill>
+                      <a:prstDash val="solid"/>
+                      <a:round/>
+                      <a:headEnd type="none" w="med" len="med"/>
+                      <a:tailEnd type="none" w="med" len="med"/>
+                    </a:lnL>
+                    <a:lnR w="12700" cap="flat" cmpd="sng" algn="ctr">
+                      <a:solidFill>
+                        <a:srgbClr val="E0EB63"/>
+                      </a:solidFill>
+                      <a:prstDash val="solid"/>
+                      <a:round/>
+                      <a:headEnd type="none" w="med" len="med"/>
+                      <a:tailEnd type="none" w="med" len="med"/>
+                    </a:lnR>
+                    <a:lnT w="12700" cap="flat" cmpd="sng" algn="ctr">
+                      <a:solidFill>
+                        <a:srgbClr val="E0EB63"/>
+                      </a:solidFill>
+                      <a:prstDash val="solid"/>
+                      <a:round/>
+                      <a:headEnd type="none" w="med" len="med"/>
+                      <a:tailEnd type="none" w="med" len="med"/>
+                    </a:lnT>
+                    <a:lnB w="12700" cap="flat" cmpd="sng" algn="ctr">
+                      <a:solidFill>
+                        <a:srgbClr val="20F963"/>
+                      </a:solidFill>
+                      <a:prstDash val="solid"/>
+                      <a:round/>
+                      <a:headEnd type="none" w="med" len="med"/>
+                      <a:tailEnd type="none" w="med" len="med"/>
+                    </a:lnB>
+                    <a:solidFill>
+                      <a:srgbClr val="FFFFFF"/>
+                    </a:solidFill>
+                  </a:tcPr>
+                </a:tc>
+                <a:extLst>
+                  <a:ext uri="{0D108BD9-81ED-4DB2-BD59-A6C34878D82A}">
+                    <a16:rowId xmlns:a16="http://schemas.microsoft.com/office/drawing/2014/main" val="2254353961"/>
+                  </a:ext>
+                </a:extLst>
+              </a:tr>
+              <a:tr h="238353">
+                <a:tc>
+                  <a:txBody>
+                    <a:bodyPr/>
+                    <a:lstStyle/>
+                    <a:p>
+                      <a:r>
+                        <a:rPr lang="en-US" sz="700">
+                          <a:effectLst/>
+                        </a:rPr>
+                        <a:t>2004</a:t>
+                      </a:r>
+                    </a:p>
+                  </a:txBody>
+                  <a:tcPr marL="37386" marR="37386" marT="18693" marB="18693">
+                    <a:lnL w="12700" cap="flat" cmpd="sng" algn="ctr">
+                      <a:solidFill>
+                        <a:srgbClr val="80ED63"/>
+                      </a:solidFill>
+                      <a:prstDash val="solid"/>
+                      <a:round/>
+                      <a:headEnd type="none" w="med" len="med"/>
+                      <a:tailEnd type="none" w="med" len="med"/>
+                    </a:lnL>
+                    <a:lnR w="12700" cap="flat" cmpd="sng" algn="ctr">
+                      <a:solidFill>
+                        <a:srgbClr val="E0E663"/>
+                      </a:solidFill>
+                      <a:prstDash val="solid"/>
+                      <a:round/>
+                      <a:headEnd type="none" w="med" len="med"/>
+                      <a:tailEnd type="none" w="med" len="med"/>
+                    </a:lnR>
+                    <a:lnT w="12700" cap="flat" cmpd="sng" algn="ctr">
+                      <a:solidFill>
+                        <a:srgbClr val="80ED63"/>
+                      </a:solidFill>
+                      <a:prstDash val="solid"/>
+                      <a:round/>
+                      <a:headEnd type="none" w="med" len="med"/>
+                      <a:tailEnd type="none" w="med" len="med"/>
+                    </a:lnT>
+                    <a:lnB w="12700" cap="flat" cmpd="sng" algn="ctr">
+                      <a:solidFill>
+                        <a:srgbClr val="E0F763"/>
+                      </a:solidFill>
+                      <a:prstDash val="solid"/>
+                      <a:round/>
+                      <a:headEnd type="none" w="med" len="med"/>
+                      <a:tailEnd type="none" w="med" len="med"/>
+                    </a:lnB>
+                    <a:solidFill>
+                      <a:srgbClr val="FFFFFF"/>
+                    </a:solidFill>
+                  </a:tcPr>
+                </a:tc>
+                <a:tc>
+                  <a:txBody>
+                    <a:bodyPr/>
+                    <a:lstStyle/>
+                    <a:p>
+                      <a:r>
+                        <a:rPr lang="en-US" sz="700">
+                          <a:effectLst/>
+                        </a:rPr>
+                        <a:t>1996</a:t>
+                      </a:r>
+                    </a:p>
+                  </a:txBody>
+                  <a:tcPr marL="37386" marR="37386" marT="18693" marB="18693">
+                    <a:lnL w="12700" cap="flat" cmpd="sng" algn="ctr">
+                      <a:solidFill>
+                        <a:srgbClr val="E0E663"/>
+                      </a:solidFill>
+                      <a:prstDash val="solid"/>
+                      <a:round/>
+                      <a:headEnd type="none" w="med" len="med"/>
+                      <a:tailEnd type="none" w="med" len="med"/>
+                    </a:lnL>
+                    <a:lnR w="12700" cap="flat" cmpd="sng" algn="ctr">
+                      <a:solidFill>
+                        <a:srgbClr val="60F563"/>
+                      </a:solidFill>
+                      <a:prstDash val="solid"/>
+                      <a:round/>
+                      <a:headEnd type="none" w="med" len="med"/>
+                      <a:tailEnd type="none" w="med" len="med"/>
+                    </a:lnR>
+                    <a:lnT w="12700" cap="flat" cmpd="sng" algn="ctr">
+                      <a:solidFill>
+                        <a:srgbClr val="E0E663"/>
+                      </a:solidFill>
+                      <a:prstDash val="solid"/>
+                      <a:round/>
+                      <a:headEnd type="none" w="med" len="med"/>
+                      <a:tailEnd type="none" w="med" len="med"/>
+                    </a:lnT>
+                    <a:lnB w="12700" cap="flat" cmpd="sng" algn="ctr">
+                      <a:solidFill>
+                        <a:srgbClr val="00F863"/>
+                      </a:solidFill>
+                      <a:prstDash val="solid"/>
+                      <a:round/>
+                      <a:headEnd type="none" w="med" len="med"/>
+                      <a:tailEnd type="none" w="med" len="med"/>
+                    </a:lnB>
+                    <a:solidFill>
+                      <a:srgbClr val="FFFFFF"/>
+                    </a:solidFill>
+                  </a:tcPr>
+                </a:tc>
+                <a:tc>
+                  <a:txBody>
+                    <a:bodyPr/>
+                    <a:lstStyle/>
+                    <a:p>
+                      <a:r>
+                        <a:rPr lang="en-US" sz="700">
+                          <a:effectLst/>
+                        </a:rPr>
+                        <a:t>8</a:t>
+                      </a:r>
+                    </a:p>
+                  </a:txBody>
+                  <a:tcPr marL="37386" marR="37386" marT="18693" marB="18693">
+                    <a:lnL w="12700" cap="flat" cmpd="sng" algn="ctr">
+                      <a:solidFill>
+                        <a:srgbClr val="60F563"/>
+                      </a:solidFill>
+                      <a:prstDash val="solid"/>
+                      <a:round/>
+                      <a:headEnd type="none" w="med" len="med"/>
+                      <a:tailEnd type="none" w="med" len="med"/>
+                    </a:lnL>
+                    <a:lnR w="12700" cap="flat" cmpd="sng" algn="ctr">
+                      <a:solidFill>
+                        <a:srgbClr val="40F263"/>
+                      </a:solidFill>
+                      <a:prstDash val="solid"/>
+                      <a:round/>
+                      <a:headEnd type="none" w="med" len="med"/>
+                      <a:tailEnd type="none" w="med" len="med"/>
+                    </a:lnR>
+                    <a:lnT w="12700" cap="flat" cmpd="sng" algn="ctr">
+                      <a:solidFill>
+                        <a:srgbClr val="60F563"/>
+                      </a:solidFill>
+                      <a:prstDash val="solid"/>
+                      <a:round/>
+                      <a:headEnd type="none" w="med" len="med"/>
+                      <a:tailEnd type="none" w="med" len="med"/>
+                    </a:lnT>
+                    <a:lnB w="12700" cap="flat" cmpd="sng" algn="ctr">
+                      <a:solidFill>
+                        <a:srgbClr val="80F863"/>
+                      </a:solidFill>
+                      <a:prstDash val="solid"/>
+                      <a:round/>
+                      <a:headEnd type="none" w="med" len="med"/>
+                      <a:tailEnd type="none" w="med" len="med"/>
+                    </a:lnB>
+                    <a:solidFill>
+                      <a:srgbClr val="FFFFFF"/>
+                    </a:solidFill>
+                  </a:tcPr>
+                </a:tc>
+                <a:tc>
+                  <a:txBody>
+                    <a:bodyPr/>
+                    <a:lstStyle/>
+                    <a:p>
+                      <a:r>
+                        <a:rPr lang="en-US" sz="700">
+                          <a:effectLst/>
+                        </a:rPr>
+                        <a:t>8.0 (4.6-9.8)</a:t>
+                      </a:r>
+                    </a:p>
+                  </a:txBody>
+                  <a:tcPr marL="37386" marR="37386" marT="18693" marB="18693">
+                    <a:lnL w="12700" cap="flat" cmpd="sng" algn="ctr">
+                      <a:solidFill>
+                        <a:srgbClr val="40F263"/>
+                      </a:solidFill>
+                      <a:prstDash val="solid"/>
+                      <a:round/>
+                      <a:headEnd type="none" w="med" len="med"/>
+                      <a:tailEnd type="none" w="med" len="med"/>
+                    </a:lnL>
+                    <a:lnR w="12700" cap="flat" cmpd="sng" algn="ctr">
+                      <a:solidFill>
+                        <a:srgbClr val="20F963"/>
+                      </a:solidFill>
+                      <a:prstDash val="solid"/>
+                      <a:round/>
+                      <a:headEnd type="none" w="med" len="med"/>
+                      <a:tailEnd type="none" w="med" len="med"/>
+                    </a:lnR>
+                    <a:lnT w="12700" cap="flat" cmpd="sng" algn="ctr">
+                      <a:solidFill>
+                        <a:srgbClr val="40F263"/>
+                      </a:solidFill>
+                      <a:prstDash val="solid"/>
+                      <a:round/>
+                      <a:headEnd type="none" w="med" len="med"/>
+                      <a:tailEnd type="none" w="med" len="med"/>
+                    </a:lnT>
+                    <a:lnB w="12700" cap="flat" cmpd="sng" algn="ctr">
+                      <a:solidFill>
+                        <a:srgbClr val="A0FC63"/>
+                      </a:solidFill>
+                      <a:prstDash val="solid"/>
+                      <a:round/>
+                      <a:headEnd type="none" w="med" len="med"/>
+                      <a:tailEnd type="none" w="med" len="med"/>
+                    </a:lnB>
+                    <a:solidFill>
+                      <a:srgbClr val="FFFFFF"/>
+                    </a:solidFill>
+                  </a:tcPr>
+                </a:tc>
+                <a:tc>
+                  <a:txBody>
+                    <a:bodyPr/>
+                    <a:lstStyle/>
+                    <a:p>
+                      <a:r>
+                        <a:rPr lang="en-US" sz="700">
+                          <a:effectLst/>
+                        </a:rPr>
+                        <a:t>1 in 125</a:t>
+                      </a:r>
+                    </a:p>
+                  </a:txBody>
+                  <a:tcPr marL="37386" marR="37386" marT="18693" marB="18693">
+                    <a:lnL w="12700" cap="flat" cmpd="sng" algn="ctr">
+                      <a:solidFill>
+                        <a:srgbClr val="20F963"/>
+                      </a:solidFill>
+                      <a:prstDash val="solid"/>
+                      <a:round/>
+                      <a:headEnd type="none" w="med" len="med"/>
+                      <a:tailEnd type="none" w="med" len="med"/>
+                    </a:lnL>
+                    <a:lnR w="12700" cap="flat" cmpd="sng" algn="ctr">
+                      <a:solidFill>
+                        <a:srgbClr val="20F963"/>
+                      </a:solidFill>
+                      <a:prstDash val="solid"/>
+                      <a:round/>
+                      <a:headEnd type="none" w="med" len="med"/>
+                      <a:tailEnd type="none" w="med" len="med"/>
+                    </a:lnR>
+                    <a:lnT w="12700" cap="flat" cmpd="sng" algn="ctr">
+                      <a:solidFill>
+                        <a:srgbClr val="20F963"/>
+                      </a:solidFill>
+                      <a:prstDash val="solid"/>
+                      <a:round/>
+                      <a:headEnd type="none" w="med" len="med"/>
+                      <a:tailEnd type="none" w="med" len="med"/>
+                    </a:lnT>
+                    <a:lnB w="12700" cap="flat" cmpd="sng" algn="ctr">
+                      <a:solidFill>
+                        <a:srgbClr val="40F963"/>
+                      </a:solidFill>
+                      <a:prstDash val="solid"/>
+                      <a:round/>
+                      <a:headEnd type="none" w="med" len="med"/>
+                      <a:tailEnd type="none" w="med" len="med"/>
+                    </a:lnB>
+                    <a:solidFill>
+                      <a:srgbClr val="FFFFFF"/>
+                    </a:solidFill>
+                  </a:tcPr>
+                </a:tc>
+                <a:extLst>
+                  <a:ext uri="{0D108BD9-81ED-4DB2-BD59-A6C34878D82A}">
+                    <a16:rowId xmlns:a16="http://schemas.microsoft.com/office/drawing/2014/main" val="3224004632"/>
+                  </a:ext>
+                </a:extLst>
+              </a:tr>
+              <a:tr h="238353">
+                <a:tc>
+                  <a:txBody>
+                    <a:bodyPr/>
+                    <a:lstStyle/>
+                    <a:p>
+                      <a:r>
+                        <a:rPr lang="en-US" sz="700">
+                          <a:effectLst/>
+                        </a:rPr>
+                        <a:t>2002</a:t>
+                      </a:r>
+                    </a:p>
+                  </a:txBody>
+                  <a:tcPr marL="37386" marR="37386" marT="18693" marB="18693">
+                    <a:lnL w="12700" cap="flat" cmpd="sng" algn="ctr">
+                      <a:solidFill>
+                        <a:srgbClr val="E0F763"/>
+                      </a:solidFill>
+                      <a:prstDash val="solid"/>
+                      <a:round/>
+                      <a:headEnd type="none" w="med" len="med"/>
+                      <a:tailEnd type="none" w="med" len="med"/>
+                    </a:lnL>
+                    <a:lnR w="12700" cap="flat" cmpd="sng" algn="ctr">
+                      <a:solidFill>
+                        <a:srgbClr val="00F863"/>
+                      </a:solidFill>
+                      <a:prstDash val="solid"/>
+                      <a:round/>
+                      <a:headEnd type="none" w="med" len="med"/>
+                      <a:tailEnd type="none" w="med" len="med"/>
+                    </a:lnR>
+                    <a:lnT w="12700" cap="flat" cmpd="sng" algn="ctr">
+                      <a:solidFill>
+                        <a:srgbClr val="E0F763"/>
+                      </a:solidFill>
+                      <a:prstDash val="solid"/>
+                      <a:round/>
+                      <a:headEnd type="none" w="med" len="med"/>
+                      <a:tailEnd type="none" w="med" len="med"/>
+                    </a:lnT>
+                    <a:lnB w="12700" cap="flat" cmpd="sng" algn="ctr">
+                      <a:solidFill>
+                        <a:srgbClr val="80F663"/>
+                      </a:solidFill>
+                      <a:prstDash val="solid"/>
+                      <a:round/>
+                      <a:headEnd type="none" w="med" len="med"/>
+                      <a:tailEnd type="none" w="med" len="med"/>
+                    </a:lnB>
+                    <a:solidFill>
+                      <a:srgbClr val="FFFFFF"/>
+                    </a:solidFill>
+                  </a:tcPr>
+                </a:tc>
+                <a:tc>
+                  <a:txBody>
+                    <a:bodyPr/>
+                    <a:lstStyle/>
+                    <a:p>
+                      <a:r>
+                        <a:rPr lang="en-US" sz="700">
+                          <a:effectLst/>
+                        </a:rPr>
+                        <a:t>1994</a:t>
+                      </a:r>
+                    </a:p>
+                  </a:txBody>
+                  <a:tcPr marL="37386" marR="37386" marT="18693" marB="18693">
+                    <a:lnL w="12700" cap="flat" cmpd="sng" algn="ctr">
+                      <a:solidFill>
+                        <a:srgbClr val="00F863"/>
+                      </a:solidFill>
+                      <a:prstDash val="solid"/>
+                      <a:round/>
+                      <a:headEnd type="none" w="med" len="med"/>
+                      <a:tailEnd type="none" w="med" len="med"/>
+                    </a:lnL>
+                    <a:lnR w="12700" cap="flat" cmpd="sng" algn="ctr">
+                      <a:solidFill>
+                        <a:srgbClr val="80F863"/>
+                      </a:solidFill>
+                      <a:prstDash val="solid"/>
+                      <a:round/>
+                      <a:headEnd type="none" w="med" len="med"/>
+                      <a:tailEnd type="none" w="med" len="med"/>
+                    </a:lnR>
+                    <a:lnT w="12700" cap="flat" cmpd="sng" algn="ctr">
+                      <a:solidFill>
+                        <a:srgbClr val="00F863"/>
+                      </a:solidFill>
+                      <a:prstDash val="solid"/>
+                      <a:round/>
+                      <a:headEnd type="none" w="med" len="med"/>
+                      <a:tailEnd type="none" w="med" len="med"/>
+                    </a:lnT>
+                    <a:lnB w="12700" cap="flat" cmpd="sng" algn="ctr">
+                      <a:solidFill>
+                        <a:srgbClr val="00C263"/>
+                      </a:solidFill>
+                      <a:prstDash val="solid"/>
+                      <a:round/>
+                      <a:headEnd type="none" w="med" len="med"/>
+                      <a:tailEnd type="none" w="med" len="med"/>
+                    </a:lnB>
+                    <a:solidFill>
+                      <a:srgbClr val="FFFFFF"/>
+                    </a:solidFill>
+                  </a:tcPr>
+                </a:tc>
+                <a:tc>
+                  <a:txBody>
+                    <a:bodyPr/>
+                    <a:lstStyle/>
+                    <a:p>
+                      <a:r>
+                        <a:rPr lang="en-US" sz="700">
+                          <a:effectLst/>
+                        </a:rPr>
+                        <a:t>14</a:t>
+                      </a:r>
+                    </a:p>
+                  </a:txBody>
+                  <a:tcPr marL="37386" marR="37386" marT="18693" marB="18693">
+                    <a:lnL w="12700" cap="flat" cmpd="sng" algn="ctr">
+                      <a:solidFill>
+                        <a:srgbClr val="80F863"/>
+                      </a:solidFill>
+                      <a:prstDash val="solid"/>
+                      <a:round/>
+                      <a:headEnd type="none" w="med" len="med"/>
+                      <a:tailEnd type="none" w="med" len="med"/>
+                    </a:lnL>
+                    <a:lnR w="12700" cap="flat" cmpd="sng" algn="ctr">
+                      <a:solidFill>
+                        <a:srgbClr val="A0FC63"/>
+                      </a:solidFill>
+                      <a:prstDash val="solid"/>
+                      <a:round/>
+                      <a:headEnd type="none" w="med" len="med"/>
+                      <a:tailEnd type="none" w="med" len="med"/>
+                    </a:lnR>
+                    <a:lnT w="12700" cap="flat" cmpd="sng" algn="ctr">
+                      <a:solidFill>
+                        <a:srgbClr val="80F863"/>
+                      </a:solidFill>
+                      <a:prstDash val="solid"/>
+                      <a:round/>
+                      <a:headEnd type="none" w="med" len="med"/>
+                      <a:tailEnd type="none" w="med" len="med"/>
+                    </a:lnT>
+                    <a:lnB w="12700" cap="flat" cmpd="sng" algn="ctr">
+                      <a:solidFill>
+                        <a:srgbClr val="A0C663"/>
+                      </a:solidFill>
+                      <a:prstDash val="solid"/>
+                      <a:round/>
+                      <a:headEnd type="none" w="med" len="med"/>
+                      <a:tailEnd type="none" w="med" len="med"/>
+                    </a:lnB>
+                    <a:solidFill>
+                      <a:srgbClr val="FFFFFF"/>
+                    </a:solidFill>
+                  </a:tcPr>
+                </a:tc>
+                <a:tc>
+                  <a:txBody>
+                    <a:bodyPr/>
+                    <a:lstStyle/>
+                    <a:p>
+                      <a:r>
+                        <a:rPr lang="en-US" sz="700">
+                          <a:effectLst/>
+                        </a:rPr>
+                        <a:t>6.6 (3.3-10.6)</a:t>
+                      </a:r>
+                    </a:p>
+                  </a:txBody>
+                  <a:tcPr marL="37386" marR="37386" marT="18693" marB="18693">
+                    <a:lnL w="12700" cap="flat" cmpd="sng" algn="ctr">
+                      <a:solidFill>
+                        <a:srgbClr val="A0FC63"/>
+                      </a:solidFill>
+                      <a:prstDash val="solid"/>
+                      <a:round/>
+                      <a:headEnd type="none" w="med" len="med"/>
+                      <a:tailEnd type="none" w="med" len="med"/>
+                    </a:lnL>
+                    <a:lnR w="12700" cap="flat" cmpd="sng" algn="ctr">
+                      <a:solidFill>
+                        <a:srgbClr val="40F963"/>
+                      </a:solidFill>
+                      <a:prstDash val="solid"/>
+                      <a:round/>
+                      <a:headEnd type="none" w="med" len="med"/>
+                      <a:tailEnd type="none" w="med" len="med"/>
+                    </a:lnR>
+                    <a:lnT w="12700" cap="flat" cmpd="sng" algn="ctr">
+                      <a:solidFill>
+                        <a:srgbClr val="A0FC63"/>
+                      </a:solidFill>
+                      <a:prstDash val="solid"/>
+                      <a:round/>
+                      <a:headEnd type="none" w="med" len="med"/>
+                      <a:tailEnd type="none" w="med" len="med"/>
+                    </a:lnT>
+                    <a:lnB w="12700" cap="flat" cmpd="sng" algn="ctr">
+                      <a:solidFill>
+                        <a:srgbClr val="80CD63"/>
+                      </a:solidFill>
+                      <a:prstDash val="solid"/>
+                      <a:round/>
+                      <a:headEnd type="none" w="med" len="med"/>
+                      <a:tailEnd type="none" w="med" len="med"/>
+                    </a:lnB>
+                    <a:solidFill>
+                      <a:srgbClr val="FFFFFF"/>
+                    </a:solidFill>
+                  </a:tcPr>
+                </a:tc>
+                <a:tc>
+                  <a:txBody>
+                    <a:bodyPr/>
+                    <a:lstStyle/>
+                    <a:p>
+                      <a:r>
+                        <a:rPr lang="en-US" sz="700">
+                          <a:effectLst/>
+                        </a:rPr>
+                        <a:t>1 in 150</a:t>
+                      </a:r>
+                    </a:p>
+                  </a:txBody>
+                  <a:tcPr marL="37386" marR="37386" marT="18693" marB="18693">
+                    <a:lnL w="12700" cap="flat" cmpd="sng" algn="ctr">
+                      <a:solidFill>
+                        <a:srgbClr val="40F963"/>
+                      </a:solidFill>
+                      <a:prstDash val="solid"/>
+                      <a:round/>
+                      <a:headEnd type="none" w="med" len="med"/>
+                      <a:tailEnd type="none" w="med" len="med"/>
+                    </a:lnL>
+                    <a:lnR w="12700" cap="flat" cmpd="sng" algn="ctr">
+                      <a:solidFill>
+                        <a:srgbClr val="40F963"/>
+                      </a:solidFill>
+                      <a:prstDash val="solid"/>
+                      <a:round/>
+                      <a:headEnd type="none" w="med" len="med"/>
+                      <a:tailEnd type="none" w="med" len="med"/>
+                    </a:lnR>
+                    <a:lnT w="12700" cap="flat" cmpd="sng" algn="ctr">
+                      <a:solidFill>
+                        <a:srgbClr val="40F963"/>
+                      </a:solidFill>
+                      <a:prstDash val="solid"/>
+                      <a:round/>
+                      <a:headEnd type="none" w="med" len="med"/>
+                      <a:tailEnd type="none" w="med" len="med"/>
+                    </a:lnT>
+                    <a:lnB w="12700" cap="flat" cmpd="sng" algn="ctr">
+                      <a:solidFill>
+                        <a:srgbClr val="A0C663"/>
+                      </a:solidFill>
+                      <a:prstDash val="solid"/>
+                      <a:round/>
+                      <a:headEnd type="none" w="med" len="med"/>
+                      <a:tailEnd type="none" w="med" len="med"/>
+                    </a:lnB>
+                    <a:solidFill>
+                      <a:srgbClr val="FFFFFF"/>
+                    </a:solidFill>
+                  </a:tcPr>
+                </a:tc>
+                <a:extLst>
+                  <a:ext uri="{0D108BD9-81ED-4DB2-BD59-A6C34878D82A}">
+                    <a16:rowId xmlns:a16="http://schemas.microsoft.com/office/drawing/2014/main" val="807503699"/>
+                  </a:ext>
+                </a:extLst>
+              </a:tr>
+              <a:tr h="238353">
+                <a:tc>
+                  <a:txBody>
+                    <a:bodyPr/>
+                    <a:lstStyle/>
+                    <a:p>
+                      <a:r>
+                        <a:rPr lang="en-US" sz="700">
+                          <a:effectLst/>
+                        </a:rPr>
+                        <a:t>2000</a:t>
+                      </a:r>
+                    </a:p>
+                  </a:txBody>
+                  <a:tcPr marL="37386" marR="37386" marT="18693" marB="18693">
+                    <a:lnL w="12700" cap="flat" cmpd="sng" algn="ctr">
+                      <a:solidFill>
+                        <a:srgbClr val="00C263"/>
+                      </a:solidFill>
+                      <a:prstDash val="solid"/>
+                      <a:round/>
+                      <a:headEnd type="none" w="med" len="med"/>
+                      <a:tailEnd type="none" w="med" len="med"/>
+                    </a:lnL>
+                    <a:lnR w="12700" cap="flat" cmpd="sng" algn="ctr">
+                      <a:solidFill>
+                        <a:srgbClr val="60C863"/>
+                      </a:solidFill>
+                      <a:prstDash val="solid"/>
+                      <a:round/>
+                      <a:headEnd type="none" w="med" len="med"/>
+                      <a:tailEnd type="none" w="med" len="med"/>
+                    </a:lnR>
+                    <a:lnT w="12700" cap="flat" cmpd="sng" algn="ctr">
+                      <a:solidFill>
+                        <a:srgbClr val="80F663"/>
+                      </a:solidFill>
+                      <a:prstDash val="solid"/>
+                      <a:round/>
+                      <a:headEnd type="none" w="med" len="med"/>
+                      <a:tailEnd type="none" w="med" len="med"/>
+                    </a:lnT>
+                    <a:lnB w="7620" cap="flat" cmpd="sng" algn="ctr">
+                      <a:solidFill>
+                        <a:srgbClr val="DEE2E6"/>
+                      </a:solidFill>
+                      <a:prstDash val="solid"/>
+                      <a:round/>
+                      <a:headEnd type="none" w="med" len="med"/>
+                      <a:tailEnd type="none" w="med" len="med"/>
+                    </a:lnB>
+                    <a:solidFill>
+                      <a:srgbClr val="FFFFFF"/>
+                    </a:solidFill>
+                  </a:tcPr>
+                </a:tc>
+                <a:tc>
+                  <a:txBody>
+                    <a:bodyPr/>
+                    <a:lstStyle/>
+                    <a:p>
+                      <a:r>
+                        <a:rPr lang="en-US" sz="700">
+                          <a:effectLst/>
+                        </a:rPr>
+                        <a:t>1992</a:t>
+                      </a:r>
+                    </a:p>
+                  </a:txBody>
+                  <a:tcPr marL="37386" marR="37386" marT="18693" marB="18693">
+                    <a:lnL w="12700" cap="flat" cmpd="sng" algn="ctr">
+                      <a:solidFill>
+                        <a:srgbClr val="60C863"/>
+                      </a:solidFill>
+                      <a:prstDash val="solid"/>
+                      <a:round/>
+                      <a:headEnd type="none" w="med" len="med"/>
+                      <a:tailEnd type="none" w="med" len="med"/>
+                    </a:lnL>
+                    <a:lnR w="12700" cap="flat" cmpd="sng" algn="ctr">
+                      <a:solidFill>
+                        <a:srgbClr val="40CB63"/>
+                      </a:solidFill>
+                      <a:prstDash val="solid"/>
+                      <a:round/>
+                      <a:headEnd type="none" w="med" len="med"/>
+                      <a:tailEnd type="none" w="med" len="med"/>
+                    </a:lnR>
+                    <a:lnT w="12700" cap="flat" cmpd="sng" algn="ctr">
+                      <a:solidFill>
+                        <a:srgbClr val="00C263"/>
+                      </a:solidFill>
+                      <a:prstDash val="solid"/>
+                      <a:round/>
+                      <a:headEnd type="none" w="med" len="med"/>
+                      <a:tailEnd type="none" w="med" len="med"/>
+                    </a:lnT>
+                    <a:lnB w="7620" cap="flat" cmpd="sng" algn="ctr">
+                      <a:solidFill>
+                        <a:srgbClr val="DEE2E6"/>
+                      </a:solidFill>
+                      <a:prstDash val="solid"/>
+                      <a:round/>
+                      <a:headEnd type="none" w="med" len="med"/>
+                      <a:tailEnd type="none" w="med" len="med"/>
+                    </a:lnB>
+                    <a:solidFill>
+                      <a:srgbClr val="FFFFFF"/>
+                    </a:solidFill>
+                  </a:tcPr>
+                </a:tc>
+                <a:tc>
+                  <a:txBody>
+                    <a:bodyPr/>
+                    <a:lstStyle/>
+                    <a:p>
+                      <a:r>
+                        <a:rPr lang="en-US" sz="700">
+                          <a:effectLst/>
+                        </a:rPr>
+                        <a:t>6</a:t>
+                      </a:r>
+                    </a:p>
+                  </a:txBody>
+                  <a:tcPr marL="37386" marR="37386" marT="18693" marB="18693">
+                    <a:lnL w="12700" cap="flat" cmpd="sng" algn="ctr">
+                      <a:solidFill>
+                        <a:srgbClr val="40CB63"/>
+                      </a:solidFill>
+                      <a:prstDash val="solid"/>
+                      <a:round/>
+                      <a:headEnd type="none" w="med" len="med"/>
+                      <a:tailEnd type="none" w="med" len="med"/>
+                    </a:lnL>
+                    <a:lnR w="12700" cap="flat" cmpd="sng" algn="ctr">
+                      <a:solidFill>
+                        <a:srgbClr val="20C663"/>
+                      </a:solidFill>
+                      <a:prstDash val="solid"/>
+                      <a:round/>
+                      <a:headEnd type="none" w="med" len="med"/>
+                      <a:tailEnd type="none" w="med" len="med"/>
+                    </a:lnR>
+                    <a:lnT w="12700" cap="flat" cmpd="sng" algn="ctr">
+                      <a:solidFill>
+                        <a:srgbClr val="A0C663"/>
+                      </a:solidFill>
+                      <a:prstDash val="solid"/>
+                      <a:round/>
+                      <a:headEnd type="none" w="med" len="med"/>
+                      <a:tailEnd type="none" w="med" len="med"/>
+                    </a:lnT>
+                    <a:lnB w="7620" cap="flat" cmpd="sng" algn="ctr">
+                      <a:solidFill>
+                        <a:srgbClr val="DEE2E6"/>
+                      </a:solidFill>
+                      <a:prstDash val="solid"/>
+                      <a:round/>
+                      <a:headEnd type="none" w="med" len="med"/>
+                      <a:tailEnd type="none" w="med" len="med"/>
+                    </a:lnB>
+                    <a:solidFill>
+                      <a:srgbClr val="FFFFFF"/>
+                    </a:solidFill>
+                  </a:tcPr>
+                </a:tc>
+                <a:tc>
+                  <a:txBody>
+                    <a:bodyPr/>
+                    <a:lstStyle/>
+                    <a:p>
+                      <a:r>
+                        <a:rPr lang="en-US" sz="700">
+                          <a:effectLst/>
+                        </a:rPr>
+                        <a:t>6.7 (4.5-9.9)</a:t>
+                      </a:r>
+                    </a:p>
+                  </a:txBody>
+                  <a:tcPr marL="37386" marR="37386" marT="18693" marB="18693">
+                    <a:lnL w="12700" cap="flat" cmpd="sng" algn="ctr">
+                      <a:solidFill>
+                        <a:srgbClr val="20C663"/>
+                      </a:solidFill>
+                      <a:prstDash val="solid"/>
+                      <a:round/>
+                      <a:headEnd type="none" w="med" len="med"/>
+                      <a:tailEnd type="none" w="med" len="med"/>
+                    </a:lnL>
+                    <a:lnR w="12700" cap="flat" cmpd="sng" algn="ctr">
+                      <a:solidFill>
+                        <a:srgbClr val="60D163"/>
+                      </a:solidFill>
+                      <a:prstDash val="solid"/>
+                      <a:round/>
+                      <a:headEnd type="none" w="med" len="med"/>
+                      <a:tailEnd type="none" w="med" len="med"/>
+                    </a:lnR>
+                    <a:lnT w="12700" cap="flat" cmpd="sng" algn="ctr">
+                      <a:solidFill>
+                        <a:srgbClr val="80CD63"/>
+                      </a:solidFill>
+                      <a:prstDash val="solid"/>
+                      <a:round/>
+                      <a:headEnd type="none" w="med" len="med"/>
+                      <a:tailEnd type="none" w="med" len="med"/>
+                    </a:lnT>
+                    <a:lnB w="7620" cap="flat" cmpd="sng" algn="ctr">
+                      <a:solidFill>
+                        <a:srgbClr val="DEE2E6"/>
+                      </a:solidFill>
+                      <a:prstDash val="solid"/>
+                      <a:round/>
+                      <a:headEnd type="none" w="med" len="med"/>
+                      <a:tailEnd type="none" w="med" len="med"/>
+                    </a:lnB>
+                    <a:solidFill>
+                      <a:srgbClr val="FFFFFF"/>
+                    </a:solidFill>
+                  </a:tcPr>
+                </a:tc>
+                <a:tc>
+                  <a:txBody>
+                    <a:bodyPr/>
+                    <a:lstStyle/>
+                    <a:p>
+                      <a:r>
+                        <a:rPr lang="en-US" sz="700" dirty="0">
+                          <a:effectLst/>
+                        </a:rPr>
+                        <a:t>1 in 150</a:t>
+                      </a:r>
+                    </a:p>
+                  </a:txBody>
+                  <a:tcPr marL="37386" marR="37386" marT="18693" marB="18693">
+                    <a:lnL w="12700" cap="flat" cmpd="sng" algn="ctr">
+                      <a:solidFill>
+                        <a:srgbClr val="60D163"/>
+                      </a:solidFill>
+                      <a:prstDash val="solid"/>
+                      <a:round/>
+                      <a:headEnd type="none" w="med" len="med"/>
+                      <a:tailEnd type="none" w="med" len="med"/>
+                    </a:lnL>
+                    <a:lnR w="12700" cap="flat" cmpd="sng" algn="ctr">
+                      <a:solidFill>
+                        <a:srgbClr val="00C763"/>
+                      </a:solidFill>
+                      <a:prstDash val="solid"/>
+                      <a:round/>
+                      <a:headEnd type="none" w="med" len="med"/>
+                      <a:tailEnd type="none" w="med" len="med"/>
+                    </a:lnR>
+                    <a:lnT w="12700" cap="flat" cmpd="sng" algn="ctr">
+                      <a:solidFill>
+                        <a:srgbClr val="A0C663"/>
+                      </a:solidFill>
+                      <a:prstDash val="solid"/>
+                      <a:round/>
+                      <a:headEnd type="none" w="med" len="med"/>
+                      <a:tailEnd type="none" w="med" len="med"/>
+                    </a:lnT>
+                    <a:lnB w="7620" cap="flat" cmpd="sng" algn="ctr">
+                      <a:solidFill>
+                        <a:srgbClr val="DEE2E6"/>
+                      </a:solidFill>
+                      <a:prstDash val="solid"/>
+                      <a:round/>
+                      <a:headEnd type="none" w="med" len="med"/>
+                      <a:tailEnd type="none" w="med" len="med"/>
+                    </a:lnB>
+                    <a:solidFill>
+                      <a:srgbClr val="FFFFFF"/>
+                    </a:solidFill>
+                  </a:tcPr>
+                </a:tc>
+                <a:extLst>
+                  <a:ext uri="{0D108BD9-81ED-4DB2-BD59-A6C34878D82A}">
+                    <a16:rowId xmlns:a16="http://schemas.microsoft.com/office/drawing/2014/main" val="517236153"/>
+                  </a:ext>
+                </a:extLst>
+              </a:tr>
+            </a:tbl>
+          </a:graphicData>
+        </a:graphic>
+      </p:graphicFrame>
+    </p:spTree>
+    <p:extLst>
+      <p:ext uri="{BB962C8B-B14F-4D97-AF65-F5344CB8AC3E}">
+        <p14:creationId xmlns:p14="http://schemas.microsoft.com/office/powerpoint/2010/main" val="3225950644"/>
+      </p:ext>
+    </p:extLst>
+  </p:cSld>
+  <p:clrMapOvr>
+    <a:masterClrMapping/>
+  </p:clrMapOvr>
+</p:sld>
+</file>
+
+<file path=ppt/slides/slide5.xml><?xml version="1.0" encoding="utf-8"?>
+<p:sld xmlns:a="http://schemas.openxmlformats.org/drawingml/2006/main" xmlns:r="http://schemas.openxmlformats.org/officeDocument/2006/relationships" xmlns:p="http://schemas.openxmlformats.org/presentationml/2006/main">
+  <p:cSld>
+    <p:spTree>
+      <p:nvGrpSpPr>
+        <p:cNvPr id="1" name=""/>
+        <p:cNvGrpSpPr/>
+        <p:nvPr/>
+      </p:nvGrpSpPr>
+      <p:grpSpPr>
+        <a:xfrm>
+          <a:off x="0" y="0"/>
+          <a:ext cx="0" cy="0"/>
+          <a:chOff x="0" y="0"/>
+          <a:chExt cx="0" cy="0"/>
+        </a:xfrm>
+      </p:grpSpPr>
+      <p:sp>
+        <p:nvSpPr>
+          <p:cNvPr id="2" name="Title 1">
+            <a:extLst>
+              <a:ext uri="{FF2B5EF4-FFF2-40B4-BE49-F238E27FC236}">
                 <a16:creationId xmlns:a16="http://schemas.microsoft.com/office/drawing/2014/main" id="{223D1AC6-CECE-B9E7-9A6D-AB9B7B57DB07}"/>
               </a:ext>
             </a:extLst>
@@ -3854,7 +8027,7 @@
 </p:sld>
 </file>
 
-<file path=ppt/slides/slide5.xml><?xml version="1.0" encoding="utf-8"?>
+<file path=ppt/slides/slide6.xml><?xml version="1.0" encoding="utf-8"?>
 <p:sld xmlns:a="http://schemas.openxmlformats.org/drawingml/2006/main" xmlns:r="http://schemas.openxmlformats.org/officeDocument/2006/relationships" xmlns:p="http://schemas.openxmlformats.org/presentationml/2006/main">
   <p:cSld>
     <p:spTree>
@@ -3933,7 +8106,7 @@
           </p:nvPr>
         </p:nvPicPr>
         <p:blipFill>
-          <a:blip r:embed="rId2" cstate="print">
+          <a:blip r:embed="rId3" cstate="print">
             <a:extLst>
               <a:ext uri="{28A0092B-C50C-407E-A947-70E740481C1C}">
                 <a14:useLocalDpi xmlns:a14="http://schemas.microsoft.com/office/drawing/2010/main" val="0"/>
@@ -3964,7 +8137,7 @@
 </p:sld>
 </file>
 
-<file path=ppt/slides/slide6.xml><?xml version="1.0" encoding="utf-8"?>
+<file path=ppt/slides/slide7.xml><?xml version="1.0" encoding="utf-8"?>
 <p:sld xmlns:a="http://schemas.openxmlformats.org/drawingml/2006/main" xmlns:r="http://schemas.openxmlformats.org/officeDocument/2006/relationships" xmlns:p="http://schemas.openxmlformats.org/presentationml/2006/main">
   <p:cSld>
     <p:spTree>

--- a/Beyond the Spectrum .pptx
+++ b/Beyond the Spectrum .pptx
@@ -13,8 +13,8 @@
   <p:sldIdLst>
     <p:sldId id="256" r:id="rId2"/>
     <p:sldId id="259" r:id="rId3"/>
-    <p:sldId id="258" r:id="rId4"/>
-    <p:sldId id="263" r:id="rId5"/>
+    <p:sldId id="263" r:id="rId4"/>
+    <p:sldId id="258" r:id="rId5"/>
     <p:sldId id="260" r:id="rId6"/>
     <p:sldId id="261" r:id="rId7"/>
     <p:sldId id="262" r:id="rId8"/>
@@ -830,110 +830,108 @@
           <a:bodyPr/>
           <a:lstStyle/>
           <a:p>
-            <a:pPr marL="0" marR="0" lvl="0" indent="0" algn="l" defTabSz="914400" rtl="0" eaLnBrk="1" fontAlgn="base" latinLnBrk="0" hangingPunct="1">
-              <a:lnSpc>
-                <a:spcPct val="100000"/>
-              </a:lnSpc>
-              <a:spcBef>
-                <a:spcPct val="30000"/>
-              </a:spcBef>
-              <a:spcAft>
-                <a:spcPct val="0"/>
-              </a:spcAft>
-              <a:buClrTx/>
-              <a:buSzTx/>
-              <a:buFontTx/>
-              <a:buNone/>
-              <a:tabLst/>
-              <a:defRPr/>
+            <a:pPr algn="l">
+              <a:buFont typeface="+mj-lt"/>
+              <a:buAutoNum type="arabicPeriod"/>
             </a:pPr>
             <a:r>
-              <a:rPr lang="en-US" sz="1200" b="0" dirty="0">
+              <a:rPr lang="en-US" b="1" i="0" dirty="0">
                 <a:solidFill>
-                  <a:srgbClr val="000000"/>
+                  <a:srgbClr val="D2D0CE"/>
                 </a:solidFill>
-                <a:latin typeface="苹方-简"/>
+                <a:effectLst/>
+                <a:latin typeface="-apple-system"/>
               </a:rPr>
-              <a:t>Minority children often face significant barriers in accessing therapeutic services due to systemic inequities, including geographic isolation and a shortage of culturally competent providers in their communities. This leads me to the supporting data I found regarding this.</a:t>
-            </a:r>
-          </a:p>
-          <a:p>
-            <a:pPr marL="0" marR="0" lvl="0" indent="0" algn="l" defTabSz="914400" rtl="0" eaLnBrk="1" fontAlgn="base" latinLnBrk="0" hangingPunct="1">
-              <a:lnSpc>
-                <a:spcPct val="100000"/>
-              </a:lnSpc>
-              <a:spcBef>
-                <a:spcPct val="30000"/>
-              </a:spcBef>
-              <a:spcAft>
-                <a:spcPct val="0"/>
-              </a:spcAft>
-              <a:buClrTx/>
-              <a:buSzTx/>
-              <a:buFontTx/>
-              <a:buNone/>
-              <a:tabLst/>
-              <a:defRPr/>
+              <a:t>Increasing Prevalence</a:t>
+            </a:r>
+            <a:r>
+              <a:rPr lang="en-US" b="0" i="0" dirty="0">
+                <a:solidFill>
+                  <a:srgbClr val="D2D0CE"/>
+                </a:solidFill>
+                <a:effectLst/>
+                <a:latin typeface="-apple-system"/>
+              </a:rPr>
+              <a:t>: The prevalence of ASD has increased significantly from 2000 to 2020. In 2000, the prevalence was 6.7 per 1,000 children (about 1 in 150), while in 2020, it was 27.6 per 1,000 children (about 1 in 36).</a:t>
+            </a:r>
+          </a:p>
+          <a:p>
+            <a:pPr algn="l">
+              <a:buFont typeface="+mj-lt"/>
+              <a:buAutoNum type="arabicPeriod"/>
             </a:pPr>
-            <a:endParaRPr lang="en-US" sz="1050" dirty="0"/>
-          </a:p>
-          <a:p>
-            <a:pPr marL="0" marR="0" lvl="0" indent="0" algn="l" defTabSz="914400" rtl="0" eaLnBrk="1" fontAlgn="base" latinLnBrk="0" hangingPunct="1">
-              <a:lnSpc>
-                <a:spcPct val="100000"/>
-              </a:lnSpc>
-              <a:spcBef>
-                <a:spcPct val="30000"/>
-              </a:spcBef>
-              <a:spcAft>
-                <a:spcPct val="0"/>
-              </a:spcAft>
-              <a:buClrTx/>
-              <a:buSzTx/>
-              <a:buFontTx/>
-              <a:buNone/>
-              <a:tabLst/>
-              <a:defRPr/>
+            <a:r>
+              <a:rPr lang="en-US" b="1" i="0" dirty="0">
+                <a:solidFill>
+                  <a:srgbClr val="D2D0CE"/>
+                </a:solidFill>
+                <a:effectLst/>
+                <a:latin typeface="-apple-system"/>
+              </a:rPr>
+              <a:t>Consistency in Reporting Sites</a:t>
+            </a:r>
+            <a:r>
+              <a:rPr lang="en-US" b="0" i="0" dirty="0">
+                <a:solidFill>
+                  <a:srgbClr val="D2D0CE"/>
+                </a:solidFill>
+                <a:effectLst/>
+                <a:latin typeface="-apple-system"/>
+              </a:rPr>
+              <a:t>: The number of ADDM sites reporting data has remained relatively consistent, with 11 sites reporting in most years. This consistency helps ensure the reliability of the data over time.</a:t>
+            </a:r>
+          </a:p>
+          <a:p>
+            <a:pPr algn="l">
+              <a:buFont typeface="+mj-lt"/>
+              <a:buAutoNum type="arabicPeriod"/>
             </a:pPr>
             <a:r>
-              <a:rPr lang="en-US" sz="1200" b="0" dirty="0">
+              <a:rPr lang="en-US" b="1" i="0" dirty="0">
                 <a:solidFill>
-                  <a:srgbClr val="000000"/>
+                  <a:srgbClr val="D2D0CE"/>
                 </a:solidFill>
-                <a:latin typeface="苹方-简"/>
+                <a:effectLst/>
+                <a:latin typeface="-apple-system"/>
               </a:rPr>
-              <a:t>Many families struggle with financial limitations that prevent them from affording necessary therapeutic services, particularly when insurance coverage is inadequate or non-existent for mental health care.</a:t>
-            </a:r>
-            <a:endParaRPr lang="en-US" sz="1050" dirty="0"/>
-          </a:p>
-          <a:p>
-            <a:pPr marL="0" marR="0" lvl="0" indent="0" algn="l" defTabSz="914400" rtl="0" eaLnBrk="1" fontAlgn="base" latinLnBrk="0" hangingPunct="1">
-              <a:lnSpc>
-                <a:spcPct val="100000"/>
-              </a:lnSpc>
-              <a:spcBef>
-                <a:spcPct val="30000"/>
-              </a:spcBef>
-              <a:spcAft>
-                <a:spcPct val="0"/>
-              </a:spcAft>
-              <a:buClrTx/>
-              <a:buSzTx/>
-              <a:buFontTx/>
-              <a:buNone/>
-              <a:tabLst/>
-              <a:defRPr/>
+              <a:t>Range of Prevalence</a:t>
+            </a:r>
+            <a:r>
+              <a:rPr lang="en-US" b="0" i="0" dirty="0">
+                <a:solidFill>
+                  <a:srgbClr val="D2D0CE"/>
+                </a:solidFill>
+                <a:effectLst/>
+                <a:latin typeface="-apple-system"/>
+              </a:rPr>
+              <a:t>: The range of prevalence across different ADDM sites shows variability, indicating that some regions have higher or lower rates of ASD diagnosis. For example, in 2020, the range was 23.1 to 44.9 per 1,000 children.</a:t>
+            </a:r>
+          </a:p>
+          <a:p>
+            <a:pPr algn="l">
+              <a:buFont typeface="+mj-lt"/>
+              <a:buAutoNum type="arabicPeriod"/>
             </a:pPr>
             <a:r>
-              <a:rPr lang="en-US" sz="1200" b="0" dirty="0">
+              <a:rPr lang="en-US" b="1" i="0" dirty="0">
                 <a:solidFill>
-                  <a:srgbClr val="000000"/>
+                  <a:srgbClr val="D2D0CE"/>
                 </a:solidFill>
-                <a:latin typeface="苹方-简"/>
+                <a:effectLst/>
+                <a:latin typeface="-apple-system"/>
               </a:rPr>
-              <a:t>These youth frequently face inadequate educational resources and support systems that fail to accommodate their unique learning needs, resulting in lower academic achievement and increased feelings of isolation, further complicating their social interactions and mental health.</a:t>
-            </a:r>
-            <a:endParaRPr lang="en-US" sz="1000" dirty="0"/>
+              <a:t>Yearly Trends</a:t>
+            </a:r>
+            <a:r>
+              <a:rPr lang="en-US" b="0" i="0" dirty="0">
+                <a:solidFill>
+                  <a:srgbClr val="D2D0CE"/>
+                </a:solidFill>
+                <a:effectLst/>
+                <a:latin typeface="-apple-system"/>
+              </a:rPr>
+              <a:t>: Each surveillance year shows a gradual increase in the prevalence rate, reflecting either an increase in the actual incidence of ASD, better diagnostic practices, or a combination of both.</a:t>
+            </a:r>
           </a:p>
           <a:p>
             <a:endParaRPr lang="en-US" dirty="0"/>
@@ -967,7 +965,7 @@
     </p:spTree>
     <p:extLst>
       <p:ext uri="{BB962C8B-B14F-4D97-AF65-F5344CB8AC3E}">
-        <p14:creationId xmlns:p14="http://schemas.microsoft.com/office/powerpoint/2010/main" val="3392151389"/>
+        <p14:creationId xmlns:p14="http://schemas.microsoft.com/office/powerpoint/2010/main" val="171999710"/>
       </p:ext>
     </p:extLst>
   </p:cSld>
@@ -1021,108 +1019,113 @@
           <a:bodyPr/>
           <a:lstStyle/>
           <a:p>
-            <a:pPr algn="l">
-              <a:buFont typeface="+mj-lt"/>
-              <a:buAutoNum type="arabicPeriod"/>
+            <a:pPr marL="0" marR="0" lvl="0" indent="0" algn="l" defTabSz="914400" rtl="0" eaLnBrk="1" fontAlgn="base" latinLnBrk="0" hangingPunct="1">
+              <a:lnSpc>
+                <a:spcPct val="100000"/>
+              </a:lnSpc>
+              <a:spcBef>
+                <a:spcPct val="30000"/>
+              </a:spcBef>
+              <a:spcAft>
+                <a:spcPct val="0"/>
+              </a:spcAft>
+              <a:buClrTx/>
+              <a:buSzTx/>
+              <a:buFontTx/>
+              <a:buNone/>
+              <a:tabLst/>
+              <a:defRPr/>
             </a:pPr>
             <a:r>
-              <a:rPr lang="en-US" b="1" i="0" dirty="0">
+              <a:rPr lang="en-US" sz="1200" b="0" dirty="0">
                 <a:solidFill>
-                  <a:srgbClr val="D2D0CE"/>
+                  <a:srgbClr val="000000"/>
                 </a:solidFill>
-                <a:effectLst/>
-                <a:latin typeface="-apple-system"/>
+                <a:latin typeface="苹方-简"/>
               </a:rPr>
-              <a:t>Increasing Prevalence</a:t>
-            </a:r>
-            <a:r>
-              <a:rPr lang="en-US" b="0" i="0" dirty="0">
+              <a:t>Minority children often face significant barriers in accessing therapeutic services due to systemic inequities, including geographic isolation and a shortage of culturally competent providers in their communities. Many families struggle with financial limitations that prevent them from affording necessary therapeutic services, particularly when insurance coverage is inadequate or non-existent for mental health care.</a:t>
+            </a:r>
+            <a:endParaRPr lang="en-US" sz="1050" dirty="0"/>
+          </a:p>
+          <a:p>
+            <a:pPr marL="0" marR="0" lvl="0" indent="0" algn="l" defTabSz="914400" rtl="0" eaLnBrk="1" fontAlgn="base" latinLnBrk="0" hangingPunct="1">
+              <a:lnSpc>
+                <a:spcPct val="100000"/>
+              </a:lnSpc>
+              <a:spcBef>
+                <a:spcPct val="30000"/>
+              </a:spcBef>
+              <a:spcAft>
+                <a:spcPct val="0"/>
+              </a:spcAft>
+              <a:buClrTx/>
+              <a:buSzTx/>
+              <a:buFontTx/>
+              <a:buNone/>
+              <a:tabLst/>
+              <a:defRPr/>
+            </a:pPr>
+            <a:r>
+              <a:rPr lang="en-US" sz="1200" b="0" dirty="0">
                 <a:solidFill>
-                  <a:srgbClr val="D2D0CE"/>
+                  <a:srgbClr val="000000"/>
                 </a:solidFill>
-                <a:effectLst/>
-                <a:latin typeface="-apple-system"/>
+                <a:latin typeface="苹方-简"/>
               </a:rPr>
-              <a:t>: The prevalence of ASD has increased significantly from 2000 to 2020. In 2000, the prevalence was 6.7 per 1,000 children (about 1 in 150), while in 2020, it was 27.6 per 1,000 children (about 1 in 36).</a:t>
-            </a:r>
-          </a:p>
-          <a:p>
-            <a:pPr algn="l">
-              <a:buFont typeface="+mj-lt"/>
-              <a:buAutoNum type="arabicPeriod"/>
+              <a:t>These youth frequently face inadequate educational resources and support systems that fail to accommodate their unique learning needs, resulting in lower academic achievement and increased feelings of isolation, further complicating their social interactions and mental health.</a:t>
+            </a:r>
+            <a:endParaRPr lang="en-US" sz="1000" dirty="0"/>
+          </a:p>
+          <a:p>
+            <a:pPr marL="0" marR="0" lvl="0" indent="0" algn="l" defTabSz="914400" rtl="0" eaLnBrk="1" fontAlgn="base" latinLnBrk="0" hangingPunct="1">
+              <a:lnSpc>
+                <a:spcPct val="100000"/>
+              </a:lnSpc>
+              <a:spcBef>
+                <a:spcPct val="30000"/>
+              </a:spcBef>
+              <a:spcAft>
+                <a:spcPct val="0"/>
+              </a:spcAft>
+              <a:buClrTx/>
+              <a:buSzTx/>
+              <a:buFontTx/>
+              <a:buNone/>
+              <a:tabLst/>
+              <a:defRPr/>
             </a:pPr>
             <a:r>
-              <a:rPr lang="en-US" b="1" i="0" dirty="0">
+              <a:rPr lang="en-US" sz="1200" b="0" dirty="0">
                 <a:solidFill>
-                  <a:srgbClr val="D2D0CE"/>
+                  <a:srgbClr val="000000"/>
                 </a:solidFill>
-                <a:effectLst/>
-                <a:latin typeface="-apple-system"/>
+                <a:latin typeface="苹方-简"/>
               </a:rPr>
-              <a:t>Consistency in Reporting Sites</a:t>
-            </a:r>
-            <a:r>
-              <a:rPr lang="en-US" b="0" i="0" dirty="0">
-                <a:solidFill>
-                  <a:srgbClr val="D2D0CE"/>
-                </a:solidFill>
-                <a:effectLst/>
-                <a:latin typeface="-apple-system"/>
-              </a:rPr>
-              <a:t>: The number of ADDM sites reporting data has remained relatively consistent, with 11 sites reporting in most years. This consistency helps ensure the reliability of the data over time.</a:t>
-            </a:r>
-          </a:p>
-          <a:p>
-            <a:pPr algn="l">
-              <a:buFont typeface="+mj-lt"/>
-              <a:buAutoNum type="arabicPeriod"/>
+              <a:t>This leads me to the supporting data I found regarding this.</a:t>
+            </a:r>
+          </a:p>
+          <a:p>
+            <a:pPr marL="0" marR="0" lvl="0" indent="0" algn="l" defTabSz="914400" rtl="0" eaLnBrk="1" fontAlgn="base" latinLnBrk="0" hangingPunct="1">
+              <a:lnSpc>
+                <a:spcPct val="100000"/>
+              </a:lnSpc>
+              <a:spcBef>
+                <a:spcPct val="30000"/>
+              </a:spcBef>
+              <a:spcAft>
+                <a:spcPct val="0"/>
+              </a:spcAft>
+              <a:buClrTx/>
+              <a:buSzTx/>
+              <a:buFontTx/>
+              <a:buNone/>
+              <a:tabLst/>
+              <a:defRPr/>
             </a:pPr>
-            <a:r>
-              <a:rPr lang="en-US" b="1" i="0" dirty="0">
-                <a:solidFill>
-                  <a:srgbClr val="D2D0CE"/>
-                </a:solidFill>
-                <a:effectLst/>
-                <a:latin typeface="-apple-system"/>
-              </a:rPr>
-              <a:t>Range of Prevalence</a:t>
-            </a:r>
-            <a:r>
-              <a:rPr lang="en-US" b="0" i="0" dirty="0">
-                <a:solidFill>
-                  <a:srgbClr val="D2D0CE"/>
-                </a:solidFill>
-                <a:effectLst/>
-                <a:latin typeface="-apple-system"/>
-              </a:rPr>
-              <a:t>: The range of prevalence across different ADDM sites shows variability, indicating that some regions have higher or lower rates of ASD diagnosis. For example, in 2020, the range was 23.1 to 44.9 per 1,000 children.</a:t>
-            </a:r>
-          </a:p>
-          <a:p>
-            <a:pPr algn="l">
-              <a:buFont typeface="+mj-lt"/>
-              <a:buAutoNum type="arabicPeriod"/>
-            </a:pPr>
-            <a:r>
-              <a:rPr lang="en-US" b="1" i="0" dirty="0">
-                <a:solidFill>
-                  <a:srgbClr val="D2D0CE"/>
-                </a:solidFill>
-                <a:effectLst/>
-                <a:latin typeface="-apple-system"/>
-              </a:rPr>
-              <a:t>Yearly Trends</a:t>
-            </a:r>
-            <a:r>
-              <a:rPr lang="en-US" b="0" i="0" dirty="0">
-                <a:solidFill>
-                  <a:srgbClr val="D2D0CE"/>
-                </a:solidFill>
-                <a:effectLst/>
-                <a:latin typeface="-apple-system"/>
-              </a:rPr>
-              <a:t>: Each surveillance year shows a gradual increase in the prevalence rate, reflecting either an increase in the actual incidence of ASD, better diagnostic practices, or a combination of both.</a:t>
-            </a:r>
+            <a:endParaRPr lang="en-US" sz="1050" dirty="0"/>
+          </a:p>
+          <a:p>
+            <a:endParaRPr lang="en-US" dirty="0"/>
           </a:p>
           <a:p>
             <a:endParaRPr lang="en-US" dirty="0"/>
@@ -1156,7 +1159,7 @@
     </p:spTree>
     <p:extLst>
       <p:ext uri="{BB962C8B-B14F-4D97-AF65-F5344CB8AC3E}">
-        <p14:creationId xmlns:p14="http://schemas.microsoft.com/office/powerpoint/2010/main" val="171999710"/>
+        <p14:creationId xmlns:p14="http://schemas.microsoft.com/office/powerpoint/2010/main" val="3392151389"/>
       </p:ext>
     </p:extLst>
   </p:cSld>
@@ -4029,315 +4032,6 @@
 <file path=ppt/slides/slide3.xml><?xml version="1.0" encoding="utf-8"?>
 <p:sld xmlns:a="http://schemas.openxmlformats.org/drawingml/2006/main" xmlns:r="http://schemas.openxmlformats.org/officeDocument/2006/relationships" xmlns:p="http://schemas.openxmlformats.org/presentationml/2006/main">
   <p:cSld>
-    <p:bg>
-      <p:bgPr>
-        <a:blipFill dpi="0" rotWithShape="0">
-          <a:blip r:embed="rId3"/>
-          <a:srcRect/>
-          <a:stretch>
-            <a:fillRect/>
-          </a:stretch>
-        </a:blipFill>
-        <a:effectLst/>
-      </p:bgPr>
-    </p:bg>
-    <p:spTree>
-      <p:nvGrpSpPr>
-        <p:cNvPr id="1" name=""/>
-        <p:cNvGrpSpPr/>
-        <p:nvPr/>
-      </p:nvGrpSpPr>
-      <p:grpSpPr>
-        <a:xfrm>
-          <a:off x="0" y="0"/>
-          <a:ext cx="0" cy="0"/>
-          <a:chOff x="0" y="0"/>
-          <a:chExt cx="0" cy="0"/>
-        </a:xfrm>
-      </p:grpSpPr>
-      <p:sp>
-        <p:nvSpPr>
-          <p:cNvPr id="2" name="TextBox 13">
-            <a:extLst>
-              <a:ext uri="{FF2B5EF4-FFF2-40B4-BE49-F238E27FC236}">
-                <a16:creationId xmlns:a16="http://schemas.microsoft.com/office/drawing/2014/main" id="{7718F9F1-D063-D39C-AF9C-A0CB1ECB7583}"/>
-              </a:ext>
-            </a:extLst>
-          </p:cNvPr>
-          <p:cNvSpPr txBox="1">
-            <a:spLocks noGrp="1"/>
-          </p:cNvSpPr>
-          <p:nvPr>
-            <p:ph type="title"/>
-          </p:nvPr>
-        </p:nvSpPr>
-        <p:spPr>
-          <a:xfrm>
-            <a:off x="1763688" y="658299"/>
-            <a:ext cx="7380312" cy="719807"/>
-          </a:xfrm>
-          <a:prstGeom prst="rect">
-            <a:avLst/>
-          </a:prstGeom>
-          <a:solidFill>
-            <a:srgbClr val="000000">
-              <a:alpha val="0"/>
-            </a:srgbClr>
-          </a:solidFill>
-        </p:spPr>
-        <p:txBody>
-          <a:bodyPr lIns="0" tIns="0" rIns="0" bIns="0" rtlCol="0" anchor="ctr"/>
-          <a:lstStyle/>
-          <a:p>
-            <a:pPr indent="0" algn="ctr">
-              <a:lnSpc>
-                <a:spcPct val="100000"/>
-              </a:lnSpc>
-              <a:defRPr/>
-            </a:pPr>
-            <a:r>
-              <a:rPr lang="en-US" sz="2400" b="1" dirty="0">
-                <a:solidFill>
-                  <a:schemeClr val="accent2">
-                    <a:lumMod val="75000"/>
-                  </a:schemeClr>
-                </a:solidFill>
-                <a:effectLst>
-                  <a:outerShdw blurRad="38100" dist="38100" dir="2700000" algn="tl">
-                    <a:srgbClr val="000000">
-                      <a:alpha val="43137"/>
-                    </a:srgbClr>
-                  </a:outerShdw>
-                </a:effectLst>
-                <a:latin typeface="+mn-lt"/>
-              </a:rPr>
-              <a:t>Challenges</a:t>
-            </a:r>
-            <a:r>
-              <a:rPr lang="en-US" sz="2400" b="1" dirty="0">
-                <a:solidFill>
-                  <a:schemeClr val="accent1">
-                    <a:lumMod val="75000"/>
-                  </a:schemeClr>
-                </a:solidFill>
-                <a:effectLst>
-                  <a:outerShdw blurRad="38100" dist="38100" dir="2700000" algn="tl">
-                    <a:srgbClr val="000000">
-                      <a:alpha val="43137"/>
-                    </a:srgbClr>
-                  </a:outerShdw>
-                </a:effectLst>
-                <a:latin typeface="+mn-lt"/>
-              </a:rPr>
-              <a:t> </a:t>
-            </a:r>
-            <a:r>
-              <a:rPr lang="en-US" sz="2400" b="1" dirty="0">
-                <a:solidFill>
-                  <a:schemeClr val="accent2">
-                    <a:lumMod val="75000"/>
-                  </a:schemeClr>
-                </a:solidFill>
-                <a:effectLst>
-                  <a:outerShdw blurRad="38100" dist="38100" dir="2700000" algn="tl">
-                    <a:srgbClr val="000000">
-                      <a:alpha val="43137"/>
-                    </a:srgbClr>
-                  </a:outerShdw>
-                </a:effectLst>
-                <a:latin typeface="+mn-lt"/>
-              </a:rPr>
-              <a:t>Faced by Minority Neurodivergent Youth</a:t>
-            </a:r>
-            <a:endParaRPr lang="en-US" sz="2400" dirty="0">
-              <a:solidFill>
-                <a:schemeClr val="accent2">
-                  <a:lumMod val="75000"/>
-                </a:schemeClr>
-              </a:solidFill>
-              <a:effectLst>
-                <a:outerShdw blurRad="38100" dist="38100" dir="2700000" algn="tl">
-                  <a:srgbClr val="000000">
-                    <a:alpha val="43137"/>
-                  </a:srgbClr>
-                </a:outerShdw>
-              </a:effectLst>
-              <a:latin typeface="+mn-lt"/>
-            </a:endParaRPr>
-          </a:p>
-        </p:txBody>
-      </p:sp>
-      <p:pic>
-        <p:nvPicPr>
-          <p:cNvPr id="3" name="Picture 10">
-            <a:extLst>
-              <a:ext uri="{FF2B5EF4-FFF2-40B4-BE49-F238E27FC236}">
-                <a16:creationId xmlns:a16="http://schemas.microsoft.com/office/drawing/2014/main" id="{978381D0-64F8-4375-1F62-4C59760F628A}"/>
-              </a:ext>
-            </a:extLst>
-          </p:cNvPr>
-          <p:cNvPicPr>
-            <a:picLocks noChangeAspect="1"/>
-          </p:cNvPicPr>
-          <p:nvPr/>
-        </p:nvPicPr>
-        <p:blipFill>
-          <a:blip r:embed="rId4"/>
-          <a:srcRect t="22000" b="22000"/>
-          <a:stretch>
-            <a:fillRect/>
-          </a:stretch>
-        </p:blipFill>
-        <p:spPr>
-          <a:xfrm>
-            <a:off x="1965788" y="2044166"/>
-            <a:ext cx="3334060" cy="1867691"/>
-          </a:xfrm>
-          <a:prstGeom prst="roundRect">
-            <a:avLst>
-              <a:gd name="adj" fmla="val 6611"/>
-            </a:avLst>
-          </a:prstGeom>
-        </p:spPr>
-      </p:pic>
-      <p:sp>
-        <p:nvSpPr>
-          <p:cNvPr id="5" name="TextBox 4">
-            <a:extLst>
-              <a:ext uri="{FF2B5EF4-FFF2-40B4-BE49-F238E27FC236}">
-                <a16:creationId xmlns:a16="http://schemas.microsoft.com/office/drawing/2014/main" id="{3BED35AF-B838-0FE3-6797-EF7E64F006E5}"/>
-              </a:ext>
-            </a:extLst>
-          </p:cNvPr>
-          <p:cNvSpPr txBox="1"/>
-          <p:nvPr/>
-        </p:nvSpPr>
-        <p:spPr>
-          <a:xfrm>
-            <a:off x="2195736" y="4375526"/>
-            <a:ext cx="2687781" cy="369332"/>
-          </a:xfrm>
-          <a:prstGeom prst="rect">
-            <a:avLst/>
-          </a:prstGeom>
-          <a:noFill/>
-        </p:spPr>
-        <p:txBody>
-          <a:bodyPr wrap="square">
-            <a:spAutoFit/>
-          </a:bodyPr>
-          <a:lstStyle/>
-          <a:p>
-            <a:pPr indent="0" algn="ctr">
-              <a:lnSpc>
-                <a:spcPct val="100000"/>
-              </a:lnSpc>
-              <a:defRPr/>
-            </a:pPr>
-            <a:r>
-              <a:rPr lang="en-US" sz="1800" b="1" dirty="0">
-                <a:solidFill>
-                  <a:srgbClr val="000000"/>
-                </a:solidFill>
-                <a:latin typeface="苹方-简"/>
-              </a:rPr>
-              <a:t>Access to Resources</a:t>
-            </a:r>
-            <a:endParaRPr lang="en-US" sz="1100" dirty="0"/>
-          </a:p>
-        </p:txBody>
-      </p:sp>
-      <p:pic>
-        <p:nvPicPr>
-          <p:cNvPr id="6" name="Picture 12">
-            <a:extLst>
-              <a:ext uri="{FF2B5EF4-FFF2-40B4-BE49-F238E27FC236}">
-                <a16:creationId xmlns:a16="http://schemas.microsoft.com/office/drawing/2014/main" id="{64EBA6F3-BDE8-96C5-8404-1887635E2E2A}"/>
-              </a:ext>
-            </a:extLst>
-          </p:cNvPr>
-          <p:cNvPicPr>
-            <a:picLocks noChangeAspect="1"/>
-          </p:cNvPicPr>
-          <p:nvPr/>
-        </p:nvPicPr>
-        <p:blipFill>
-          <a:blip r:embed="rId5"/>
-          <a:srcRect t="22000" b="22000"/>
-          <a:stretch>
-            <a:fillRect/>
-          </a:stretch>
-        </p:blipFill>
-        <p:spPr>
-          <a:xfrm>
-            <a:off x="5652121" y="2044166"/>
-            <a:ext cx="3334060" cy="1867691"/>
-          </a:xfrm>
-          <a:prstGeom prst="roundRect">
-            <a:avLst>
-              <a:gd name="adj" fmla="val 6611"/>
-            </a:avLst>
-          </a:prstGeom>
-        </p:spPr>
-      </p:pic>
-      <p:sp>
-        <p:nvSpPr>
-          <p:cNvPr id="8" name="TextBox 7">
-            <a:extLst>
-              <a:ext uri="{FF2B5EF4-FFF2-40B4-BE49-F238E27FC236}">
-                <a16:creationId xmlns:a16="http://schemas.microsoft.com/office/drawing/2014/main" id="{25321B33-3E89-B377-B2EC-60EC86BFA948}"/>
-              </a:ext>
-            </a:extLst>
-          </p:cNvPr>
-          <p:cNvSpPr txBox="1"/>
-          <p:nvPr/>
-        </p:nvSpPr>
-        <p:spPr>
-          <a:xfrm>
-            <a:off x="6198474" y="4375526"/>
-            <a:ext cx="2588932" cy="369332"/>
-          </a:xfrm>
-          <a:prstGeom prst="rect">
-            <a:avLst/>
-          </a:prstGeom>
-          <a:noFill/>
-        </p:spPr>
-        <p:txBody>
-          <a:bodyPr wrap="square">
-            <a:spAutoFit/>
-          </a:bodyPr>
-          <a:lstStyle/>
-          <a:p>
-            <a:pPr indent="0" algn="ctr">
-              <a:lnSpc>
-                <a:spcPct val="100000"/>
-              </a:lnSpc>
-              <a:defRPr/>
-            </a:pPr>
-            <a:r>
-              <a:rPr lang="en-US" sz="1800" b="1" dirty="0">
-                <a:solidFill>
-                  <a:srgbClr val="000000"/>
-                </a:solidFill>
-                <a:latin typeface="苹方-简"/>
-              </a:rPr>
-              <a:t>Educational Inequities</a:t>
-            </a:r>
-            <a:endParaRPr lang="en-US" sz="1100" dirty="0"/>
-          </a:p>
-        </p:txBody>
-      </p:sp>
-    </p:spTree>
-  </p:cSld>
-  <p:clrMapOvr>
-    <a:masterClrMapping/>
-  </p:clrMapOvr>
-</p:sld>
-</file>
-
-<file path=ppt/slides/slide4.xml><?xml version="1.0" encoding="utf-8"?>
-<p:sld xmlns:a="http://schemas.openxmlformats.org/drawingml/2006/main" xmlns:r="http://schemas.openxmlformats.org/officeDocument/2006/relationships" xmlns:p="http://schemas.openxmlformats.org/presentationml/2006/main">
-  <p:cSld>
     <p:spTree>
       <p:nvGrpSpPr>
         <p:cNvPr id="1" name=""/>
@@ -7851,6 +7545,315 @@
         <p14:creationId xmlns:p14="http://schemas.microsoft.com/office/powerpoint/2010/main" val="3225950644"/>
       </p:ext>
     </p:extLst>
+  </p:cSld>
+  <p:clrMapOvr>
+    <a:masterClrMapping/>
+  </p:clrMapOvr>
+</p:sld>
+</file>
+
+<file path=ppt/slides/slide4.xml><?xml version="1.0" encoding="utf-8"?>
+<p:sld xmlns:a="http://schemas.openxmlformats.org/drawingml/2006/main" xmlns:r="http://schemas.openxmlformats.org/officeDocument/2006/relationships" xmlns:p="http://schemas.openxmlformats.org/presentationml/2006/main">
+  <p:cSld>
+    <p:bg>
+      <p:bgPr>
+        <a:blipFill dpi="0" rotWithShape="0">
+          <a:blip r:embed="rId3"/>
+          <a:srcRect/>
+          <a:stretch>
+            <a:fillRect/>
+          </a:stretch>
+        </a:blipFill>
+        <a:effectLst/>
+      </p:bgPr>
+    </p:bg>
+    <p:spTree>
+      <p:nvGrpSpPr>
+        <p:cNvPr id="1" name=""/>
+        <p:cNvGrpSpPr/>
+        <p:nvPr/>
+      </p:nvGrpSpPr>
+      <p:grpSpPr>
+        <a:xfrm>
+          <a:off x="0" y="0"/>
+          <a:ext cx="0" cy="0"/>
+          <a:chOff x="0" y="0"/>
+          <a:chExt cx="0" cy="0"/>
+        </a:xfrm>
+      </p:grpSpPr>
+      <p:sp>
+        <p:nvSpPr>
+          <p:cNvPr id="2" name="TextBox 13">
+            <a:extLst>
+              <a:ext uri="{FF2B5EF4-FFF2-40B4-BE49-F238E27FC236}">
+                <a16:creationId xmlns:a16="http://schemas.microsoft.com/office/drawing/2014/main" id="{7718F9F1-D063-D39C-AF9C-A0CB1ECB7583}"/>
+              </a:ext>
+            </a:extLst>
+          </p:cNvPr>
+          <p:cNvSpPr txBox="1">
+            <a:spLocks noGrp="1"/>
+          </p:cNvSpPr>
+          <p:nvPr>
+            <p:ph type="title"/>
+          </p:nvPr>
+        </p:nvSpPr>
+        <p:spPr>
+          <a:xfrm>
+            <a:off x="1763688" y="658299"/>
+            <a:ext cx="7380312" cy="719807"/>
+          </a:xfrm>
+          <a:prstGeom prst="rect">
+            <a:avLst/>
+          </a:prstGeom>
+          <a:solidFill>
+            <a:srgbClr val="000000">
+              <a:alpha val="0"/>
+            </a:srgbClr>
+          </a:solidFill>
+        </p:spPr>
+        <p:txBody>
+          <a:bodyPr lIns="0" tIns="0" rIns="0" bIns="0" rtlCol="0" anchor="ctr"/>
+          <a:lstStyle/>
+          <a:p>
+            <a:pPr indent="0" algn="ctr">
+              <a:lnSpc>
+                <a:spcPct val="100000"/>
+              </a:lnSpc>
+              <a:defRPr/>
+            </a:pPr>
+            <a:r>
+              <a:rPr lang="en-US" sz="2400" b="1" dirty="0">
+                <a:solidFill>
+                  <a:schemeClr val="accent2">
+                    <a:lumMod val="75000"/>
+                  </a:schemeClr>
+                </a:solidFill>
+                <a:effectLst>
+                  <a:outerShdw blurRad="38100" dist="38100" dir="2700000" algn="tl">
+                    <a:srgbClr val="000000">
+                      <a:alpha val="43137"/>
+                    </a:srgbClr>
+                  </a:outerShdw>
+                </a:effectLst>
+                <a:latin typeface="+mn-lt"/>
+              </a:rPr>
+              <a:t>Challenges</a:t>
+            </a:r>
+            <a:r>
+              <a:rPr lang="en-US" sz="2400" b="1" dirty="0">
+                <a:solidFill>
+                  <a:schemeClr val="accent1">
+                    <a:lumMod val="75000"/>
+                  </a:schemeClr>
+                </a:solidFill>
+                <a:effectLst>
+                  <a:outerShdw blurRad="38100" dist="38100" dir="2700000" algn="tl">
+                    <a:srgbClr val="000000">
+                      <a:alpha val="43137"/>
+                    </a:srgbClr>
+                  </a:outerShdw>
+                </a:effectLst>
+                <a:latin typeface="+mn-lt"/>
+              </a:rPr>
+              <a:t> </a:t>
+            </a:r>
+            <a:r>
+              <a:rPr lang="en-US" sz="2400" b="1" dirty="0">
+                <a:solidFill>
+                  <a:schemeClr val="accent2">
+                    <a:lumMod val="75000"/>
+                  </a:schemeClr>
+                </a:solidFill>
+                <a:effectLst>
+                  <a:outerShdw blurRad="38100" dist="38100" dir="2700000" algn="tl">
+                    <a:srgbClr val="000000">
+                      <a:alpha val="43137"/>
+                    </a:srgbClr>
+                  </a:outerShdw>
+                </a:effectLst>
+                <a:latin typeface="+mn-lt"/>
+              </a:rPr>
+              <a:t>Faced by Minority Neurodivergent Youth</a:t>
+            </a:r>
+            <a:endParaRPr lang="en-US" sz="2400" dirty="0">
+              <a:solidFill>
+                <a:schemeClr val="accent2">
+                  <a:lumMod val="75000"/>
+                </a:schemeClr>
+              </a:solidFill>
+              <a:effectLst>
+                <a:outerShdw blurRad="38100" dist="38100" dir="2700000" algn="tl">
+                  <a:srgbClr val="000000">
+                    <a:alpha val="43137"/>
+                  </a:srgbClr>
+                </a:outerShdw>
+              </a:effectLst>
+              <a:latin typeface="+mn-lt"/>
+            </a:endParaRPr>
+          </a:p>
+        </p:txBody>
+      </p:sp>
+      <p:pic>
+        <p:nvPicPr>
+          <p:cNvPr id="3" name="Picture 10">
+            <a:extLst>
+              <a:ext uri="{FF2B5EF4-FFF2-40B4-BE49-F238E27FC236}">
+                <a16:creationId xmlns:a16="http://schemas.microsoft.com/office/drawing/2014/main" id="{978381D0-64F8-4375-1F62-4C59760F628A}"/>
+              </a:ext>
+            </a:extLst>
+          </p:cNvPr>
+          <p:cNvPicPr>
+            <a:picLocks noChangeAspect="1"/>
+          </p:cNvPicPr>
+          <p:nvPr/>
+        </p:nvPicPr>
+        <p:blipFill>
+          <a:blip r:embed="rId4"/>
+          <a:srcRect t="22000" b="22000"/>
+          <a:stretch>
+            <a:fillRect/>
+          </a:stretch>
+        </p:blipFill>
+        <p:spPr>
+          <a:xfrm>
+            <a:off x="1965788" y="2044166"/>
+            <a:ext cx="3334060" cy="1867691"/>
+          </a:xfrm>
+          <a:prstGeom prst="roundRect">
+            <a:avLst>
+              <a:gd name="adj" fmla="val 6611"/>
+            </a:avLst>
+          </a:prstGeom>
+        </p:spPr>
+      </p:pic>
+      <p:sp>
+        <p:nvSpPr>
+          <p:cNvPr id="5" name="TextBox 4">
+            <a:extLst>
+              <a:ext uri="{FF2B5EF4-FFF2-40B4-BE49-F238E27FC236}">
+                <a16:creationId xmlns:a16="http://schemas.microsoft.com/office/drawing/2014/main" id="{3BED35AF-B838-0FE3-6797-EF7E64F006E5}"/>
+              </a:ext>
+            </a:extLst>
+          </p:cNvPr>
+          <p:cNvSpPr txBox="1"/>
+          <p:nvPr/>
+        </p:nvSpPr>
+        <p:spPr>
+          <a:xfrm>
+            <a:off x="2195736" y="4375526"/>
+            <a:ext cx="2687781" cy="369332"/>
+          </a:xfrm>
+          <a:prstGeom prst="rect">
+            <a:avLst/>
+          </a:prstGeom>
+          <a:noFill/>
+        </p:spPr>
+        <p:txBody>
+          <a:bodyPr wrap="square">
+            <a:spAutoFit/>
+          </a:bodyPr>
+          <a:lstStyle/>
+          <a:p>
+            <a:pPr indent="0" algn="ctr">
+              <a:lnSpc>
+                <a:spcPct val="100000"/>
+              </a:lnSpc>
+              <a:defRPr/>
+            </a:pPr>
+            <a:r>
+              <a:rPr lang="en-US" sz="1800" b="1" dirty="0">
+                <a:solidFill>
+                  <a:srgbClr val="000000"/>
+                </a:solidFill>
+                <a:latin typeface="苹方-简"/>
+              </a:rPr>
+              <a:t>Access to Resources</a:t>
+            </a:r>
+            <a:endParaRPr lang="en-US" sz="1100" dirty="0"/>
+          </a:p>
+        </p:txBody>
+      </p:sp>
+      <p:pic>
+        <p:nvPicPr>
+          <p:cNvPr id="6" name="Picture 12">
+            <a:extLst>
+              <a:ext uri="{FF2B5EF4-FFF2-40B4-BE49-F238E27FC236}">
+                <a16:creationId xmlns:a16="http://schemas.microsoft.com/office/drawing/2014/main" id="{64EBA6F3-BDE8-96C5-8404-1887635E2E2A}"/>
+              </a:ext>
+            </a:extLst>
+          </p:cNvPr>
+          <p:cNvPicPr>
+            <a:picLocks noChangeAspect="1"/>
+          </p:cNvPicPr>
+          <p:nvPr/>
+        </p:nvPicPr>
+        <p:blipFill>
+          <a:blip r:embed="rId5"/>
+          <a:srcRect t="22000" b="22000"/>
+          <a:stretch>
+            <a:fillRect/>
+          </a:stretch>
+        </p:blipFill>
+        <p:spPr>
+          <a:xfrm>
+            <a:off x="5652121" y="2044166"/>
+            <a:ext cx="3334060" cy="1867691"/>
+          </a:xfrm>
+          <a:prstGeom prst="roundRect">
+            <a:avLst>
+              <a:gd name="adj" fmla="val 6611"/>
+            </a:avLst>
+          </a:prstGeom>
+        </p:spPr>
+      </p:pic>
+      <p:sp>
+        <p:nvSpPr>
+          <p:cNvPr id="8" name="TextBox 7">
+            <a:extLst>
+              <a:ext uri="{FF2B5EF4-FFF2-40B4-BE49-F238E27FC236}">
+                <a16:creationId xmlns:a16="http://schemas.microsoft.com/office/drawing/2014/main" id="{25321B33-3E89-B377-B2EC-60EC86BFA948}"/>
+              </a:ext>
+            </a:extLst>
+          </p:cNvPr>
+          <p:cNvSpPr txBox="1"/>
+          <p:nvPr/>
+        </p:nvSpPr>
+        <p:spPr>
+          <a:xfrm>
+            <a:off x="6198474" y="4375526"/>
+            <a:ext cx="2588932" cy="369332"/>
+          </a:xfrm>
+          <a:prstGeom prst="rect">
+            <a:avLst/>
+          </a:prstGeom>
+          <a:noFill/>
+        </p:spPr>
+        <p:txBody>
+          <a:bodyPr wrap="square">
+            <a:spAutoFit/>
+          </a:bodyPr>
+          <a:lstStyle/>
+          <a:p>
+            <a:pPr indent="0" algn="ctr">
+              <a:lnSpc>
+                <a:spcPct val="100000"/>
+              </a:lnSpc>
+              <a:defRPr/>
+            </a:pPr>
+            <a:r>
+              <a:rPr lang="en-US" sz="1800" b="1" dirty="0">
+                <a:solidFill>
+                  <a:srgbClr val="000000"/>
+                </a:solidFill>
+                <a:latin typeface="苹方-简"/>
+              </a:rPr>
+              <a:t>Educational Inequities</a:t>
+            </a:r>
+            <a:endParaRPr lang="en-US" sz="1100" dirty="0"/>
+          </a:p>
+        </p:txBody>
+      </p:sp>
+    </p:spTree>
   </p:cSld>
   <p:clrMapOvr>
     <a:masterClrMapping/>

--- a/Beyond the Spectrum .pptx
+++ b/Beyond the Spectrum .pptx
@@ -743,7 +743,7 @@
                 </a:solidFill>
                 <a:latin typeface="苹方-简"/>
               </a:rPr>
-              <a:t>Supporting neurodivergent youth is crucial for their personal growth and societal contribution, as it enhances their self-esteem, social skills, and overall well-being through tailored therapeutic interventions.</a:t>
+              <a:t>Supporting neurodivergent youth is crucial for their personal growth and societal contribution, as it enhances their self-esteem, social skills, and overall well-being through tailored therapeutic interventions. </a:t>
             </a:r>
             <a:endParaRPr lang="en-US" sz="1050" dirty="0"/>
           </a:p>
@@ -852,89 +852,14 @@
                 <a:effectLst/>
                 <a:latin typeface="-apple-system"/>
               </a:rPr>
-              <a:t>: The prevalence of ASD has increased significantly from 2000 to 2020. In 2000, the prevalence was 6.7 per 1,000 children (about 1 in 150), while in 2020, it was 27.6 per 1,000 children (about 1 in 36).</a:t>
-            </a:r>
-          </a:p>
-          <a:p>
-            <a:pPr algn="l">
-              <a:buFont typeface="+mj-lt"/>
-              <a:buAutoNum type="arabicPeriod"/>
-            </a:pPr>
-            <a:r>
-              <a:rPr lang="en-US" b="1" i="0" dirty="0">
-                <a:solidFill>
-                  <a:srgbClr val="D2D0CE"/>
-                </a:solidFill>
-                <a:effectLst/>
-                <a:latin typeface="-apple-system"/>
-              </a:rPr>
-              <a:t>Consistency in Reporting Sites</a:t>
-            </a:r>
-            <a:r>
-              <a:rPr lang="en-US" b="0" i="0" dirty="0">
-                <a:solidFill>
-                  <a:srgbClr val="D2D0CE"/>
-                </a:solidFill>
-                <a:effectLst/>
-                <a:latin typeface="-apple-system"/>
-              </a:rPr>
-              <a:t>: The number of ADDM sites reporting data has remained relatively consistent, with 11 sites reporting in most years. This consistency helps ensure the reliability of the data over time.</a:t>
-            </a:r>
-          </a:p>
-          <a:p>
-            <a:pPr algn="l">
-              <a:buFont typeface="+mj-lt"/>
-              <a:buAutoNum type="arabicPeriod"/>
-            </a:pPr>
-            <a:r>
-              <a:rPr lang="en-US" b="1" i="0" dirty="0">
-                <a:solidFill>
-                  <a:srgbClr val="D2D0CE"/>
-                </a:solidFill>
-                <a:effectLst/>
-                <a:latin typeface="-apple-system"/>
-              </a:rPr>
-              <a:t>Range of Prevalence</a:t>
-            </a:r>
-            <a:r>
-              <a:rPr lang="en-US" b="0" i="0" dirty="0">
-                <a:solidFill>
-                  <a:srgbClr val="D2D0CE"/>
-                </a:solidFill>
-                <a:effectLst/>
-                <a:latin typeface="-apple-system"/>
-              </a:rPr>
-              <a:t>: The range of prevalence across different ADDM sites shows variability, indicating that some regions have higher or lower rates of ASD diagnosis. For example, in 2020, the range was 23.1 to 44.9 per 1,000 children.</a:t>
-            </a:r>
-          </a:p>
-          <a:p>
-            <a:pPr algn="l">
-              <a:buFont typeface="+mj-lt"/>
-              <a:buAutoNum type="arabicPeriod"/>
-            </a:pPr>
-            <a:r>
-              <a:rPr lang="en-US" b="1" i="0" dirty="0">
-                <a:solidFill>
-                  <a:srgbClr val="D2D0CE"/>
-                </a:solidFill>
-                <a:effectLst/>
-                <a:latin typeface="-apple-system"/>
-              </a:rPr>
-              <a:t>Yearly Trends</a:t>
-            </a:r>
-            <a:r>
-              <a:rPr lang="en-US" b="0" i="0" dirty="0">
-                <a:solidFill>
-                  <a:srgbClr val="D2D0CE"/>
-                </a:solidFill>
-                <a:effectLst/>
-                <a:latin typeface="-apple-system"/>
-              </a:rPr>
-              <a:t>: Each surveillance year shows a gradual increase in the prevalence rate, reflecting either an increase in the actual incidence of ASD, better diagnostic practices, or a combination of both.</a:t>
-            </a:r>
-          </a:p>
-          <a:p>
-            <a:endParaRPr lang="en-US" dirty="0"/>
+              <a:t>: The prevalence of ASD has increased significantly from 2000 to 2020. In 2000, the prevalence was 6.7 per 1,000 children (about 1 in 150), while in 2020, it was 27.6 per 1,000 children (about 1 in 36). ( 1980 being the initial intervention and recognition points regarding autism although it had been spoken about long before that) </a:t>
+            </a:r>
+          </a:p>
+          <a:p>
+            <a:r>
+              <a:rPr lang="en-US" dirty="0"/>
+              <a:t>What does this tell us? </a:t>
+            </a:r>
           </a:p>
         </p:txBody>
       </p:sp>
